--- a/rapport-seo.pptx
+++ b/rapport-seo.pptx
@@ -8,9 +8,14 @@
     <p:sldId id="258" r:id="rId2"/>
     <p:sldId id="260" r:id="rId3"/>
     <p:sldId id="261" r:id="rId4"/>
-    <p:sldId id="262" r:id="rId5"/>
-    <p:sldId id="263" r:id="rId6"/>
-    <p:sldId id="264" r:id="rId7"/>
+    <p:sldId id="265" r:id="rId5"/>
+    <p:sldId id="262" r:id="rId6"/>
+    <p:sldId id="263" r:id="rId7"/>
+    <p:sldId id="264" r:id="rId8"/>
+    <p:sldId id="267" r:id="rId9"/>
+    <p:sldId id="268" r:id="rId10"/>
+    <p:sldId id="269" r:id="rId11"/>
+    <p:sldId id="270" r:id="rId12"/>
   </p:sldIdLst>
   <p:sldSz cx="12192000" cy="6858000"/>
   <p:notesSz cx="6858000" cy="9144000"/>
@@ -250,7 +255,7 @@
             <a:fld id="{7CF0BCE0-945C-4FDF-95A1-2149B1FF5B83}" type="datetimeFigureOut">
               <a:rPr lang="en-US" smtClean="0"/>
               <a:pPr algn="r"/>
-              <a:t>10/31/2022</a:t>
+              <a:t>11/1/2022</a:t>
             </a:fld>
             <a:endParaRPr lang="en-US" dirty="0"/>
           </a:p>
@@ -423,7 +428,7 @@
             <a:fld id="{7CF0BCE0-945C-4FDF-95A1-2149B1FF5B83}" type="datetimeFigureOut">
               <a:rPr lang="en-US" smtClean="0"/>
               <a:pPr algn="r"/>
-              <a:t>10/31/2022</a:t>
+              <a:t>11/1/2022</a:t>
             </a:fld>
             <a:endParaRPr lang="en-US" dirty="0"/>
           </a:p>
@@ -606,7 +611,7 @@
             <a:fld id="{7CF0BCE0-945C-4FDF-95A1-2149B1FF5B83}" type="datetimeFigureOut">
               <a:rPr lang="en-US" smtClean="0"/>
               <a:pPr algn="r"/>
-              <a:t>10/31/2022</a:t>
+              <a:t>11/1/2022</a:t>
             </a:fld>
             <a:endParaRPr lang="en-US" dirty="0"/>
           </a:p>
@@ -779,7 +784,7 @@
             <a:fld id="{7CF0BCE0-945C-4FDF-95A1-2149B1FF5B83}" type="datetimeFigureOut">
               <a:rPr lang="en-US" smtClean="0"/>
               <a:pPr algn="r"/>
-              <a:t>10/31/2022</a:t>
+              <a:t>11/1/2022</a:t>
             </a:fld>
             <a:endParaRPr lang="en-US" dirty="0"/>
           </a:p>
@@ -1028,7 +1033,7 @@
             <a:fld id="{7CF0BCE0-945C-4FDF-95A1-2149B1FF5B83}" type="datetimeFigureOut">
               <a:rPr lang="en-US" smtClean="0"/>
               <a:pPr algn="r"/>
-              <a:t>10/31/2022</a:t>
+              <a:t>11/1/2022</a:t>
             </a:fld>
             <a:endParaRPr lang="en-US" dirty="0"/>
           </a:p>
@@ -1263,7 +1268,7 @@
             <a:fld id="{7CF0BCE0-945C-4FDF-95A1-2149B1FF5B83}" type="datetimeFigureOut">
               <a:rPr lang="en-US" smtClean="0"/>
               <a:pPr algn="r"/>
-              <a:t>10/31/2022</a:t>
+              <a:t>11/1/2022</a:t>
             </a:fld>
             <a:endParaRPr lang="en-US" dirty="0"/>
           </a:p>
@@ -1633,7 +1638,7 @@
             <a:fld id="{7CF0BCE0-945C-4FDF-95A1-2149B1FF5B83}" type="datetimeFigureOut">
               <a:rPr lang="en-US" smtClean="0"/>
               <a:pPr algn="r"/>
-              <a:t>10/31/2022</a:t>
+              <a:t>11/1/2022</a:t>
             </a:fld>
             <a:endParaRPr lang="en-US" dirty="0"/>
           </a:p>
@@ -1754,7 +1759,7 @@
             <a:fld id="{7CF0BCE0-945C-4FDF-95A1-2149B1FF5B83}" type="datetimeFigureOut">
               <a:rPr lang="en-US" smtClean="0"/>
               <a:pPr algn="r"/>
-              <a:t>10/31/2022</a:t>
+              <a:t>11/1/2022</a:t>
             </a:fld>
             <a:endParaRPr lang="en-US" dirty="0"/>
           </a:p>
@@ -1852,7 +1857,7 @@
             <a:fld id="{7CF0BCE0-945C-4FDF-95A1-2149B1FF5B83}" type="datetimeFigureOut">
               <a:rPr lang="en-US" smtClean="0"/>
               <a:pPr algn="r"/>
-              <a:t>10/31/2022</a:t>
+              <a:t>11/1/2022</a:t>
             </a:fld>
             <a:endParaRPr lang="en-US" dirty="0"/>
           </a:p>
@@ -2132,7 +2137,7 @@
             <a:fld id="{7CF0BCE0-945C-4FDF-95A1-2149B1FF5B83}" type="datetimeFigureOut">
               <a:rPr lang="en-US" smtClean="0"/>
               <a:pPr algn="r"/>
-              <a:t>10/31/2022</a:t>
+              <a:t>11/1/2022</a:t>
             </a:fld>
             <a:endParaRPr lang="en-US" dirty="0"/>
           </a:p>
@@ -2392,7 +2397,7 @@
             <a:fld id="{7CF0BCE0-945C-4FDF-95A1-2149B1FF5B83}" type="datetimeFigureOut">
               <a:rPr lang="en-US" smtClean="0"/>
               <a:pPr algn="r"/>
-              <a:t>10/31/2022</a:t>
+              <a:t>11/1/2022</a:t>
             </a:fld>
             <a:endParaRPr lang="en-US" dirty="0"/>
           </a:p>
@@ -2608,7 +2613,7 @@
             <a:fld id="{7CF0BCE0-945C-4FDF-95A1-2149B1FF5B83}" type="datetimeFigureOut">
               <a:rPr lang="en-US" smtClean="0"/>
               <a:pPr algn="r"/>
-              <a:t>10/31/2022</a:t>
+              <a:t>11/1/2022</a:t>
             </a:fld>
             <a:endParaRPr lang="en-US" dirty="0"/>
           </a:p>
@@ -3456,6 +3461,1226 @@
 </p:sld>
 </file>
 
+<file path=ppt/slides/slide10.xml><?xml version="1.0" encoding="utf-8"?>
+<p:sld xmlns:a="http://schemas.openxmlformats.org/drawingml/2006/main" xmlns:r="http://schemas.openxmlformats.org/officeDocument/2006/relationships" xmlns:p="http://schemas.openxmlformats.org/presentationml/2006/main">
+  <p:cSld>
+    <p:spTree>
+      <p:nvGrpSpPr>
+        <p:cNvPr id="1" name=""/>
+        <p:cNvGrpSpPr/>
+        <p:nvPr/>
+      </p:nvGrpSpPr>
+      <p:grpSpPr>
+        <a:xfrm>
+          <a:off x="0" y="0"/>
+          <a:ext cx="0" cy="0"/>
+          <a:chOff x="0" y="0"/>
+          <a:chExt cx="0" cy="0"/>
+        </a:xfrm>
+      </p:grpSpPr>
+      <p:sp>
+        <p:nvSpPr>
+          <p:cNvPr id="8" name="Rectangle 7">
+            <a:extLst>
+              <a:ext uri="{FF2B5EF4-FFF2-40B4-BE49-F238E27FC236}">
+                <a16:creationId xmlns:a16="http://schemas.microsoft.com/office/drawing/2014/main" id="{238627E3-095A-44D1-CA0C-DE61E15E1FEE}"/>
+              </a:ext>
+            </a:extLst>
+          </p:cNvPr>
+          <p:cNvSpPr/>
+          <p:nvPr/>
+        </p:nvSpPr>
+        <p:spPr>
+          <a:xfrm>
+            <a:off x="6268596" y="1978563"/>
+            <a:ext cx="5923404" cy="3394716"/>
+          </a:xfrm>
+          <a:prstGeom prst="rect">
+            <a:avLst/>
+          </a:prstGeom>
+          <a:ln>
+            <a:solidFill>
+              <a:schemeClr val="accent6"/>
+            </a:solidFill>
+          </a:ln>
+        </p:spPr>
+        <p:style>
+          <a:lnRef idx="2">
+            <a:schemeClr val="accent6"/>
+          </a:lnRef>
+          <a:fillRef idx="1">
+            <a:schemeClr val="lt1"/>
+          </a:fillRef>
+          <a:effectRef idx="0">
+            <a:schemeClr val="accent6"/>
+          </a:effectRef>
+          <a:fontRef idx="minor">
+            <a:schemeClr val="dk1"/>
+          </a:fontRef>
+        </p:style>
+        <p:txBody>
+          <a:bodyPr rtlCol="0" anchor="ctr"/>
+          <a:lstStyle/>
+          <a:p>
+            <a:pPr algn="ctr"/>
+            <a:endParaRPr lang="fr-FR" dirty="0"/>
+          </a:p>
+        </p:txBody>
+      </p:sp>
+      <p:sp>
+        <p:nvSpPr>
+          <p:cNvPr id="7" name="Rectangle 6">
+            <a:extLst>
+              <a:ext uri="{FF2B5EF4-FFF2-40B4-BE49-F238E27FC236}">
+                <a16:creationId xmlns:a16="http://schemas.microsoft.com/office/drawing/2014/main" id="{E3831053-D63A-2E3E-DDBA-FA16F520BA16}"/>
+              </a:ext>
+            </a:extLst>
+          </p:cNvPr>
+          <p:cNvSpPr/>
+          <p:nvPr/>
+        </p:nvSpPr>
+        <p:spPr>
+          <a:xfrm>
+            <a:off x="0" y="1978563"/>
+            <a:ext cx="5901179" cy="3394715"/>
+          </a:xfrm>
+          <a:prstGeom prst="rect">
+            <a:avLst/>
+          </a:prstGeom>
+          <a:ln>
+            <a:solidFill>
+              <a:srgbClr val="FF5757"/>
+            </a:solidFill>
+          </a:ln>
+        </p:spPr>
+        <p:style>
+          <a:lnRef idx="2">
+            <a:schemeClr val="accent6"/>
+          </a:lnRef>
+          <a:fillRef idx="1">
+            <a:schemeClr val="lt1"/>
+          </a:fillRef>
+          <a:effectRef idx="0">
+            <a:schemeClr val="accent6"/>
+          </a:effectRef>
+          <a:fontRef idx="minor">
+            <a:schemeClr val="dk1"/>
+          </a:fontRef>
+        </p:style>
+        <p:txBody>
+          <a:bodyPr rtlCol="0" anchor="ctr"/>
+          <a:lstStyle/>
+          <a:p>
+            <a:pPr algn="ctr"/>
+            <a:endParaRPr lang="fr-FR"/>
+          </a:p>
+        </p:txBody>
+      </p:sp>
+      <p:sp>
+        <p:nvSpPr>
+          <p:cNvPr id="2" name="Titre 1">
+            <a:extLst>
+              <a:ext uri="{FF2B5EF4-FFF2-40B4-BE49-F238E27FC236}">
+                <a16:creationId xmlns:a16="http://schemas.microsoft.com/office/drawing/2014/main" id="{9DF8A662-2BDC-AEA3-4836-922961CC4248}"/>
+              </a:ext>
+            </a:extLst>
+          </p:cNvPr>
+          <p:cNvSpPr>
+            <a:spLocks noGrp="1"/>
+          </p:cNvSpPr>
+          <p:nvPr>
+            <p:ph type="title"/>
+          </p:nvPr>
+        </p:nvSpPr>
+        <p:spPr/>
+        <p:txBody>
+          <a:bodyPr/>
+          <a:lstStyle/>
+          <a:p>
+            <a:pPr algn="ctr"/>
+            <a:r>
+              <a:rPr lang="fr-FR" dirty="0"/>
+              <a:t>Linker les liens des fichiers</a:t>
+            </a:r>
+          </a:p>
+        </p:txBody>
+      </p:sp>
+      <p:sp>
+        <p:nvSpPr>
+          <p:cNvPr id="3" name="Espace réservé du texte 2">
+            <a:extLst>
+              <a:ext uri="{FF2B5EF4-FFF2-40B4-BE49-F238E27FC236}">
+                <a16:creationId xmlns:a16="http://schemas.microsoft.com/office/drawing/2014/main" id="{19D03F69-C668-9780-7B9F-3A2101DA2249}"/>
+              </a:ext>
+            </a:extLst>
+          </p:cNvPr>
+          <p:cNvSpPr>
+            <a:spLocks noGrp="1"/>
+          </p:cNvSpPr>
+          <p:nvPr>
+            <p:ph type="body" idx="1"/>
+          </p:nvPr>
+        </p:nvSpPr>
+        <p:spPr>
+          <a:xfrm>
+            <a:off x="0" y="1978563"/>
+            <a:ext cx="5898488" cy="843404"/>
+          </a:xfrm>
+          <a:solidFill>
+            <a:srgbClr val="FF5757"/>
+          </a:solidFill>
+        </p:spPr>
+        <p:txBody>
+          <a:bodyPr>
+            <a:normAutofit lnSpcReduction="10000"/>
+          </a:bodyPr>
+          <a:lstStyle/>
+          <a:p>
+            <a:pPr algn="ctr"/>
+            <a:r>
+              <a:rPr lang="fr-FR" dirty="0"/>
+              <a:t>Site la Panthère</a:t>
+            </a:r>
+          </a:p>
+          <a:p>
+            <a:pPr algn="ctr"/>
+            <a:r>
+              <a:rPr lang="fr-FR" dirty="0"/>
+              <a:t> </a:t>
+            </a:r>
+          </a:p>
+        </p:txBody>
+      </p:sp>
+      <p:sp>
+        <p:nvSpPr>
+          <p:cNvPr id="5" name="Espace réservé du texte 4">
+            <a:extLst>
+              <a:ext uri="{FF2B5EF4-FFF2-40B4-BE49-F238E27FC236}">
+                <a16:creationId xmlns:a16="http://schemas.microsoft.com/office/drawing/2014/main" id="{E98A551C-00B3-86B9-23DA-1330BBC8C92C}"/>
+              </a:ext>
+            </a:extLst>
+          </p:cNvPr>
+          <p:cNvSpPr>
+            <a:spLocks noGrp="1"/>
+          </p:cNvSpPr>
+          <p:nvPr>
+            <p:ph type="body" sz="quarter" idx="3"/>
+          </p:nvPr>
+        </p:nvSpPr>
+        <p:spPr>
+          <a:xfrm>
+            <a:off x="6265905" y="1998055"/>
+            <a:ext cx="5926095" cy="823912"/>
+          </a:xfrm>
+          <a:solidFill>
+            <a:schemeClr val="accent6">
+              <a:lumMod val="60000"/>
+              <a:lumOff val="40000"/>
+            </a:schemeClr>
+          </a:solidFill>
+        </p:spPr>
+        <p:txBody>
+          <a:bodyPr>
+            <a:normAutofit lnSpcReduction="10000"/>
+          </a:bodyPr>
+          <a:lstStyle/>
+          <a:p>
+            <a:pPr algn="ctr"/>
+            <a:r>
+              <a:rPr lang="fr-FR" dirty="0"/>
+              <a:t>Optimisation du site la panthère</a:t>
+            </a:r>
+          </a:p>
+          <a:p>
+            <a:pPr algn="ctr"/>
+            <a:endParaRPr lang="fr-FR" dirty="0"/>
+          </a:p>
+        </p:txBody>
+      </p:sp>
+      <p:sp>
+        <p:nvSpPr>
+          <p:cNvPr id="15" name="Rectangle 14">
+            <a:extLst>
+              <a:ext uri="{FF2B5EF4-FFF2-40B4-BE49-F238E27FC236}">
+                <a16:creationId xmlns:a16="http://schemas.microsoft.com/office/drawing/2014/main" id="{1320B198-E7AB-2C3D-776F-BCDDFCF59909}"/>
+              </a:ext>
+            </a:extLst>
+          </p:cNvPr>
+          <p:cNvSpPr/>
+          <p:nvPr/>
+        </p:nvSpPr>
+        <p:spPr>
+          <a:xfrm>
+            <a:off x="0" y="6179638"/>
+            <a:ext cx="12192000" cy="678362"/>
+          </a:xfrm>
+          <a:prstGeom prst="rect">
+            <a:avLst/>
+          </a:prstGeom>
+          <a:solidFill>
+            <a:schemeClr val="accent2">
+              <a:lumMod val="60000"/>
+              <a:lumOff val="40000"/>
+            </a:schemeClr>
+          </a:solidFill>
+          <a:ln/>
+        </p:spPr>
+        <p:style>
+          <a:lnRef idx="2">
+            <a:schemeClr val="accent2"/>
+          </a:lnRef>
+          <a:fillRef idx="1">
+            <a:schemeClr val="lt1"/>
+          </a:fillRef>
+          <a:effectRef idx="0">
+            <a:schemeClr val="accent2"/>
+          </a:effectRef>
+          <a:fontRef idx="minor">
+            <a:schemeClr val="dk1"/>
+          </a:fontRef>
+        </p:style>
+        <p:txBody>
+          <a:bodyPr rtlCol="0" anchor="ctr"/>
+          <a:lstStyle/>
+          <a:p>
+            <a:pPr algn="ctr"/>
+            <a:r>
+              <a:rPr lang="fr-FR" dirty="0"/>
+              <a:t>Indiquer le bon chemin de fichier à linker permet au site d’utiliser les fichiers </a:t>
+            </a:r>
+            <a:r>
+              <a:rPr lang="fr-FR" dirty="0" err="1"/>
+              <a:t>Css</a:t>
+            </a:r>
+            <a:r>
+              <a:rPr lang="fr-FR" dirty="0"/>
+              <a:t> et </a:t>
+            </a:r>
+            <a:r>
+              <a:rPr lang="fr-FR" dirty="0" err="1"/>
+              <a:t>Js</a:t>
+            </a:r>
+            <a:r>
+              <a:rPr lang="fr-FR" dirty="0"/>
+              <a:t>.</a:t>
+            </a:r>
+          </a:p>
+        </p:txBody>
+      </p:sp>
+      <p:sp>
+        <p:nvSpPr>
+          <p:cNvPr id="10" name="Flèche : droite 9">
+            <a:extLst>
+              <a:ext uri="{FF2B5EF4-FFF2-40B4-BE49-F238E27FC236}">
+                <a16:creationId xmlns:a16="http://schemas.microsoft.com/office/drawing/2014/main" id="{F67D5EC8-AC32-BA1A-959E-3428E8AC1F55}"/>
+              </a:ext>
+            </a:extLst>
+          </p:cNvPr>
+          <p:cNvSpPr/>
+          <p:nvPr/>
+        </p:nvSpPr>
+        <p:spPr>
+          <a:xfrm>
+            <a:off x="5312108" y="1918973"/>
+            <a:ext cx="1326596" cy="533926"/>
+          </a:xfrm>
+          <a:prstGeom prst="rightArrow">
+            <a:avLst/>
+          </a:prstGeom>
+        </p:spPr>
+        <p:style>
+          <a:lnRef idx="2">
+            <a:schemeClr val="accent1">
+              <a:shade val="50000"/>
+            </a:schemeClr>
+          </a:lnRef>
+          <a:fillRef idx="1">
+            <a:schemeClr val="accent1"/>
+          </a:fillRef>
+          <a:effectRef idx="0">
+            <a:schemeClr val="accent1"/>
+          </a:effectRef>
+          <a:fontRef idx="minor">
+            <a:schemeClr val="lt1"/>
+          </a:fontRef>
+        </p:style>
+        <p:txBody>
+          <a:bodyPr rtlCol="0" anchor="ctr"/>
+          <a:lstStyle/>
+          <a:p>
+            <a:pPr algn="ctr"/>
+            <a:endParaRPr lang="fr-FR"/>
+          </a:p>
+        </p:txBody>
+      </p:sp>
+      <p:sp>
+        <p:nvSpPr>
+          <p:cNvPr id="4" name="Ellipse 3">
+            <a:extLst>
+              <a:ext uri="{FF2B5EF4-FFF2-40B4-BE49-F238E27FC236}">
+                <a16:creationId xmlns:a16="http://schemas.microsoft.com/office/drawing/2014/main" id="{54A0B66F-1D86-2833-8370-682C4C7D5B23}"/>
+              </a:ext>
+            </a:extLst>
+          </p:cNvPr>
+          <p:cNvSpPr/>
+          <p:nvPr/>
+        </p:nvSpPr>
+        <p:spPr>
+          <a:xfrm>
+            <a:off x="10626462" y="50882"/>
+            <a:ext cx="1451499" cy="799398"/>
+          </a:xfrm>
+          <a:prstGeom prst="ellipse">
+            <a:avLst/>
+          </a:prstGeom>
+          <a:solidFill>
+            <a:schemeClr val="accent6">
+              <a:lumMod val="60000"/>
+              <a:lumOff val="40000"/>
+            </a:schemeClr>
+          </a:solidFill>
+        </p:spPr>
+        <p:style>
+          <a:lnRef idx="2">
+            <a:schemeClr val="accent1">
+              <a:shade val="50000"/>
+            </a:schemeClr>
+          </a:lnRef>
+          <a:fillRef idx="1">
+            <a:schemeClr val="accent1"/>
+          </a:fillRef>
+          <a:effectRef idx="0">
+            <a:schemeClr val="accent1"/>
+          </a:effectRef>
+          <a:fontRef idx="minor">
+            <a:schemeClr val="lt1"/>
+          </a:fontRef>
+        </p:style>
+        <p:txBody>
+          <a:bodyPr rtlCol="0" anchor="ctr"/>
+          <a:lstStyle/>
+          <a:p>
+            <a:pPr algn="ctr"/>
+            <a:r>
+              <a:rPr lang="fr-FR" dirty="0">
+                <a:solidFill>
+                  <a:schemeClr val="tx1"/>
+                </a:solidFill>
+              </a:rPr>
+              <a:t>Terminé</a:t>
+            </a:r>
+          </a:p>
+        </p:txBody>
+      </p:sp>
+      <p:pic>
+        <p:nvPicPr>
+          <p:cNvPr id="21" name="Espace réservé du contenu 20" descr="Une image contenant texte&#10;&#10;Description générée automatiquement">
+            <a:extLst>
+              <a:ext uri="{FF2B5EF4-FFF2-40B4-BE49-F238E27FC236}">
+                <a16:creationId xmlns:a16="http://schemas.microsoft.com/office/drawing/2014/main" id="{A9F320FD-97BA-736E-98CA-5F373ECCC3ED}"/>
+              </a:ext>
+            </a:extLst>
+          </p:cNvPr>
+          <p:cNvPicPr>
+            <a:picLocks noGrp="1" noChangeAspect="1"/>
+          </p:cNvPicPr>
+          <p:nvPr>
+            <p:ph sz="half" idx="2"/>
+          </p:nvPr>
+        </p:nvPicPr>
+        <p:blipFill>
+          <a:blip r:embed="rId2">
+            <a:extLst>
+              <a:ext uri="{28A0092B-C50C-407E-A947-70E740481C1C}">
+                <a14:useLocalDpi xmlns:a14="http://schemas.microsoft.com/office/drawing/2010/main" val="0"/>
+              </a:ext>
+            </a:extLst>
+          </a:blip>
+          <a:stretch>
+            <a:fillRect/>
+          </a:stretch>
+        </p:blipFill>
+        <p:spPr>
+          <a:xfrm>
+            <a:off x="1" y="2821967"/>
+            <a:ext cx="4060796" cy="2543284"/>
+          </a:xfrm>
+        </p:spPr>
+      </p:pic>
+      <p:pic>
+        <p:nvPicPr>
+          <p:cNvPr id="29" name="Espace réservé du contenu 28" descr="Une image contenant texte&#10;&#10;Description générée automatiquement">
+            <a:extLst>
+              <a:ext uri="{FF2B5EF4-FFF2-40B4-BE49-F238E27FC236}">
+                <a16:creationId xmlns:a16="http://schemas.microsoft.com/office/drawing/2014/main" id="{7AAE76E1-D4AC-71B8-C3F1-A655C96FA9E8}"/>
+              </a:ext>
+            </a:extLst>
+          </p:cNvPr>
+          <p:cNvPicPr>
+            <a:picLocks noGrp="1" noChangeAspect="1"/>
+          </p:cNvPicPr>
+          <p:nvPr>
+            <p:ph sz="quarter" idx="4"/>
+          </p:nvPr>
+        </p:nvPicPr>
+        <p:blipFill>
+          <a:blip r:embed="rId3">
+            <a:extLst>
+              <a:ext uri="{28A0092B-C50C-407E-A947-70E740481C1C}">
+                <a14:useLocalDpi xmlns:a14="http://schemas.microsoft.com/office/drawing/2010/main" val="0"/>
+              </a:ext>
+            </a:extLst>
+          </a:blip>
+          <a:stretch>
+            <a:fillRect/>
+          </a:stretch>
+        </p:blipFill>
+        <p:spPr>
+          <a:xfrm>
+            <a:off x="3677272" y="2821967"/>
+            <a:ext cx="2141406" cy="1013548"/>
+          </a:xfrm>
+        </p:spPr>
+      </p:pic>
+      <p:pic>
+        <p:nvPicPr>
+          <p:cNvPr id="31" name="Image 30">
+            <a:extLst>
+              <a:ext uri="{FF2B5EF4-FFF2-40B4-BE49-F238E27FC236}">
+                <a16:creationId xmlns:a16="http://schemas.microsoft.com/office/drawing/2014/main" id="{E8522832-CB3B-3360-224F-145398895836}"/>
+              </a:ext>
+            </a:extLst>
+          </p:cNvPr>
+          <p:cNvPicPr>
+            <a:picLocks noChangeAspect="1"/>
+          </p:cNvPicPr>
+          <p:nvPr/>
+        </p:nvPicPr>
+        <p:blipFill>
+          <a:blip r:embed="rId4">
+            <a:extLst>
+              <a:ext uri="{28A0092B-C50C-407E-A947-70E740481C1C}">
+                <a14:useLocalDpi xmlns:a14="http://schemas.microsoft.com/office/drawing/2010/main" val="0"/>
+              </a:ext>
+            </a:extLst>
+          </a:blip>
+          <a:stretch>
+            <a:fillRect/>
+          </a:stretch>
+        </p:blipFill>
+        <p:spPr>
+          <a:xfrm>
+            <a:off x="3677270" y="3806048"/>
+            <a:ext cx="2157065" cy="1554732"/>
+          </a:xfrm>
+          <a:prstGeom prst="rect">
+            <a:avLst/>
+          </a:prstGeom>
+        </p:spPr>
+      </p:pic>
+      <p:pic>
+        <p:nvPicPr>
+          <p:cNvPr id="33" name="Image 32" descr="Une image contenant texte&#10;&#10;Description générée automatiquement">
+            <a:extLst>
+              <a:ext uri="{FF2B5EF4-FFF2-40B4-BE49-F238E27FC236}">
+                <a16:creationId xmlns:a16="http://schemas.microsoft.com/office/drawing/2014/main" id="{1D909608-6C44-889F-40CB-2BE3869326CF}"/>
+              </a:ext>
+            </a:extLst>
+          </p:cNvPr>
+          <p:cNvPicPr>
+            <a:picLocks noChangeAspect="1"/>
+          </p:cNvPicPr>
+          <p:nvPr/>
+        </p:nvPicPr>
+        <p:blipFill>
+          <a:blip r:embed="rId5">
+            <a:extLst>
+              <a:ext uri="{28A0092B-C50C-407E-A947-70E740481C1C}">
+                <a14:useLocalDpi xmlns:a14="http://schemas.microsoft.com/office/drawing/2010/main" val="0"/>
+              </a:ext>
+            </a:extLst>
+          </a:blip>
+          <a:stretch>
+            <a:fillRect/>
+          </a:stretch>
+        </p:blipFill>
+        <p:spPr>
+          <a:xfrm>
+            <a:off x="6290823" y="2800564"/>
+            <a:ext cx="4335639" cy="2572560"/>
+          </a:xfrm>
+          <a:prstGeom prst="rect">
+            <a:avLst/>
+          </a:prstGeom>
+        </p:spPr>
+      </p:pic>
+      <p:pic>
+        <p:nvPicPr>
+          <p:cNvPr id="35" name="Image 34" descr="Une image contenant texte&#10;&#10;Description générée automatiquement">
+            <a:extLst>
+              <a:ext uri="{FF2B5EF4-FFF2-40B4-BE49-F238E27FC236}">
+                <a16:creationId xmlns:a16="http://schemas.microsoft.com/office/drawing/2014/main" id="{971FFE31-EE49-5C63-D590-F9BF4D6CAD03}"/>
+              </a:ext>
+            </a:extLst>
+          </p:cNvPr>
+          <p:cNvPicPr>
+            <a:picLocks noChangeAspect="1"/>
+          </p:cNvPicPr>
+          <p:nvPr/>
+        </p:nvPicPr>
+        <p:blipFill>
+          <a:blip r:embed="rId6">
+            <a:extLst>
+              <a:ext uri="{28A0092B-C50C-407E-A947-70E740481C1C}">
+                <a14:useLocalDpi xmlns:a14="http://schemas.microsoft.com/office/drawing/2010/main" val="0"/>
+              </a:ext>
+            </a:extLst>
+          </a:blip>
+          <a:stretch>
+            <a:fillRect/>
+          </a:stretch>
+        </p:blipFill>
+        <p:spPr>
+          <a:xfrm>
+            <a:off x="10626461" y="2841141"/>
+            <a:ext cx="1565537" cy="1109109"/>
+          </a:xfrm>
+          <a:prstGeom prst="rect">
+            <a:avLst/>
+          </a:prstGeom>
+        </p:spPr>
+      </p:pic>
+      <p:pic>
+        <p:nvPicPr>
+          <p:cNvPr id="37" name="Image 36">
+            <a:extLst>
+              <a:ext uri="{FF2B5EF4-FFF2-40B4-BE49-F238E27FC236}">
+                <a16:creationId xmlns:a16="http://schemas.microsoft.com/office/drawing/2014/main" id="{A500C8D7-3246-EC35-FE1E-1338FBF2F902}"/>
+              </a:ext>
+            </a:extLst>
+          </p:cNvPr>
+          <p:cNvPicPr>
+            <a:picLocks noChangeAspect="1"/>
+          </p:cNvPicPr>
+          <p:nvPr/>
+        </p:nvPicPr>
+        <p:blipFill>
+          <a:blip r:embed="rId7">
+            <a:extLst>
+              <a:ext uri="{28A0092B-C50C-407E-A947-70E740481C1C}">
+                <a14:useLocalDpi xmlns:a14="http://schemas.microsoft.com/office/drawing/2010/main" val="0"/>
+              </a:ext>
+            </a:extLst>
+          </a:blip>
+          <a:stretch>
+            <a:fillRect/>
+          </a:stretch>
+        </p:blipFill>
+        <p:spPr>
+          <a:xfrm>
+            <a:off x="10626458" y="3806047"/>
+            <a:ext cx="1565539" cy="1545961"/>
+          </a:xfrm>
+          <a:prstGeom prst="rect">
+            <a:avLst/>
+          </a:prstGeom>
+        </p:spPr>
+      </p:pic>
+    </p:spTree>
+    <p:extLst>
+      <p:ext uri="{BB962C8B-B14F-4D97-AF65-F5344CB8AC3E}">
+        <p14:creationId xmlns:p14="http://schemas.microsoft.com/office/powerpoint/2010/main" val="2293870254"/>
+      </p:ext>
+    </p:extLst>
+  </p:cSld>
+  <p:clrMapOvr>
+    <a:masterClrMapping/>
+  </p:clrMapOvr>
+</p:sld>
+</file>
+
+<file path=ppt/slides/slide11.xml><?xml version="1.0" encoding="utf-8"?>
+<p:sld xmlns:a="http://schemas.openxmlformats.org/drawingml/2006/main" xmlns:r="http://schemas.openxmlformats.org/officeDocument/2006/relationships" xmlns:p="http://schemas.openxmlformats.org/presentationml/2006/main">
+  <p:cSld>
+    <p:spTree>
+      <p:nvGrpSpPr>
+        <p:cNvPr id="1" name=""/>
+        <p:cNvGrpSpPr/>
+        <p:nvPr/>
+      </p:nvGrpSpPr>
+      <p:grpSpPr>
+        <a:xfrm>
+          <a:off x="0" y="0"/>
+          <a:ext cx="0" cy="0"/>
+          <a:chOff x="0" y="0"/>
+          <a:chExt cx="0" cy="0"/>
+        </a:xfrm>
+      </p:grpSpPr>
+      <p:sp>
+        <p:nvSpPr>
+          <p:cNvPr id="8" name="Rectangle 7">
+            <a:extLst>
+              <a:ext uri="{FF2B5EF4-FFF2-40B4-BE49-F238E27FC236}">
+                <a16:creationId xmlns:a16="http://schemas.microsoft.com/office/drawing/2014/main" id="{238627E3-095A-44D1-CA0C-DE61E15E1FEE}"/>
+              </a:ext>
+            </a:extLst>
+          </p:cNvPr>
+          <p:cNvSpPr/>
+          <p:nvPr/>
+        </p:nvSpPr>
+        <p:spPr>
+          <a:xfrm>
+            <a:off x="6268596" y="1978563"/>
+            <a:ext cx="5923404" cy="3394716"/>
+          </a:xfrm>
+          <a:prstGeom prst="rect">
+            <a:avLst/>
+          </a:prstGeom>
+          <a:ln>
+            <a:solidFill>
+              <a:schemeClr val="accent6"/>
+            </a:solidFill>
+          </a:ln>
+        </p:spPr>
+        <p:style>
+          <a:lnRef idx="2">
+            <a:schemeClr val="accent6"/>
+          </a:lnRef>
+          <a:fillRef idx="1">
+            <a:schemeClr val="lt1"/>
+          </a:fillRef>
+          <a:effectRef idx="0">
+            <a:schemeClr val="accent6"/>
+          </a:effectRef>
+          <a:fontRef idx="minor">
+            <a:schemeClr val="dk1"/>
+          </a:fontRef>
+        </p:style>
+        <p:txBody>
+          <a:bodyPr rtlCol="0" anchor="ctr"/>
+          <a:lstStyle/>
+          <a:p>
+            <a:pPr algn="ctr"/>
+            <a:endParaRPr lang="fr-FR" dirty="0"/>
+          </a:p>
+        </p:txBody>
+      </p:sp>
+      <p:sp>
+        <p:nvSpPr>
+          <p:cNvPr id="7" name="Rectangle 6">
+            <a:extLst>
+              <a:ext uri="{FF2B5EF4-FFF2-40B4-BE49-F238E27FC236}">
+                <a16:creationId xmlns:a16="http://schemas.microsoft.com/office/drawing/2014/main" id="{E3831053-D63A-2E3E-DDBA-FA16F520BA16}"/>
+              </a:ext>
+            </a:extLst>
+          </p:cNvPr>
+          <p:cNvSpPr/>
+          <p:nvPr/>
+        </p:nvSpPr>
+        <p:spPr>
+          <a:xfrm>
+            <a:off x="0" y="1978563"/>
+            <a:ext cx="5901179" cy="3394715"/>
+          </a:xfrm>
+          <a:prstGeom prst="rect">
+            <a:avLst/>
+          </a:prstGeom>
+          <a:ln>
+            <a:solidFill>
+              <a:srgbClr val="FF5757"/>
+            </a:solidFill>
+          </a:ln>
+        </p:spPr>
+        <p:style>
+          <a:lnRef idx="2">
+            <a:schemeClr val="accent6"/>
+          </a:lnRef>
+          <a:fillRef idx="1">
+            <a:schemeClr val="lt1"/>
+          </a:fillRef>
+          <a:effectRef idx="0">
+            <a:schemeClr val="accent6"/>
+          </a:effectRef>
+          <a:fontRef idx="minor">
+            <a:schemeClr val="dk1"/>
+          </a:fontRef>
+        </p:style>
+        <p:txBody>
+          <a:bodyPr rtlCol="0" anchor="ctr"/>
+          <a:lstStyle/>
+          <a:p>
+            <a:pPr algn="ctr"/>
+            <a:endParaRPr lang="fr-FR"/>
+          </a:p>
+        </p:txBody>
+      </p:sp>
+      <p:sp>
+        <p:nvSpPr>
+          <p:cNvPr id="2" name="Titre 1">
+            <a:extLst>
+              <a:ext uri="{FF2B5EF4-FFF2-40B4-BE49-F238E27FC236}">
+                <a16:creationId xmlns:a16="http://schemas.microsoft.com/office/drawing/2014/main" id="{9DF8A662-2BDC-AEA3-4836-922961CC4248}"/>
+              </a:ext>
+            </a:extLst>
+          </p:cNvPr>
+          <p:cNvSpPr>
+            <a:spLocks noGrp="1"/>
+          </p:cNvSpPr>
+          <p:nvPr>
+            <p:ph type="title"/>
+          </p:nvPr>
+        </p:nvSpPr>
+        <p:spPr/>
+        <p:txBody>
+          <a:bodyPr/>
+          <a:lstStyle/>
+          <a:p>
+            <a:pPr algn="ctr"/>
+            <a:r>
+              <a:rPr lang="fr-FR" dirty="0"/>
+              <a:t>Remplir la balises «</a:t>
+            </a:r>
+            <a:r>
+              <a:rPr lang="fr-FR" dirty="0" err="1"/>
+              <a:t>meta</a:t>
+            </a:r>
+            <a:r>
+              <a:rPr lang="fr-FR" dirty="0"/>
+              <a:t> description» et « </a:t>
+            </a:r>
+            <a:r>
+              <a:rPr lang="fr-FR" dirty="0" err="1"/>
+              <a:t>title</a:t>
+            </a:r>
+            <a:r>
+              <a:rPr lang="fr-FR" dirty="0"/>
+              <a:t> » </a:t>
+            </a:r>
+          </a:p>
+        </p:txBody>
+      </p:sp>
+      <p:sp>
+        <p:nvSpPr>
+          <p:cNvPr id="3" name="Espace réservé du texte 2">
+            <a:extLst>
+              <a:ext uri="{FF2B5EF4-FFF2-40B4-BE49-F238E27FC236}">
+                <a16:creationId xmlns:a16="http://schemas.microsoft.com/office/drawing/2014/main" id="{19D03F69-C668-9780-7B9F-3A2101DA2249}"/>
+              </a:ext>
+            </a:extLst>
+          </p:cNvPr>
+          <p:cNvSpPr>
+            <a:spLocks noGrp="1"/>
+          </p:cNvSpPr>
+          <p:nvPr>
+            <p:ph type="body" idx="1"/>
+          </p:nvPr>
+        </p:nvSpPr>
+        <p:spPr>
+          <a:xfrm>
+            <a:off x="0" y="1978563"/>
+            <a:ext cx="5898488" cy="843404"/>
+          </a:xfrm>
+          <a:solidFill>
+            <a:srgbClr val="FF5757"/>
+          </a:solidFill>
+        </p:spPr>
+        <p:txBody>
+          <a:bodyPr>
+            <a:normAutofit lnSpcReduction="10000"/>
+          </a:bodyPr>
+          <a:lstStyle/>
+          <a:p>
+            <a:pPr algn="ctr"/>
+            <a:r>
+              <a:rPr lang="fr-FR" dirty="0"/>
+              <a:t>Site la Panthère</a:t>
+            </a:r>
+          </a:p>
+          <a:p>
+            <a:pPr algn="ctr"/>
+            <a:r>
+              <a:rPr lang="fr-FR" dirty="0"/>
+              <a:t> </a:t>
+            </a:r>
+          </a:p>
+        </p:txBody>
+      </p:sp>
+      <p:sp>
+        <p:nvSpPr>
+          <p:cNvPr id="5" name="Espace réservé du texte 4">
+            <a:extLst>
+              <a:ext uri="{FF2B5EF4-FFF2-40B4-BE49-F238E27FC236}">
+                <a16:creationId xmlns:a16="http://schemas.microsoft.com/office/drawing/2014/main" id="{E98A551C-00B3-86B9-23DA-1330BBC8C92C}"/>
+              </a:ext>
+            </a:extLst>
+          </p:cNvPr>
+          <p:cNvSpPr>
+            <a:spLocks noGrp="1"/>
+          </p:cNvSpPr>
+          <p:nvPr>
+            <p:ph type="body" sz="quarter" idx="3"/>
+          </p:nvPr>
+        </p:nvSpPr>
+        <p:spPr>
+          <a:xfrm>
+            <a:off x="6265905" y="1998055"/>
+            <a:ext cx="5926095" cy="823912"/>
+          </a:xfrm>
+          <a:solidFill>
+            <a:schemeClr val="accent6">
+              <a:lumMod val="60000"/>
+              <a:lumOff val="40000"/>
+            </a:schemeClr>
+          </a:solidFill>
+        </p:spPr>
+        <p:txBody>
+          <a:bodyPr>
+            <a:normAutofit lnSpcReduction="10000"/>
+          </a:bodyPr>
+          <a:lstStyle/>
+          <a:p>
+            <a:pPr algn="ctr"/>
+            <a:r>
+              <a:rPr lang="fr-FR" dirty="0"/>
+              <a:t>Optimisation du site la panthère</a:t>
+            </a:r>
+          </a:p>
+          <a:p>
+            <a:pPr algn="ctr"/>
+            <a:endParaRPr lang="fr-FR" dirty="0"/>
+          </a:p>
+        </p:txBody>
+      </p:sp>
+      <p:sp>
+        <p:nvSpPr>
+          <p:cNvPr id="15" name="Rectangle 14">
+            <a:extLst>
+              <a:ext uri="{FF2B5EF4-FFF2-40B4-BE49-F238E27FC236}">
+                <a16:creationId xmlns:a16="http://schemas.microsoft.com/office/drawing/2014/main" id="{1320B198-E7AB-2C3D-776F-BCDDFCF59909}"/>
+              </a:ext>
+            </a:extLst>
+          </p:cNvPr>
+          <p:cNvSpPr/>
+          <p:nvPr/>
+        </p:nvSpPr>
+        <p:spPr>
+          <a:xfrm>
+            <a:off x="0" y="6179638"/>
+            <a:ext cx="12192000" cy="678362"/>
+          </a:xfrm>
+          <a:prstGeom prst="rect">
+            <a:avLst/>
+          </a:prstGeom>
+          <a:solidFill>
+            <a:schemeClr val="accent2">
+              <a:lumMod val="60000"/>
+              <a:lumOff val="40000"/>
+            </a:schemeClr>
+          </a:solidFill>
+          <a:ln/>
+        </p:spPr>
+        <p:style>
+          <a:lnRef idx="2">
+            <a:schemeClr val="accent2"/>
+          </a:lnRef>
+          <a:fillRef idx="1">
+            <a:schemeClr val="lt1"/>
+          </a:fillRef>
+          <a:effectRef idx="0">
+            <a:schemeClr val="accent2"/>
+          </a:effectRef>
+          <a:fontRef idx="minor">
+            <a:schemeClr val="dk1"/>
+          </a:fontRef>
+        </p:style>
+        <p:txBody>
+          <a:bodyPr rtlCol="0" anchor="ctr"/>
+          <a:lstStyle/>
+          <a:p>
+            <a:pPr algn="ctr"/>
+            <a:r>
+              <a:rPr lang="fr-FR" dirty="0"/>
+              <a:t>Remplir les balises « </a:t>
+            </a:r>
+            <a:r>
+              <a:rPr lang="fr-FR" dirty="0" err="1"/>
+              <a:t>title</a:t>
+            </a:r>
+            <a:r>
+              <a:rPr lang="fr-FR" dirty="0"/>
+              <a:t> » et « </a:t>
+            </a:r>
+            <a:r>
+              <a:rPr lang="fr-FR" dirty="0" err="1"/>
+              <a:t>meta</a:t>
+            </a:r>
+            <a:r>
+              <a:rPr lang="fr-FR" dirty="0"/>
+              <a:t> » de façon pertinente permet de mieux se faire comprendre des utilisateur du site et elles décrivent de quoi parle le site</a:t>
+            </a:r>
+          </a:p>
+        </p:txBody>
+      </p:sp>
+      <p:sp>
+        <p:nvSpPr>
+          <p:cNvPr id="10" name="Flèche : droite 9">
+            <a:extLst>
+              <a:ext uri="{FF2B5EF4-FFF2-40B4-BE49-F238E27FC236}">
+                <a16:creationId xmlns:a16="http://schemas.microsoft.com/office/drawing/2014/main" id="{F67D5EC8-AC32-BA1A-959E-3428E8AC1F55}"/>
+              </a:ext>
+            </a:extLst>
+          </p:cNvPr>
+          <p:cNvSpPr/>
+          <p:nvPr/>
+        </p:nvSpPr>
+        <p:spPr>
+          <a:xfrm>
+            <a:off x="5312108" y="1918973"/>
+            <a:ext cx="1326596" cy="533926"/>
+          </a:xfrm>
+          <a:prstGeom prst="rightArrow">
+            <a:avLst/>
+          </a:prstGeom>
+        </p:spPr>
+        <p:style>
+          <a:lnRef idx="2">
+            <a:schemeClr val="accent1">
+              <a:shade val="50000"/>
+            </a:schemeClr>
+          </a:lnRef>
+          <a:fillRef idx="1">
+            <a:schemeClr val="accent1"/>
+          </a:fillRef>
+          <a:effectRef idx="0">
+            <a:schemeClr val="accent1"/>
+          </a:effectRef>
+          <a:fontRef idx="minor">
+            <a:schemeClr val="lt1"/>
+          </a:fontRef>
+        </p:style>
+        <p:txBody>
+          <a:bodyPr rtlCol="0" anchor="ctr"/>
+          <a:lstStyle/>
+          <a:p>
+            <a:pPr algn="ctr"/>
+            <a:endParaRPr lang="fr-FR"/>
+          </a:p>
+        </p:txBody>
+      </p:sp>
+      <p:sp>
+        <p:nvSpPr>
+          <p:cNvPr id="4" name="Ellipse 3">
+            <a:extLst>
+              <a:ext uri="{FF2B5EF4-FFF2-40B4-BE49-F238E27FC236}">
+                <a16:creationId xmlns:a16="http://schemas.microsoft.com/office/drawing/2014/main" id="{54A0B66F-1D86-2833-8370-682C4C7D5B23}"/>
+              </a:ext>
+            </a:extLst>
+          </p:cNvPr>
+          <p:cNvSpPr/>
+          <p:nvPr/>
+        </p:nvSpPr>
+        <p:spPr>
+          <a:xfrm>
+            <a:off x="10626462" y="50882"/>
+            <a:ext cx="1451499" cy="799398"/>
+          </a:xfrm>
+          <a:prstGeom prst="ellipse">
+            <a:avLst/>
+          </a:prstGeom>
+          <a:solidFill>
+            <a:schemeClr val="accent6">
+              <a:lumMod val="60000"/>
+              <a:lumOff val="40000"/>
+            </a:schemeClr>
+          </a:solidFill>
+        </p:spPr>
+        <p:style>
+          <a:lnRef idx="2">
+            <a:schemeClr val="accent1">
+              <a:shade val="50000"/>
+            </a:schemeClr>
+          </a:lnRef>
+          <a:fillRef idx="1">
+            <a:schemeClr val="accent1"/>
+          </a:fillRef>
+          <a:effectRef idx="0">
+            <a:schemeClr val="accent1"/>
+          </a:effectRef>
+          <a:fontRef idx="minor">
+            <a:schemeClr val="lt1"/>
+          </a:fontRef>
+        </p:style>
+        <p:txBody>
+          <a:bodyPr rtlCol="0" anchor="ctr"/>
+          <a:lstStyle/>
+          <a:p>
+            <a:pPr algn="ctr"/>
+            <a:r>
+              <a:rPr lang="fr-FR" dirty="0">
+                <a:solidFill>
+                  <a:schemeClr val="tx1"/>
+                </a:solidFill>
+              </a:rPr>
+              <a:t>Terminé</a:t>
+            </a:r>
+          </a:p>
+        </p:txBody>
+      </p:sp>
+      <p:pic>
+        <p:nvPicPr>
+          <p:cNvPr id="17" name="Espace réservé du contenu 16">
+            <a:extLst>
+              <a:ext uri="{FF2B5EF4-FFF2-40B4-BE49-F238E27FC236}">
+                <a16:creationId xmlns:a16="http://schemas.microsoft.com/office/drawing/2014/main" id="{F8CDE3B9-F4A4-090A-E265-D3D38AE0B0BB}"/>
+              </a:ext>
+            </a:extLst>
+          </p:cNvPr>
+          <p:cNvPicPr>
+            <a:picLocks noGrp="1" noChangeAspect="1"/>
+          </p:cNvPicPr>
+          <p:nvPr>
+            <p:ph sz="half" idx="2"/>
+          </p:nvPr>
+        </p:nvPicPr>
+        <p:blipFill>
+          <a:blip r:embed="rId2">
+            <a:extLst>
+              <a:ext uri="{28A0092B-C50C-407E-A947-70E740481C1C}">
+                <a14:useLocalDpi xmlns:a14="http://schemas.microsoft.com/office/drawing/2010/main" val="0"/>
+              </a:ext>
+            </a:extLst>
+          </a:blip>
+          <a:stretch>
+            <a:fillRect/>
+          </a:stretch>
+        </p:blipFill>
+        <p:spPr>
+          <a:xfrm>
+            <a:off x="1777017" y="3198390"/>
+            <a:ext cx="2344451" cy="518484"/>
+          </a:xfrm>
+        </p:spPr>
+      </p:pic>
+      <p:pic>
+        <p:nvPicPr>
+          <p:cNvPr id="19" name="Espace réservé du contenu 18">
+            <a:extLst>
+              <a:ext uri="{FF2B5EF4-FFF2-40B4-BE49-F238E27FC236}">
+                <a16:creationId xmlns:a16="http://schemas.microsoft.com/office/drawing/2014/main" id="{4FF78926-0898-3D70-C2AC-0DCDEDF3B25B}"/>
+              </a:ext>
+            </a:extLst>
+          </p:cNvPr>
+          <p:cNvPicPr>
+            <a:picLocks noGrp="1" noChangeAspect="1"/>
+          </p:cNvPicPr>
+          <p:nvPr>
+            <p:ph sz="quarter" idx="4"/>
+          </p:nvPr>
+        </p:nvPicPr>
+        <p:blipFill>
+          <a:blip r:embed="rId3">
+            <a:extLst>
+              <a:ext uri="{28A0092B-C50C-407E-A947-70E740481C1C}">
+                <a14:useLocalDpi xmlns:a14="http://schemas.microsoft.com/office/drawing/2010/main" val="0"/>
+              </a:ext>
+            </a:extLst>
+          </a:blip>
+          <a:stretch>
+            <a:fillRect/>
+          </a:stretch>
+        </p:blipFill>
+        <p:spPr>
+          <a:xfrm>
+            <a:off x="709303" y="4523233"/>
+            <a:ext cx="4479877" cy="284436"/>
+          </a:xfrm>
+        </p:spPr>
+      </p:pic>
+      <p:pic>
+        <p:nvPicPr>
+          <p:cNvPr id="21" name="Image 20">
+            <a:extLst>
+              <a:ext uri="{FF2B5EF4-FFF2-40B4-BE49-F238E27FC236}">
+                <a16:creationId xmlns:a16="http://schemas.microsoft.com/office/drawing/2014/main" id="{F184EE57-143C-4F63-0689-6E5E8B3D1DC8}"/>
+              </a:ext>
+            </a:extLst>
+          </p:cNvPr>
+          <p:cNvPicPr>
+            <a:picLocks noChangeAspect="1"/>
+          </p:cNvPicPr>
+          <p:nvPr/>
+        </p:nvPicPr>
+        <p:blipFill>
+          <a:blip r:embed="rId4">
+            <a:extLst>
+              <a:ext uri="{28A0092B-C50C-407E-A947-70E740481C1C}">
+                <a14:useLocalDpi xmlns:a14="http://schemas.microsoft.com/office/drawing/2010/main" val="0"/>
+              </a:ext>
+            </a:extLst>
+          </a:blip>
+          <a:stretch>
+            <a:fillRect/>
+          </a:stretch>
+        </p:blipFill>
+        <p:spPr>
+          <a:xfrm>
+            <a:off x="7461753" y="3129321"/>
+            <a:ext cx="3534397" cy="480404"/>
+          </a:xfrm>
+          <a:prstGeom prst="rect">
+            <a:avLst/>
+          </a:prstGeom>
+        </p:spPr>
+      </p:pic>
+      <p:pic>
+        <p:nvPicPr>
+          <p:cNvPr id="23" name="Image 22">
+            <a:extLst>
+              <a:ext uri="{FF2B5EF4-FFF2-40B4-BE49-F238E27FC236}">
+                <a16:creationId xmlns:a16="http://schemas.microsoft.com/office/drawing/2014/main" id="{ADE9B6A7-28C4-6722-8513-2369799C2B82}"/>
+              </a:ext>
+            </a:extLst>
+          </p:cNvPr>
+          <p:cNvPicPr>
+            <a:picLocks noChangeAspect="1"/>
+          </p:cNvPicPr>
+          <p:nvPr/>
+        </p:nvPicPr>
+        <p:blipFill>
+          <a:blip r:embed="rId5">
+            <a:extLst>
+              <a:ext uri="{28A0092B-C50C-407E-A947-70E740481C1C}">
+                <a14:useLocalDpi xmlns:a14="http://schemas.microsoft.com/office/drawing/2010/main" val="0"/>
+              </a:ext>
+            </a:extLst>
+          </a:blip>
+          <a:stretch>
+            <a:fillRect/>
+          </a:stretch>
+        </p:blipFill>
+        <p:spPr>
+          <a:xfrm>
+            <a:off x="6476724" y="4523233"/>
+            <a:ext cx="5504453" cy="324639"/>
+          </a:xfrm>
+          <a:prstGeom prst="rect">
+            <a:avLst/>
+          </a:prstGeom>
+        </p:spPr>
+      </p:pic>
+    </p:spTree>
+    <p:extLst>
+      <p:ext uri="{BB962C8B-B14F-4D97-AF65-F5344CB8AC3E}">
+        <p14:creationId xmlns:p14="http://schemas.microsoft.com/office/powerpoint/2010/main" val="4044262335"/>
+      </p:ext>
+    </p:extLst>
+  </p:cSld>
+  <p:clrMapOvr>
+    <a:masterClrMapping/>
+  </p:clrMapOvr>
+</p:sld>
+</file>
+
 <file path=ppt/slides/slide2.xml><?xml version="1.0" encoding="utf-8"?>
 <p:sld xmlns:a="http://schemas.openxmlformats.org/drawingml/2006/main" xmlns:r="http://schemas.openxmlformats.org/officeDocument/2006/relationships" xmlns:p="http://schemas.openxmlformats.org/presentationml/2006/main">
   <p:cSld>
@@ -4310,10 +5535,55 @@
       </p:grpSpPr>
       <p:sp>
         <p:nvSpPr>
-          <p:cNvPr id="11" name="Rectangle 10">
-            <a:extLst>
-              <a:ext uri="{FF2B5EF4-FFF2-40B4-BE49-F238E27FC236}">
-                <a16:creationId xmlns:a16="http://schemas.microsoft.com/office/drawing/2014/main" id="{41622C83-36B6-38E6-DC49-A8D6F28B33BC}"/>
+          <p:cNvPr id="2" name="Titre 1">
+            <a:extLst>
+              <a:ext uri="{FF2B5EF4-FFF2-40B4-BE49-F238E27FC236}">
+                <a16:creationId xmlns:a16="http://schemas.microsoft.com/office/drawing/2014/main" id="{644E3F65-619C-31E3-AD9D-B12ECC6F2F60}"/>
+              </a:ext>
+            </a:extLst>
+          </p:cNvPr>
+          <p:cNvSpPr>
+            <a:spLocks noGrp="1"/>
+          </p:cNvSpPr>
+          <p:nvPr>
+            <p:ph type="title"/>
+          </p:nvPr>
+        </p:nvSpPr>
+        <p:spPr>
+          <a:xfrm>
+            <a:off x="348792" y="365125"/>
+            <a:ext cx="11519554" cy="1325563"/>
+          </a:xfrm>
+          <a:solidFill>
+            <a:schemeClr val="bg2">
+              <a:lumMod val="10000"/>
+            </a:schemeClr>
+          </a:solidFill>
+        </p:spPr>
+        <p:txBody>
+          <a:bodyPr>
+            <a:normAutofit/>
+          </a:bodyPr>
+          <a:lstStyle/>
+          <a:p>
+            <a:pPr algn="ctr"/>
+            <a:r>
+              <a:rPr lang="fr-FR" dirty="0">
+                <a:solidFill>
+                  <a:schemeClr val="bg1"/>
+                </a:solidFill>
+              </a:rPr>
+              <a:t>Résultat des différents états d’optimisation présenté par la suite lors du rapport.</a:t>
+            </a:r>
+          </a:p>
+        </p:txBody>
+      </p:sp>
+      <p:sp>
+        <p:nvSpPr>
+          <p:cNvPr id="3" name="Ellipse 2">
+            <a:extLst>
+              <a:ext uri="{FF2B5EF4-FFF2-40B4-BE49-F238E27FC236}">
+                <a16:creationId xmlns:a16="http://schemas.microsoft.com/office/drawing/2014/main" id="{CBECB291-144E-73E5-C8A7-0E41FD00D541}"/>
               </a:ext>
             </a:extLst>
           </p:cNvPr>
@@ -4322,362 +5592,18 @@
         </p:nvSpPr>
         <p:spPr>
           <a:xfrm>
-            <a:off x="6172200" y="1516650"/>
-            <a:ext cx="5923404" cy="4148859"/>
-          </a:xfrm>
-          <a:prstGeom prst="rect">
+            <a:off x="838200" y="1828800"/>
+            <a:ext cx="2300926" cy="1414020"/>
+          </a:xfrm>
+          <a:prstGeom prst="ellipse">
             <a:avLst/>
           </a:prstGeom>
-          <a:ln>
-            <a:solidFill>
-              <a:schemeClr val="accent6"/>
-            </a:solidFill>
-          </a:ln>
-        </p:spPr>
-        <p:style>
-          <a:lnRef idx="2">
-            <a:schemeClr val="accent6"/>
-          </a:lnRef>
-          <a:fillRef idx="1">
-            <a:schemeClr val="lt1"/>
-          </a:fillRef>
-          <a:effectRef idx="0">
-            <a:schemeClr val="accent6"/>
-          </a:effectRef>
-          <a:fontRef idx="minor">
-            <a:schemeClr val="dk1"/>
-          </a:fontRef>
-        </p:style>
-        <p:txBody>
-          <a:bodyPr rtlCol="0" anchor="ctr"/>
-          <a:lstStyle/>
-          <a:p>
-            <a:pPr algn="ctr"/>
-            <a:endParaRPr lang="fr-FR" dirty="0"/>
-          </a:p>
-        </p:txBody>
-      </p:sp>
-      <p:sp>
-        <p:nvSpPr>
-          <p:cNvPr id="10" name="Rectangle 9">
-            <a:extLst>
-              <a:ext uri="{FF2B5EF4-FFF2-40B4-BE49-F238E27FC236}">
-                <a16:creationId xmlns:a16="http://schemas.microsoft.com/office/drawing/2014/main" id="{14B80D80-4218-3C48-8CF1-BE0AB67E2983}"/>
-              </a:ext>
-            </a:extLst>
-          </p:cNvPr>
-          <p:cNvSpPr/>
-          <p:nvPr/>
-        </p:nvSpPr>
-        <p:spPr>
-          <a:xfrm>
-            <a:off x="96396" y="1516650"/>
-            <a:ext cx="5923405" cy="4148859"/>
-          </a:xfrm>
-          <a:prstGeom prst="rect">
-            <a:avLst/>
-          </a:prstGeom>
-          <a:ln>
-            <a:solidFill>
-              <a:srgbClr val="FF5757"/>
-            </a:solidFill>
-          </a:ln>
-        </p:spPr>
-        <p:style>
-          <a:lnRef idx="2">
-            <a:schemeClr val="accent6"/>
-          </a:lnRef>
-          <a:fillRef idx="1">
-            <a:schemeClr val="lt1"/>
-          </a:fillRef>
-          <a:effectRef idx="0">
-            <a:schemeClr val="accent6"/>
-          </a:effectRef>
-          <a:fontRef idx="minor">
-            <a:schemeClr val="dk1"/>
-          </a:fontRef>
-        </p:style>
-        <p:txBody>
-          <a:bodyPr rtlCol="0" anchor="ctr"/>
-          <a:lstStyle/>
-          <a:p>
-            <a:pPr algn="ctr"/>
-            <a:endParaRPr lang="fr-FR"/>
-          </a:p>
-        </p:txBody>
-      </p:sp>
-      <p:sp>
-        <p:nvSpPr>
-          <p:cNvPr id="2" name="Titre 1">
-            <a:extLst>
-              <a:ext uri="{FF2B5EF4-FFF2-40B4-BE49-F238E27FC236}">
-                <a16:creationId xmlns:a16="http://schemas.microsoft.com/office/drawing/2014/main" id="{8FEA3BAF-C98E-8EEA-63E7-9767E70F5673}"/>
-              </a:ext>
-            </a:extLst>
-          </p:cNvPr>
-          <p:cNvSpPr>
-            <a:spLocks noGrp="1"/>
-          </p:cNvSpPr>
-          <p:nvPr>
-            <p:ph type="title"/>
-          </p:nvPr>
-        </p:nvSpPr>
-        <p:spPr/>
-        <p:txBody>
-          <a:bodyPr/>
-          <a:lstStyle/>
-          <a:p>
-            <a:r>
-              <a:rPr lang="fr-FR" dirty="0"/>
-              <a:t>Analyse des performances</a:t>
-            </a:r>
-          </a:p>
-        </p:txBody>
-      </p:sp>
-      <p:sp>
-        <p:nvSpPr>
-          <p:cNvPr id="3" name="Espace réservé du texte 2">
-            <a:extLst>
-              <a:ext uri="{FF2B5EF4-FFF2-40B4-BE49-F238E27FC236}">
-                <a16:creationId xmlns:a16="http://schemas.microsoft.com/office/drawing/2014/main" id="{D9A67EA8-3BC0-4A30-426D-965D9A2C81CC}"/>
-              </a:ext>
-            </a:extLst>
-          </p:cNvPr>
-          <p:cNvSpPr>
-            <a:spLocks noGrp="1"/>
-          </p:cNvSpPr>
-          <p:nvPr>
-            <p:ph type="body" idx="1"/>
-          </p:nvPr>
-        </p:nvSpPr>
-        <p:spPr>
-          <a:xfrm>
-            <a:off x="96396" y="1516650"/>
-            <a:ext cx="5923404" cy="855482"/>
-          </a:xfrm>
-          <a:solidFill>
-            <a:srgbClr val="FF5757"/>
-          </a:solidFill>
-        </p:spPr>
-        <p:txBody>
-          <a:bodyPr/>
-          <a:lstStyle/>
-          <a:p>
-            <a:pPr algn="ctr"/>
-            <a:r>
-              <a:rPr lang="fr-FR" dirty="0"/>
-              <a:t>Site la panthère</a:t>
-            </a:r>
-          </a:p>
-          <a:p>
-            <a:endParaRPr lang="fr-FR" dirty="0"/>
-          </a:p>
-        </p:txBody>
-      </p:sp>
-      <p:pic>
-        <p:nvPicPr>
-          <p:cNvPr id="8" name="Espace réservé du contenu 7">
-            <a:extLst>
-              <a:ext uri="{FF2B5EF4-FFF2-40B4-BE49-F238E27FC236}">
-                <a16:creationId xmlns:a16="http://schemas.microsoft.com/office/drawing/2014/main" id="{985A0C63-9F99-D8E6-8A8B-BC9792026627}"/>
-              </a:ext>
-            </a:extLst>
-          </p:cNvPr>
-          <p:cNvPicPr>
-            <a:picLocks noGrp="1" noChangeAspect="1"/>
-          </p:cNvPicPr>
-          <p:nvPr>
-            <p:ph sz="half" idx="2"/>
-          </p:nvPr>
-        </p:nvPicPr>
-        <p:blipFill>
-          <a:blip r:embed="rId2">
-            <a:extLst>
-              <a:ext uri="{28A0092B-C50C-407E-A947-70E740481C1C}">
-                <a14:useLocalDpi xmlns:a14="http://schemas.microsoft.com/office/drawing/2010/main" val="0"/>
-              </a:ext>
-            </a:extLst>
-          </a:blip>
-          <a:stretch>
-            <a:fillRect/>
-          </a:stretch>
-        </p:blipFill>
-        <p:spPr>
-          <a:xfrm>
-            <a:off x="431006" y="2505074"/>
-            <a:ext cx="5157787" cy="2895813"/>
-          </a:xfrm>
-        </p:spPr>
-      </p:pic>
-      <p:sp>
-        <p:nvSpPr>
-          <p:cNvPr id="5" name="Espace réservé du texte 4">
-            <a:extLst>
-              <a:ext uri="{FF2B5EF4-FFF2-40B4-BE49-F238E27FC236}">
-                <a16:creationId xmlns:a16="http://schemas.microsoft.com/office/drawing/2014/main" id="{8A5DE980-E99A-FDAB-1BEC-FBBC976D12AE}"/>
-              </a:ext>
-            </a:extLst>
-          </p:cNvPr>
-          <p:cNvSpPr>
-            <a:spLocks noGrp="1"/>
-          </p:cNvSpPr>
-          <p:nvPr>
-            <p:ph type="body" sz="quarter" idx="3"/>
-          </p:nvPr>
-        </p:nvSpPr>
-        <p:spPr>
-          <a:xfrm>
-            <a:off x="6172200" y="1516650"/>
-            <a:ext cx="5923404" cy="906235"/>
-          </a:xfrm>
           <a:solidFill>
             <a:schemeClr val="accent6">
               <a:lumMod val="60000"/>
               <a:lumOff val="40000"/>
             </a:schemeClr>
           </a:solidFill>
-        </p:spPr>
-        <p:txBody>
-          <a:bodyPr/>
-          <a:lstStyle/>
-          <a:p>
-            <a:pPr algn="ctr"/>
-            <a:r>
-              <a:rPr lang="fr-FR" dirty="0"/>
-              <a:t>Optimisation du site la panthère</a:t>
-            </a:r>
-          </a:p>
-          <a:p>
-            <a:pPr algn="ctr"/>
-            <a:endParaRPr lang="fr-FR" dirty="0"/>
-          </a:p>
-        </p:txBody>
-      </p:sp>
-      <p:pic>
-        <p:nvPicPr>
-          <p:cNvPr id="7" name="Espace réservé du contenu 6">
-            <a:extLst>
-              <a:ext uri="{FF2B5EF4-FFF2-40B4-BE49-F238E27FC236}">
-                <a16:creationId xmlns:a16="http://schemas.microsoft.com/office/drawing/2014/main" id="{8EA9FC6D-0496-B74B-F6DB-10E3450F7EA1}"/>
-              </a:ext>
-            </a:extLst>
-          </p:cNvPr>
-          <p:cNvPicPr>
-            <a:picLocks noGrp="1" noChangeAspect="1"/>
-          </p:cNvPicPr>
-          <p:nvPr>
-            <p:ph sz="quarter" idx="4"/>
-          </p:nvPr>
-        </p:nvPicPr>
-        <p:blipFill>
-          <a:blip r:embed="rId3">
-            <a:extLst>
-              <a:ext uri="{28A0092B-C50C-407E-A947-70E740481C1C}">
-                <a14:useLocalDpi xmlns:a14="http://schemas.microsoft.com/office/drawing/2010/main" val="0"/>
-              </a:ext>
-            </a:extLst>
-          </a:blip>
-          <a:stretch>
-            <a:fillRect/>
-          </a:stretch>
-        </p:blipFill>
-        <p:spPr>
-          <a:xfrm>
-            <a:off x="6542308" y="2505075"/>
-            <a:ext cx="5183188" cy="2903097"/>
-          </a:xfrm>
-        </p:spPr>
-      </p:pic>
-      <p:sp>
-        <p:nvSpPr>
-          <p:cNvPr id="9" name="Rectangle 8">
-            <a:extLst>
-              <a:ext uri="{FF2B5EF4-FFF2-40B4-BE49-F238E27FC236}">
-                <a16:creationId xmlns:a16="http://schemas.microsoft.com/office/drawing/2014/main" id="{446055DA-83C1-A112-1A53-565C41CBEA7A}"/>
-              </a:ext>
-            </a:extLst>
-          </p:cNvPr>
-          <p:cNvSpPr/>
-          <p:nvPr/>
-        </p:nvSpPr>
-        <p:spPr>
-          <a:xfrm>
-            <a:off x="0" y="6034087"/>
-            <a:ext cx="12192000" cy="823912"/>
-          </a:xfrm>
-          <a:prstGeom prst="rect">
-            <a:avLst/>
-          </a:prstGeom>
-          <a:solidFill>
-            <a:schemeClr val="accent2">
-              <a:lumMod val="60000"/>
-              <a:lumOff val="40000"/>
-            </a:schemeClr>
-          </a:solidFill>
-          <a:ln/>
-        </p:spPr>
-        <p:style>
-          <a:lnRef idx="2">
-            <a:schemeClr val="accent2"/>
-          </a:lnRef>
-          <a:fillRef idx="1">
-            <a:schemeClr val="lt1"/>
-          </a:fillRef>
-          <a:effectRef idx="0">
-            <a:schemeClr val="accent2"/>
-          </a:effectRef>
-          <a:fontRef idx="minor">
-            <a:schemeClr val="dk1"/>
-          </a:fontRef>
-        </p:style>
-        <p:txBody>
-          <a:bodyPr rtlCol="0" anchor="ctr"/>
-          <a:lstStyle/>
-          <a:p>
-            <a:pPr algn="ctr"/>
-            <a:r>
-              <a:rPr lang="fr-FR" dirty="0"/>
-              <a:t>Le rendu avant et après de l’optimisation des performance, accessibilité et </a:t>
-            </a:r>
-            <a:r>
-              <a:rPr lang="fr-FR" dirty="0" err="1"/>
-              <a:t>seo</a:t>
-            </a:r>
-            <a:r>
-              <a:rPr lang="fr-FR" dirty="0"/>
-              <a:t> du site.  Après optimisation les performance, accessibilité et </a:t>
-            </a:r>
-            <a:r>
-              <a:rPr lang="fr-FR" dirty="0" err="1"/>
-              <a:t>seo</a:t>
-            </a:r>
-            <a:r>
-              <a:rPr lang="fr-FR" dirty="0"/>
-              <a:t> se sont amélioré. </a:t>
-            </a:r>
-          </a:p>
-        </p:txBody>
-      </p:sp>
-      <p:sp>
-        <p:nvSpPr>
-          <p:cNvPr id="12" name="Flèche : droite 11">
-            <a:extLst>
-              <a:ext uri="{FF2B5EF4-FFF2-40B4-BE49-F238E27FC236}">
-                <a16:creationId xmlns:a16="http://schemas.microsoft.com/office/drawing/2014/main" id="{C2479AC3-077C-57F8-5E2F-8B45F67CE887}"/>
-              </a:ext>
-            </a:extLst>
-          </p:cNvPr>
-          <p:cNvSpPr/>
-          <p:nvPr/>
-        </p:nvSpPr>
-        <p:spPr>
-          <a:xfrm>
-            <a:off x="5182612" y="1580361"/>
-            <a:ext cx="1326596" cy="533926"/>
-          </a:xfrm>
-          <a:prstGeom prst="rightArrow">
-            <a:avLst/>
-          </a:prstGeom>
         </p:spPr>
         <p:style>
           <a:lnRef idx="2">
@@ -4700,14 +5626,319 @@
           <a:lstStyle/>
           <a:p>
             <a:pPr algn="ctr"/>
-            <a:endParaRPr lang="fr-FR"/>
+            <a:r>
+              <a:rPr lang="fr-FR" dirty="0">
+                <a:solidFill>
+                  <a:schemeClr val="tx1"/>
+                </a:solidFill>
+              </a:rPr>
+              <a:t>Terminé</a:t>
+            </a:r>
+          </a:p>
+        </p:txBody>
+      </p:sp>
+      <p:sp>
+        <p:nvSpPr>
+          <p:cNvPr id="4" name="Ellipse 3">
+            <a:extLst>
+              <a:ext uri="{FF2B5EF4-FFF2-40B4-BE49-F238E27FC236}">
+                <a16:creationId xmlns:a16="http://schemas.microsoft.com/office/drawing/2014/main" id="{CB991972-EB6D-39DF-5778-7AB99946E6C1}"/>
+              </a:ext>
+            </a:extLst>
+          </p:cNvPr>
+          <p:cNvSpPr/>
+          <p:nvPr/>
+        </p:nvSpPr>
+        <p:spPr>
+          <a:xfrm>
+            <a:off x="838200" y="3527196"/>
+            <a:ext cx="2300926" cy="1414020"/>
+          </a:xfrm>
+          <a:prstGeom prst="ellipse">
+            <a:avLst/>
+          </a:prstGeom>
+          <a:solidFill>
+            <a:schemeClr val="accent4">
+              <a:lumMod val="60000"/>
+              <a:lumOff val="40000"/>
+            </a:schemeClr>
+          </a:solidFill>
+        </p:spPr>
+        <p:style>
+          <a:lnRef idx="2">
+            <a:schemeClr val="accent1">
+              <a:shade val="50000"/>
+            </a:schemeClr>
+          </a:lnRef>
+          <a:fillRef idx="1">
+            <a:schemeClr val="accent1"/>
+          </a:fillRef>
+          <a:effectRef idx="0">
+            <a:schemeClr val="accent1"/>
+          </a:effectRef>
+          <a:fontRef idx="minor">
+            <a:schemeClr val="lt1"/>
+          </a:fontRef>
+        </p:style>
+        <p:txBody>
+          <a:bodyPr rtlCol="0" anchor="ctr"/>
+          <a:lstStyle/>
+          <a:p>
+            <a:pPr algn="ctr"/>
+            <a:r>
+              <a:rPr lang="fr-FR" dirty="0">
+                <a:solidFill>
+                  <a:schemeClr val="tx1"/>
+                </a:solidFill>
+              </a:rPr>
+              <a:t>Partiel</a:t>
+            </a:r>
+          </a:p>
+        </p:txBody>
+      </p:sp>
+      <p:sp>
+        <p:nvSpPr>
+          <p:cNvPr id="5" name="Ellipse 4">
+            <a:extLst>
+              <a:ext uri="{FF2B5EF4-FFF2-40B4-BE49-F238E27FC236}">
+                <a16:creationId xmlns:a16="http://schemas.microsoft.com/office/drawing/2014/main" id="{1BD26BF3-5216-2361-A72D-E3597292B5A0}"/>
+              </a:ext>
+            </a:extLst>
+          </p:cNvPr>
+          <p:cNvSpPr/>
+          <p:nvPr/>
+        </p:nvSpPr>
+        <p:spPr>
+          <a:xfrm>
+            <a:off x="838200" y="5225592"/>
+            <a:ext cx="2300926" cy="1414020"/>
+          </a:xfrm>
+          <a:prstGeom prst="ellipse">
+            <a:avLst/>
+          </a:prstGeom>
+          <a:solidFill>
+            <a:srgbClr val="FF5757"/>
+          </a:solidFill>
+        </p:spPr>
+        <p:style>
+          <a:lnRef idx="2">
+            <a:schemeClr val="accent1">
+              <a:shade val="50000"/>
+            </a:schemeClr>
+          </a:lnRef>
+          <a:fillRef idx="1">
+            <a:schemeClr val="accent1"/>
+          </a:fillRef>
+          <a:effectRef idx="0">
+            <a:schemeClr val="accent1"/>
+          </a:effectRef>
+          <a:fontRef idx="minor">
+            <a:schemeClr val="lt1"/>
+          </a:fontRef>
+        </p:style>
+        <p:txBody>
+          <a:bodyPr rtlCol="0" anchor="ctr"/>
+          <a:lstStyle/>
+          <a:p>
+            <a:pPr algn="ctr"/>
+            <a:r>
+              <a:rPr lang="fr-FR" dirty="0">
+                <a:solidFill>
+                  <a:schemeClr val="tx1"/>
+                </a:solidFill>
+              </a:rPr>
+              <a:t>Abandonnée</a:t>
+            </a:r>
+          </a:p>
+        </p:txBody>
+      </p:sp>
+      <p:sp>
+        <p:nvSpPr>
+          <p:cNvPr id="6" name="Rectangle 5">
+            <a:extLst>
+              <a:ext uri="{FF2B5EF4-FFF2-40B4-BE49-F238E27FC236}">
+                <a16:creationId xmlns:a16="http://schemas.microsoft.com/office/drawing/2014/main" id="{4C9798E4-6AE6-B074-FDD9-6B27D6905C91}"/>
+              </a:ext>
+            </a:extLst>
+          </p:cNvPr>
+          <p:cNvSpPr/>
+          <p:nvPr/>
+        </p:nvSpPr>
+        <p:spPr>
+          <a:xfrm>
+            <a:off x="3959257" y="5579097"/>
+            <a:ext cx="7183225" cy="707010"/>
+          </a:xfrm>
+          <a:prstGeom prst="rect">
+            <a:avLst/>
+          </a:prstGeom>
+          <a:noFill/>
+          <a:ln>
+            <a:solidFill>
+              <a:srgbClr val="FF5757"/>
+            </a:solidFill>
+          </a:ln>
+        </p:spPr>
+        <p:style>
+          <a:lnRef idx="2">
+            <a:schemeClr val="accent1">
+              <a:shade val="50000"/>
+            </a:schemeClr>
+          </a:lnRef>
+          <a:fillRef idx="1">
+            <a:schemeClr val="accent1"/>
+          </a:fillRef>
+          <a:effectRef idx="0">
+            <a:schemeClr val="accent1"/>
+          </a:effectRef>
+          <a:fontRef idx="minor">
+            <a:schemeClr val="lt1"/>
+          </a:fontRef>
+        </p:style>
+        <p:txBody>
+          <a:bodyPr rtlCol="0" anchor="ctr"/>
+          <a:lstStyle/>
+          <a:p>
+            <a:pPr algn="ctr"/>
+            <a:r>
+              <a:rPr lang="fr-FR" dirty="0">
+                <a:solidFill>
+                  <a:schemeClr val="tx1"/>
+                </a:solidFill>
+              </a:rPr>
+              <a:t>Optimisation caduc (impossibilité de le faire au niveau actuel)</a:t>
+            </a:r>
+          </a:p>
+        </p:txBody>
+      </p:sp>
+      <p:sp>
+        <p:nvSpPr>
+          <p:cNvPr id="7" name="Rectangle 6">
+            <a:extLst>
+              <a:ext uri="{FF2B5EF4-FFF2-40B4-BE49-F238E27FC236}">
+                <a16:creationId xmlns:a16="http://schemas.microsoft.com/office/drawing/2014/main" id="{D978F88E-FC68-B84B-3776-7FCB491C7731}"/>
+              </a:ext>
+            </a:extLst>
+          </p:cNvPr>
+          <p:cNvSpPr/>
+          <p:nvPr/>
+        </p:nvSpPr>
+        <p:spPr>
+          <a:xfrm>
+            <a:off x="3959255" y="2182305"/>
+            <a:ext cx="7183225" cy="707010"/>
+          </a:xfrm>
+          <a:prstGeom prst="rect">
+            <a:avLst/>
+          </a:prstGeom>
+          <a:noFill/>
+          <a:ln>
+            <a:solidFill>
+              <a:schemeClr val="accent6">
+                <a:lumMod val="60000"/>
+                <a:lumOff val="40000"/>
+              </a:schemeClr>
+            </a:solidFill>
+          </a:ln>
+        </p:spPr>
+        <p:style>
+          <a:lnRef idx="2">
+            <a:schemeClr val="accent1">
+              <a:shade val="50000"/>
+            </a:schemeClr>
+          </a:lnRef>
+          <a:fillRef idx="1">
+            <a:schemeClr val="accent1"/>
+          </a:fillRef>
+          <a:effectRef idx="0">
+            <a:schemeClr val="accent1"/>
+          </a:effectRef>
+          <a:fontRef idx="minor">
+            <a:schemeClr val="lt1"/>
+          </a:fontRef>
+        </p:style>
+        <p:txBody>
+          <a:bodyPr rtlCol="0" anchor="ctr"/>
+          <a:lstStyle/>
+          <a:p>
+            <a:pPr algn="ctr"/>
+            <a:r>
+              <a:rPr lang="fr-FR" dirty="0">
+                <a:solidFill>
+                  <a:schemeClr val="tx1"/>
+                </a:solidFill>
+              </a:rPr>
+              <a:t>Optimisation réussi</a:t>
+            </a:r>
+          </a:p>
+        </p:txBody>
+      </p:sp>
+      <p:sp>
+        <p:nvSpPr>
+          <p:cNvPr id="8" name="Rectangle 7">
+            <a:extLst>
+              <a:ext uri="{FF2B5EF4-FFF2-40B4-BE49-F238E27FC236}">
+                <a16:creationId xmlns:a16="http://schemas.microsoft.com/office/drawing/2014/main" id="{BADDE3BA-8A80-F99A-1409-8A4D4709B7C2}"/>
+              </a:ext>
+            </a:extLst>
+          </p:cNvPr>
+          <p:cNvSpPr/>
+          <p:nvPr/>
+        </p:nvSpPr>
+        <p:spPr>
+          <a:xfrm>
+            <a:off x="3959256" y="4127369"/>
+            <a:ext cx="7183225" cy="707010"/>
+          </a:xfrm>
+          <a:prstGeom prst="rect">
+            <a:avLst/>
+          </a:prstGeom>
+          <a:noFill/>
+          <a:ln>
+            <a:solidFill>
+              <a:schemeClr val="accent4">
+                <a:lumMod val="60000"/>
+                <a:lumOff val="40000"/>
+              </a:schemeClr>
+            </a:solidFill>
+          </a:ln>
+        </p:spPr>
+        <p:style>
+          <a:lnRef idx="2">
+            <a:schemeClr val="accent1">
+              <a:shade val="50000"/>
+            </a:schemeClr>
+          </a:lnRef>
+          <a:fillRef idx="1">
+            <a:schemeClr val="accent1"/>
+          </a:fillRef>
+          <a:effectRef idx="0">
+            <a:schemeClr val="accent1"/>
+          </a:effectRef>
+          <a:fontRef idx="minor">
+            <a:schemeClr val="lt1"/>
+          </a:fontRef>
+        </p:style>
+        <p:txBody>
+          <a:bodyPr rtlCol="0" anchor="ctr"/>
+          <a:lstStyle/>
+          <a:p>
+            <a:pPr algn="ctr"/>
+            <a:r>
+              <a:rPr lang="fr-FR" dirty="0">
+                <a:solidFill>
+                  <a:schemeClr val="tx1"/>
+                </a:solidFill>
+              </a:rPr>
+              <a:t>Optimisation partiellement faite(qui nécessite une refonte de site complète pour une optimisation optimal) </a:t>
+            </a:r>
           </a:p>
         </p:txBody>
       </p:sp>
     </p:spTree>
     <p:extLst>
       <p:ext uri="{BB962C8B-B14F-4D97-AF65-F5344CB8AC3E}">
-        <p14:creationId xmlns:p14="http://schemas.microsoft.com/office/powerpoint/2010/main" val="1933679464"/>
+        <p14:creationId xmlns:p14="http://schemas.microsoft.com/office/powerpoint/2010/main" val="2909290756"/>
       </p:ext>
     </p:extLst>
   </p:cSld>
@@ -4736,10 +5967,10 @@
       </p:grpSpPr>
       <p:sp>
         <p:nvSpPr>
-          <p:cNvPr id="20" name="Rectangle 19">
-            <a:extLst>
-              <a:ext uri="{FF2B5EF4-FFF2-40B4-BE49-F238E27FC236}">
-                <a16:creationId xmlns:a16="http://schemas.microsoft.com/office/drawing/2014/main" id="{AA5F16CB-A35F-1C73-80C3-98FBA33323EC}"/>
+          <p:cNvPr id="11" name="Rectangle 10">
+            <a:extLst>
+              <a:ext uri="{FF2B5EF4-FFF2-40B4-BE49-F238E27FC236}">
+                <a16:creationId xmlns:a16="http://schemas.microsoft.com/office/drawing/2014/main" id="{41622C83-36B6-38E6-DC49-A8D6F28B33BC}"/>
               </a:ext>
             </a:extLst>
           </p:cNvPr>
@@ -4748,15 +5979,15 @@
         </p:nvSpPr>
         <p:spPr>
           <a:xfrm>
-            <a:off x="96396" y="1516650"/>
-            <a:ext cx="5923405" cy="4148859"/>
+            <a:off x="6172200" y="1516650"/>
+            <a:ext cx="5923404" cy="4148859"/>
           </a:xfrm>
           <a:prstGeom prst="rect">
             <a:avLst/>
           </a:prstGeom>
           <a:ln>
             <a:solidFill>
-              <a:srgbClr val="FF5757"/>
+              <a:schemeClr val="accent6"/>
             </a:solidFill>
           </a:ln>
         </p:spPr>
@@ -4779,16 +6010,16 @@
           <a:lstStyle/>
           <a:p>
             <a:pPr algn="ctr"/>
-            <a:endParaRPr lang="fr-FR"/>
-          </a:p>
-        </p:txBody>
-      </p:sp>
-      <p:sp>
-        <p:nvSpPr>
-          <p:cNvPr id="7" name="Rectangle 6">
-            <a:extLst>
-              <a:ext uri="{FF2B5EF4-FFF2-40B4-BE49-F238E27FC236}">
-                <a16:creationId xmlns:a16="http://schemas.microsoft.com/office/drawing/2014/main" id="{A5AFBE4A-22C9-3AAD-4A43-DA188B19B3F9}"/>
+            <a:endParaRPr lang="fr-FR" dirty="0"/>
+          </a:p>
+        </p:txBody>
+      </p:sp>
+      <p:sp>
+        <p:nvSpPr>
+          <p:cNvPr id="10" name="Rectangle 9">
+            <a:extLst>
+              <a:ext uri="{FF2B5EF4-FFF2-40B4-BE49-F238E27FC236}">
+                <a16:creationId xmlns:a16="http://schemas.microsoft.com/office/drawing/2014/main" id="{14B80D80-4218-3C48-8CF1-BE0AB67E2983}"/>
               </a:ext>
             </a:extLst>
           </p:cNvPr>
@@ -4797,15 +6028,15 @@
         </p:nvSpPr>
         <p:spPr>
           <a:xfrm>
-            <a:off x="6172200" y="1516650"/>
-            <a:ext cx="5923404" cy="4148859"/>
+            <a:off x="96396" y="1516650"/>
+            <a:ext cx="5923405" cy="4148859"/>
           </a:xfrm>
           <a:prstGeom prst="rect">
             <a:avLst/>
           </a:prstGeom>
           <a:ln>
             <a:solidFill>
-              <a:schemeClr val="accent6"/>
+              <a:srgbClr val="FF5757"/>
             </a:solidFill>
           </a:ln>
         </p:spPr>
@@ -4828,7 +6059,7 @@
           <a:lstStyle/>
           <a:p>
             <a:pPr algn="ctr"/>
-            <a:endParaRPr lang="fr-FR" dirty="0"/>
+            <a:endParaRPr lang="fr-FR"/>
           </a:p>
         </p:txBody>
       </p:sp>
@@ -4837,7 +6068,7 @@
           <p:cNvPr id="2" name="Titre 1">
             <a:extLst>
               <a:ext uri="{FF2B5EF4-FFF2-40B4-BE49-F238E27FC236}">
-                <a16:creationId xmlns:a16="http://schemas.microsoft.com/office/drawing/2014/main" id="{7A10F0B6-666C-E4C4-5535-08A5D56926F8}"/>
+                <a16:creationId xmlns:a16="http://schemas.microsoft.com/office/drawing/2014/main" id="{8FEA3BAF-C98E-8EEA-63E7-9767E70F5673}"/>
               </a:ext>
             </a:extLst>
           </p:cNvPr>
@@ -4855,13 +6086,8 @@
           <a:p>
             <a:r>
               <a:rPr lang="fr-FR" dirty="0"/>
-              <a:t>Analyse sur </a:t>
-            </a:r>
-            <a:r>
-              <a:rPr lang="fr-FR" dirty="0" err="1"/>
-              <a:t>Gtmetrix</a:t>
-            </a:r>
-            <a:endParaRPr lang="fr-FR" dirty="0"/>
+              <a:t>Analyse des performances</a:t>
+            </a:r>
           </a:p>
         </p:txBody>
       </p:sp>
@@ -4870,7 +6096,7 @@
           <p:cNvPr id="3" name="Espace réservé du texte 2">
             <a:extLst>
               <a:ext uri="{FF2B5EF4-FFF2-40B4-BE49-F238E27FC236}">
-                <a16:creationId xmlns:a16="http://schemas.microsoft.com/office/drawing/2014/main" id="{5B689303-BA78-9B73-70D3-5D506AA526BB}"/>
+                <a16:creationId xmlns:a16="http://schemas.microsoft.com/office/drawing/2014/main" id="{D9A67EA8-3BC0-4A30-426D-965D9A2C81CC}"/>
               </a:ext>
             </a:extLst>
           </p:cNvPr>
@@ -4884,21 +6110,15 @@
         <p:spPr>
           <a:xfrm>
             <a:off x="96396" y="1516650"/>
-            <a:ext cx="5923405" cy="823912"/>
+            <a:ext cx="5923404" cy="855482"/>
           </a:xfrm>
           <a:solidFill>
             <a:srgbClr val="FF5757"/>
           </a:solidFill>
         </p:spPr>
         <p:txBody>
-          <a:bodyPr>
-            <a:normAutofit lnSpcReduction="10000"/>
-          </a:bodyPr>
-          <a:lstStyle/>
-          <a:p>
-            <a:pPr algn="ctr"/>
-            <a:endParaRPr lang="fr-FR" dirty="0"/>
-          </a:p>
+          <a:bodyPr/>
+          <a:lstStyle/>
           <a:p>
             <a:pPr algn="ctr"/>
             <a:r>
@@ -4907,17 +6127,16 @@
             </a:r>
           </a:p>
           <a:p>
-            <a:pPr algn="ctr"/>
             <a:endParaRPr lang="fr-FR" dirty="0"/>
           </a:p>
         </p:txBody>
       </p:sp>
       <p:pic>
         <p:nvPicPr>
-          <p:cNvPr id="15" name="Espace réservé du contenu 14" descr="Une image contenant texte&#10;&#10;Description générée automatiquement">
-            <a:extLst>
-              <a:ext uri="{FF2B5EF4-FFF2-40B4-BE49-F238E27FC236}">
-                <a16:creationId xmlns:a16="http://schemas.microsoft.com/office/drawing/2014/main" id="{2FEC354D-10A7-7BCC-E4D9-CEB31DBBBA5C}"/>
+          <p:cNvPr id="8" name="Espace réservé du contenu 7">
+            <a:extLst>
+              <a:ext uri="{FF2B5EF4-FFF2-40B4-BE49-F238E27FC236}">
+                <a16:creationId xmlns:a16="http://schemas.microsoft.com/office/drawing/2014/main" id="{985A0C63-9F99-D8E6-8A8B-BC9792026627}"/>
               </a:ext>
             </a:extLst>
           </p:cNvPr>
@@ -4942,8 +6161,8 @@
         </p:blipFill>
         <p:spPr>
           <a:xfrm>
-            <a:off x="479204" y="2695281"/>
-            <a:ext cx="5157787" cy="2106854"/>
+            <a:off x="431006" y="2505074"/>
+            <a:ext cx="5157787" cy="2895813"/>
           </a:xfrm>
         </p:spPr>
       </p:pic>
@@ -4952,7 +6171,7 @@
           <p:cNvPr id="5" name="Espace réservé du texte 4">
             <a:extLst>
               <a:ext uri="{FF2B5EF4-FFF2-40B4-BE49-F238E27FC236}">
-                <a16:creationId xmlns:a16="http://schemas.microsoft.com/office/drawing/2014/main" id="{3B83A77E-E8BE-5B35-1753-E69310036A9C}"/>
+                <a16:creationId xmlns:a16="http://schemas.microsoft.com/office/drawing/2014/main" id="{8A5DE980-E99A-FDAB-1BEC-FBBC976D12AE}"/>
               </a:ext>
             </a:extLst>
           </p:cNvPr>
@@ -4966,7 +6185,7 @@
         <p:spPr>
           <a:xfrm>
             <a:off x="6172200" y="1516650"/>
-            <a:ext cx="5923404" cy="929507"/>
+            <a:ext cx="5923404" cy="906235"/>
           </a:xfrm>
           <a:solidFill>
             <a:schemeClr val="accent6">
@@ -4976,9 +6195,7 @@
           </a:solidFill>
         </p:spPr>
         <p:txBody>
-          <a:bodyPr>
-            <a:normAutofit lnSpcReduction="10000"/>
-          </a:bodyPr>
+          <a:bodyPr/>
           <a:lstStyle/>
           <a:p>
             <a:pPr algn="ctr"/>
@@ -4995,10 +6212,10 @@
       </p:sp>
       <p:pic>
         <p:nvPicPr>
-          <p:cNvPr id="19" name="Espace réservé du contenu 18" descr="Une image contenant texte&#10;&#10;Description générée automatiquement">
-            <a:extLst>
-              <a:ext uri="{FF2B5EF4-FFF2-40B4-BE49-F238E27FC236}">
-                <a16:creationId xmlns:a16="http://schemas.microsoft.com/office/drawing/2014/main" id="{761F8F94-9E0D-F6B3-147C-D9157114864F}"/>
+          <p:cNvPr id="7" name="Espace réservé du contenu 6">
+            <a:extLst>
+              <a:ext uri="{FF2B5EF4-FFF2-40B4-BE49-F238E27FC236}">
+                <a16:creationId xmlns:a16="http://schemas.microsoft.com/office/drawing/2014/main" id="{8EA9FC6D-0496-B74B-F6DB-10E3450F7EA1}"/>
               </a:ext>
             </a:extLst>
           </p:cNvPr>
@@ -5023,17 +6240,87 @@
         </p:blipFill>
         <p:spPr>
           <a:xfrm>
-            <a:off x="6542308" y="2695281"/>
-            <a:ext cx="5183188" cy="2102961"/>
+            <a:off x="6542308" y="2505075"/>
+            <a:ext cx="5183188" cy="2903097"/>
           </a:xfrm>
         </p:spPr>
       </p:pic>
       <p:sp>
         <p:nvSpPr>
-          <p:cNvPr id="21" name="Flèche : droite 20">
-            <a:extLst>
-              <a:ext uri="{FF2B5EF4-FFF2-40B4-BE49-F238E27FC236}">
-                <a16:creationId xmlns:a16="http://schemas.microsoft.com/office/drawing/2014/main" id="{28571424-EE75-AF31-A3C8-AE44D66DE6F1}"/>
+          <p:cNvPr id="9" name="Rectangle 8">
+            <a:extLst>
+              <a:ext uri="{FF2B5EF4-FFF2-40B4-BE49-F238E27FC236}">
+                <a16:creationId xmlns:a16="http://schemas.microsoft.com/office/drawing/2014/main" id="{446055DA-83C1-A112-1A53-565C41CBEA7A}"/>
+              </a:ext>
+            </a:extLst>
+          </p:cNvPr>
+          <p:cNvSpPr/>
+          <p:nvPr/>
+        </p:nvSpPr>
+        <p:spPr>
+          <a:xfrm>
+            <a:off x="0" y="6034087"/>
+            <a:ext cx="12192000" cy="823912"/>
+          </a:xfrm>
+          <a:prstGeom prst="rect">
+            <a:avLst/>
+          </a:prstGeom>
+          <a:solidFill>
+            <a:schemeClr val="accent2">
+              <a:lumMod val="60000"/>
+              <a:lumOff val="40000"/>
+            </a:schemeClr>
+          </a:solidFill>
+          <a:ln/>
+        </p:spPr>
+        <p:style>
+          <a:lnRef idx="2">
+            <a:schemeClr val="accent2"/>
+          </a:lnRef>
+          <a:fillRef idx="1">
+            <a:schemeClr val="lt1"/>
+          </a:fillRef>
+          <a:effectRef idx="0">
+            <a:schemeClr val="accent2"/>
+          </a:effectRef>
+          <a:fontRef idx="minor">
+            <a:schemeClr val="dk1"/>
+          </a:fontRef>
+        </p:style>
+        <p:txBody>
+          <a:bodyPr rtlCol="0" anchor="ctr"/>
+          <a:lstStyle/>
+          <a:p>
+            <a:pPr algn="ctr"/>
+            <a:r>
+              <a:rPr lang="fr-FR" dirty="0"/>
+              <a:t>Le rendu avant et après de l’optimisation des performance, accessibilité et </a:t>
+            </a:r>
+            <a:r>
+              <a:rPr lang="fr-FR" dirty="0" err="1"/>
+              <a:t>seo</a:t>
+            </a:r>
+            <a:r>
+              <a:rPr lang="fr-FR" dirty="0"/>
+              <a:t> du site.  Après optimisation les performance, accessibilité et </a:t>
+            </a:r>
+            <a:r>
+              <a:rPr lang="fr-FR" dirty="0" err="1"/>
+              <a:t>seo</a:t>
+            </a:r>
+            <a:r>
+              <a:rPr lang="fr-FR" dirty="0"/>
+              <a:t> se sont amélioré. </a:t>
+            </a:r>
+          </a:p>
+        </p:txBody>
+      </p:sp>
+      <p:sp>
+        <p:nvSpPr>
+          <p:cNvPr id="12" name="Flèche : droite 11">
+            <a:extLst>
+              <a:ext uri="{FF2B5EF4-FFF2-40B4-BE49-F238E27FC236}">
+                <a16:creationId xmlns:a16="http://schemas.microsoft.com/office/drawing/2014/main" id="{C2479AC3-077C-57F8-5E2F-8B45F67CE887}"/>
               </a:ext>
             </a:extLst>
           </p:cNvPr>
@@ -5076,10 +6363,10 @@
       </p:sp>
       <p:sp>
         <p:nvSpPr>
-          <p:cNvPr id="22" name="Rectangle 21">
-            <a:extLst>
-              <a:ext uri="{FF2B5EF4-FFF2-40B4-BE49-F238E27FC236}">
-                <a16:creationId xmlns:a16="http://schemas.microsoft.com/office/drawing/2014/main" id="{C892662C-20A1-9CB0-273B-59411A782007}"/>
+          <p:cNvPr id="4" name="Ellipse 3">
+            <a:extLst>
+              <a:ext uri="{FF2B5EF4-FFF2-40B4-BE49-F238E27FC236}">
+                <a16:creationId xmlns:a16="http://schemas.microsoft.com/office/drawing/2014/main" id="{779EA765-C9B8-7F61-B9E3-0D620E818DEB}"/>
               </a:ext>
             </a:extLst>
           </p:cNvPr>
@@ -5088,32 +6375,33 @@
         </p:nvSpPr>
         <p:spPr>
           <a:xfrm>
-            <a:off x="0" y="6034087"/>
-            <a:ext cx="12192000" cy="823912"/>
-          </a:xfrm>
-          <a:prstGeom prst="rect">
+            <a:off x="10626462" y="50882"/>
+            <a:ext cx="1451499" cy="799398"/>
+          </a:xfrm>
+          <a:prstGeom prst="ellipse">
             <a:avLst/>
           </a:prstGeom>
           <a:solidFill>
-            <a:schemeClr val="accent2">
+            <a:schemeClr val="accent6">
               <a:lumMod val="60000"/>
               <a:lumOff val="40000"/>
             </a:schemeClr>
           </a:solidFill>
-          <a:ln/>
         </p:spPr>
         <p:style>
           <a:lnRef idx="2">
-            <a:schemeClr val="accent2"/>
+            <a:schemeClr val="accent1">
+              <a:shade val="50000"/>
+            </a:schemeClr>
           </a:lnRef>
           <a:fillRef idx="1">
-            <a:schemeClr val="lt1"/>
+            <a:schemeClr val="accent1"/>
           </a:fillRef>
           <a:effectRef idx="0">
-            <a:schemeClr val="accent2"/>
+            <a:schemeClr val="accent1"/>
           </a:effectRef>
           <a:fontRef idx="minor">
-            <a:schemeClr val="dk1"/>
+            <a:schemeClr val="lt1"/>
           </a:fontRef>
         </p:style>
         <p:txBody>
@@ -5122,8 +6410,12 @@
           <a:p>
             <a:pPr algn="ctr"/>
             <a:r>
-              <a:rPr lang="fr-FR" dirty="0"/>
-              <a:t>Utilisé un autre outil d’analyse permet de confirmé la validité des modification apporté au site pour avoir de meilleur performance.</a:t>
+              <a:rPr lang="fr-FR" dirty="0">
+                <a:solidFill>
+                  <a:schemeClr val="tx1"/>
+                </a:solidFill>
+              </a:rPr>
+              <a:t>Terminé</a:t>
             </a:r>
           </a:p>
         </p:txBody>
@@ -5131,7 +6423,7 @@
     </p:spTree>
     <p:extLst>
       <p:ext uri="{BB962C8B-B14F-4D97-AF65-F5344CB8AC3E}">
-        <p14:creationId xmlns:p14="http://schemas.microsoft.com/office/powerpoint/2010/main" val="3902599311"/>
+        <p14:creationId xmlns:p14="http://schemas.microsoft.com/office/powerpoint/2010/main" val="1933679464"/>
       </p:ext>
     </p:extLst>
   </p:cSld>
@@ -5160,10 +6452,10 @@
       </p:grpSpPr>
       <p:sp>
         <p:nvSpPr>
-          <p:cNvPr id="8" name="Rectangle 7">
-            <a:extLst>
-              <a:ext uri="{FF2B5EF4-FFF2-40B4-BE49-F238E27FC236}">
-                <a16:creationId xmlns:a16="http://schemas.microsoft.com/office/drawing/2014/main" id="{238627E3-095A-44D1-CA0C-DE61E15E1FEE}"/>
+          <p:cNvPr id="20" name="Rectangle 19">
+            <a:extLst>
+              <a:ext uri="{FF2B5EF4-FFF2-40B4-BE49-F238E27FC236}">
+                <a16:creationId xmlns:a16="http://schemas.microsoft.com/office/drawing/2014/main" id="{AA5F16CB-A35F-1C73-80C3-98FBA33323EC}"/>
               </a:ext>
             </a:extLst>
           </p:cNvPr>
@@ -5172,15 +6464,15 @@
         </p:nvSpPr>
         <p:spPr>
           <a:xfrm>
-            <a:off x="6268596" y="1978563"/>
-            <a:ext cx="5923404" cy="3394716"/>
+            <a:off x="96396" y="1516650"/>
+            <a:ext cx="5923405" cy="4148859"/>
           </a:xfrm>
           <a:prstGeom prst="rect">
             <a:avLst/>
           </a:prstGeom>
           <a:ln>
             <a:solidFill>
-              <a:schemeClr val="accent6"/>
+              <a:srgbClr val="FF5757"/>
             </a:solidFill>
           </a:ln>
         </p:spPr>
@@ -5203,7 +6495,7 @@
           <a:lstStyle/>
           <a:p>
             <a:pPr algn="ctr"/>
-            <a:endParaRPr lang="fr-FR" dirty="0"/>
+            <a:endParaRPr lang="fr-FR"/>
           </a:p>
         </p:txBody>
       </p:sp>
@@ -5212,7 +6504,7 @@
           <p:cNvPr id="7" name="Rectangle 6">
             <a:extLst>
               <a:ext uri="{FF2B5EF4-FFF2-40B4-BE49-F238E27FC236}">
-                <a16:creationId xmlns:a16="http://schemas.microsoft.com/office/drawing/2014/main" id="{E3831053-D63A-2E3E-DDBA-FA16F520BA16}"/>
+                <a16:creationId xmlns:a16="http://schemas.microsoft.com/office/drawing/2014/main" id="{A5AFBE4A-22C9-3AAD-4A43-DA188B19B3F9}"/>
               </a:ext>
             </a:extLst>
           </p:cNvPr>
@@ -5221,15 +6513,15 @@
         </p:nvSpPr>
         <p:spPr>
           <a:xfrm>
-            <a:off x="0" y="1978563"/>
-            <a:ext cx="5901179" cy="3394715"/>
+            <a:off x="6172200" y="1516650"/>
+            <a:ext cx="5923404" cy="4148859"/>
           </a:xfrm>
           <a:prstGeom prst="rect">
             <a:avLst/>
           </a:prstGeom>
           <a:ln>
             <a:solidFill>
-              <a:srgbClr val="FF5757"/>
+              <a:schemeClr val="accent6"/>
             </a:solidFill>
           </a:ln>
         </p:spPr>
@@ -5252,7 +6544,7 @@
           <a:lstStyle/>
           <a:p>
             <a:pPr algn="ctr"/>
-            <a:endParaRPr lang="fr-FR"/>
+            <a:endParaRPr lang="fr-FR" dirty="0"/>
           </a:p>
         </p:txBody>
       </p:sp>
@@ -5261,7 +6553,7 @@
           <p:cNvPr id="2" name="Titre 1">
             <a:extLst>
               <a:ext uri="{FF2B5EF4-FFF2-40B4-BE49-F238E27FC236}">
-                <a16:creationId xmlns:a16="http://schemas.microsoft.com/office/drawing/2014/main" id="{9DF8A662-2BDC-AEA3-4836-922961CC4248}"/>
+                <a16:creationId xmlns:a16="http://schemas.microsoft.com/office/drawing/2014/main" id="{7A10F0B6-666C-E4C4-5535-08A5D56926F8}"/>
               </a:ext>
             </a:extLst>
           </p:cNvPr>
@@ -5277,11 +6569,15 @@
           <a:bodyPr/>
           <a:lstStyle/>
           <a:p>
-            <a:pPr algn="ctr"/>
             <a:r>
               <a:rPr lang="fr-FR" dirty="0"/>
-              <a:t>Contraste</a:t>
-            </a:r>
+              <a:t>Analyse sur </a:t>
+            </a:r>
+            <a:r>
+              <a:rPr lang="fr-FR" dirty="0" err="1"/>
+              <a:t>Gtmetrix</a:t>
+            </a:r>
+            <a:endParaRPr lang="fr-FR" dirty="0"/>
           </a:p>
         </p:txBody>
       </p:sp>
@@ -5290,7 +6586,7 @@
           <p:cNvPr id="3" name="Espace réservé du texte 2">
             <a:extLst>
               <a:ext uri="{FF2B5EF4-FFF2-40B4-BE49-F238E27FC236}">
-                <a16:creationId xmlns:a16="http://schemas.microsoft.com/office/drawing/2014/main" id="{19D03F69-C668-9780-7B9F-3A2101DA2249}"/>
+                <a16:creationId xmlns:a16="http://schemas.microsoft.com/office/drawing/2014/main" id="{5B689303-BA78-9B73-70D3-5D506AA526BB}"/>
               </a:ext>
             </a:extLst>
           </p:cNvPr>
@@ -5303,8 +6599,8 @@
         </p:nvSpPr>
         <p:spPr>
           <a:xfrm>
-            <a:off x="0" y="1978563"/>
-            <a:ext cx="5898488" cy="843404"/>
+            <a:off x="96396" y="1516650"/>
+            <a:ext cx="5923405" cy="823912"/>
           </a:xfrm>
           <a:solidFill>
             <a:srgbClr val="FF5757"/>
@@ -5317,26 +6613,62 @@
           <a:lstStyle/>
           <a:p>
             <a:pPr algn="ctr"/>
+            <a:endParaRPr lang="fr-FR" dirty="0"/>
+          </a:p>
+          <a:p>
+            <a:pPr algn="ctr"/>
             <a:r>
               <a:rPr lang="fr-FR" dirty="0"/>
-              <a:t>Site la Panthère</a:t>
+              <a:t>Site la panthère</a:t>
             </a:r>
           </a:p>
           <a:p>
             <a:pPr algn="ctr"/>
-            <a:r>
-              <a:rPr lang="fr-FR" dirty="0"/>
-              <a:t> </a:t>
-            </a:r>
-          </a:p>
-        </p:txBody>
-      </p:sp>
+            <a:endParaRPr lang="fr-FR" dirty="0"/>
+          </a:p>
+        </p:txBody>
+      </p:sp>
+      <p:pic>
+        <p:nvPicPr>
+          <p:cNvPr id="15" name="Espace réservé du contenu 14" descr="Une image contenant texte&#10;&#10;Description générée automatiquement">
+            <a:extLst>
+              <a:ext uri="{FF2B5EF4-FFF2-40B4-BE49-F238E27FC236}">
+                <a16:creationId xmlns:a16="http://schemas.microsoft.com/office/drawing/2014/main" id="{2FEC354D-10A7-7BCC-E4D9-CEB31DBBBA5C}"/>
+              </a:ext>
+            </a:extLst>
+          </p:cNvPr>
+          <p:cNvPicPr>
+            <a:picLocks noGrp="1" noChangeAspect="1"/>
+          </p:cNvPicPr>
+          <p:nvPr>
+            <p:ph sz="half" idx="2"/>
+          </p:nvPr>
+        </p:nvPicPr>
+        <p:blipFill>
+          <a:blip r:embed="rId2">
+            <a:extLst>
+              <a:ext uri="{28A0092B-C50C-407E-A947-70E740481C1C}">
+                <a14:useLocalDpi xmlns:a14="http://schemas.microsoft.com/office/drawing/2010/main" val="0"/>
+              </a:ext>
+            </a:extLst>
+          </a:blip>
+          <a:stretch>
+            <a:fillRect/>
+          </a:stretch>
+        </p:blipFill>
+        <p:spPr>
+          <a:xfrm>
+            <a:off x="479204" y="2695281"/>
+            <a:ext cx="5157787" cy="2106854"/>
+          </a:xfrm>
+        </p:spPr>
+      </p:pic>
       <p:sp>
         <p:nvSpPr>
           <p:cNvPr id="5" name="Espace réservé du texte 4">
             <a:extLst>
               <a:ext uri="{FF2B5EF4-FFF2-40B4-BE49-F238E27FC236}">
-                <a16:creationId xmlns:a16="http://schemas.microsoft.com/office/drawing/2014/main" id="{E98A551C-00B3-86B9-23DA-1330BBC8C92C}"/>
+                <a16:creationId xmlns:a16="http://schemas.microsoft.com/office/drawing/2014/main" id="{3B83A77E-E8BE-5B35-1753-E69310036A9C}"/>
               </a:ext>
             </a:extLst>
           </p:cNvPr>
@@ -5349,8 +6681,8 @@
         </p:nvSpPr>
         <p:spPr>
           <a:xfrm>
-            <a:off x="6265905" y="1998055"/>
-            <a:ext cx="5926095" cy="823912"/>
+            <a:off x="6172200" y="1516650"/>
+            <a:ext cx="5923404" cy="929507"/>
           </a:xfrm>
           <a:solidFill>
             <a:schemeClr val="accent6">
@@ -5377,73 +6709,12 @@
           </a:p>
         </p:txBody>
       </p:sp>
-      <p:sp>
-        <p:nvSpPr>
-          <p:cNvPr id="15" name="Rectangle 14">
-            <a:extLst>
-              <a:ext uri="{FF2B5EF4-FFF2-40B4-BE49-F238E27FC236}">
-                <a16:creationId xmlns:a16="http://schemas.microsoft.com/office/drawing/2014/main" id="{1320B198-E7AB-2C3D-776F-BCDDFCF59909}"/>
-              </a:ext>
-            </a:extLst>
-          </p:cNvPr>
-          <p:cNvSpPr/>
-          <p:nvPr/>
-        </p:nvSpPr>
-        <p:spPr>
-          <a:xfrm>
-            <a:off x="0" y="6179638"/>
-            <a:ext cx="12192000" cy="678362"/>
-          </a:xfrm>
-          <a:prstGeom prst="rect">
-            <a:avLst/>
-          </a:prstGeom>
-          <a:solidFill>
-            <a:schemeClr val="accent2">
-              <a:lumMod val="60000"/>
-              <a:lumOff val="40000"/>
-            </a:schemeClr>
-          </a:solidFill>
-          <a:ln/>
-        </p:spPr>
-        <p:style>
-          <a:lnRef idx="2">
-            <a:schemeClr val="accent2"/>
-          </a:lnRef>
-          <a:fillRef idx="1">
-            <a:schemeClr val="lt1"/>
-          </a:fillRef>
-          <a:effectRef idx="0">
-            <a:schemeClr val="accent2"/>
-          </a:effectRef>
-          <a:fontRef idx="minor">
-            <a:schemeClr val="dk1"/>
-          </a:fontRef>
-        </p:style>
-        <p:txBody>
-          <a:bodyPr rtlCol="0" anchor="ctr"/>
-          <a:lstStyle/>
-          <a:p>
-            <a:pPr algn="ctr"/>
-            <a:r>
-              <a:rPr lang="fr-FR" dirty="0"/>
-              <a:t>Avoir un contraste élevé de couleur entre le fond arrière et avant permet d’avoir une nette visibilité pour lire un texte.</a:t>
-            </a:r>
-          </a:p>
-          <a:p>
-            <a:pPr algn="ctr"/>
-            <a:r>
-              <a:rPr lang="fr-FR" dirty="0"/>
-              <a:t>Dans l’optimisation on peut voir le texte alors que dans le site sans modification le texte est illisible.</a:t>
-            </a:r>
-          </a:p>
-        </p:txBody>
-      </p:sp>
       <p:pic>
         <p:nvPicPr>
-          <p:cNvPr id="11" name="Espace réservé du contenu 10" descr="Une image contenant texte&#10;&#10;Description générée automatiquement">
-            <a:extLst>
-              <a:ext uri="{FF2B5EF4-FFF2-40B4-BE49-F238E27FC236}">
-                <a16:creationId xmlns:a16="http://schemas.microsoft.com/office/drawing/2014/main" id="{4040769C-721D-D1FA-B889-77DCA20DD9E1}"/>
+          <p:cNvPr id="19" name="Espace réservé du contenu 18" descr="Une image contenant texte&#10;&#10;Description générée automatiquement">
+            <a:extLst>
+              <a:ext uri="{FF2B5EF4-FFF2-40B4-BE49-F238E27FC236}">
+                <a16:creationId xmlns:a16="http://schemas.microsoft.com/office/drawing/2014/main" id="{761F8F94-9E0D-F6B3-147C-D9157114864F}"/>
               </a:ext>
             </a:extLst>
           </p:cNvPr>
@@ -5451,11 +6722,11 @@
             <a:picLocks noGrp="1" noChangeAspect="1"/>
           </p:cNvPicPr>
           <p:nvPr>
-            <p:ph sz="half" idx="2"/>
+            <p:ph sz="quarter" idx="4"/>
           </p:nvPr>
         </p:nvPicPr>
         <p:blipFill>
-          <a:blip r:embed="rId2">
+          <a:blip r:embed="rId3">
             <a:extLst>
               <a:ext uri="{28A0092B-C50C-407E-A947-70E740481C1C}">
                 <a14:useLocalDpi xmlns:a14="http://schemas.microsoft.com/office/drawing/2010/main" val="0"/>
@@ -5468,52 +6739,17 @@
         </p:blipFill>
         <p:spPr>
           <a:xfrm>
-            <a:off x="370108" y="3087698"/>
-            <a:ext cx="5157787" cy="1411487"/>
+            <a:off x="6542308" y="2695281"/>
+            <a:ext cx="5183188" cy="2102961"/>
           </a:xfrm>
         </p:spPr>
       </p:pic>
-      <p:pic>
-        <p:nvPicPr>
-          <p:cNvPr id="16" name="Espace réservé du contenu 15" descr="Une image contenant texte&#10;&#10;Description générée automatiquement">
-            <a:extLst>
-              <a:ext uri="{FF2B5EF4-FFF2-40B4-BE49-F238E27FC236}">
-                <a16:creationId xmlns:a16="http://schemas.microsoft.com/office/drawing/2014/main" id="{E7F4A40A-8777-002E-CB6F-FC98A208DBA4}"/>
-              </a:ext>
-            </a:extLst>
-          </p:cNvPr>
-          <p:cNvPicPr>
-            <a:picLocks noGrp="1" noChangeAspect="1"/>
-          </p:cNvPicPr>
-          <p:nvPr>
-            <p:ph sz="quarter" idx="4"/>
-          </p:nvPr>
-        </p:nvPicPr>
-        <p:blipFill>
-          <a:blip r:embed="rId3">
-            <a:extLst>
-              <a:ext uri="{28A0092B-C50C-407E-A947-70E740481C1C}">
-                <a14:useLocalDpi xmlns:a14="http://schemas.microsoft.com/office/drawing/2010/main" val="0"/>
-              </a:ext>
-            </a:extLst>
-          </a:blip>
-          <a:stretch>
-            <a:fillRect/>
-          </a:stretch>
-        </p:blipFill>
-        <p:spPr>
-          <a:xfrm>
-            <a:off x="6638704" y="3060029"/>
-            <a:ext cx="5183188" cy="1466827"/>
-          </a:xfrm>
-        </p:spPr>
-      </p:pic>
-      <p:sp>
-        <p:nvSpPr>
-          <p:cNvPr id="10" name="Flèche : droite 9">
-            <a:extLst>
-              <a:ext uri="{FF2B5EF4-FFF2-40B4-BE49-F238E27FC236}">
-                <a16:creationId xmlns:a16="http://schemas.microsoft.com/office/drawing/2014/main" id="{F67D5EC8-AC32-BA1A-959E-3428E8AC1F55}"/>
+      <p:sp>
+        <p:nvSpPr>
+          <p:cNvPr id="21" name="Flèche : droite 20">
+            <a:extLst>
+              <a:ext uri="{FF2B5EF4-FFF2-40B4-BE49-F238E27FC236}">
+                <a16:creationId xmlns:a16="http://schemas.microsoft.com/office/drawing/2014/main" id="{28571424-EE75-AF31-A3C8-AE44D66DE6F1}"/>
               </a:ext>
             </a:extLst>
           </p:cNvPr>
@@ -5522,7 +6758,7 @@
         </p:nvSpPr>
         <p:spPr>
           <a:xfrm>
-            <a:off x="5312108" y="1918973"/>
+            <a:off x="5182612" y="1580361"/>
             <a:ext cx="1326596" cy="533926"/>
           </a:xfrm>
           <a:prstGeom prst="rightArrow">
@@ -5554,10 +6790,1812 @@
           </a:p>
         </p:txBody>
       </p:sp>
+      <p:sp>
+        <p:nvSpPr>
+          <p:cNvPr id="22" name="Rectangle 21">
+            <a:extLst>
+              <a:ext uri="{FF2B5EF4-FFF2-40B4-BE49-F238E27FC236}">
+                <a16:creationId xmlns:a16="http://schemas.microsoft.com/office/drawing/2014/main" id="{C892662C-20A1-9CB0-273B-59411A782007}"/>
+              </a:ext>
+            </a:extLst>
+          </p:cNvPr>
+          <p:cNvSpPr/>
+          <p:nvPr/>
+        </p:nvSpPr>
+        <p:spPr>
+          <a:xfrm>
+            <a:off x="0" y="6034087"/>
+            <a:ext cx="12192000" cy="823912"/>
+          </a:xfrm>
+          <a:prstGeom prst="rect">
+            <a:avLst/>
+          </a:prstGeom>
+          <a:solidFill>
+            <a:schemeClr val="accent2">
+              <a:lumMod val="60000"/>
+              <a:lumOff val="40000"/>
+            </a:schemeClr>
+          </a:solidFill>
+          <a:ln/>
+        </p:spPr>
+        <p:style>
+          <a:lnRef idx="2">
+            <a:schemeClr val="accent2"/>
+          </a:lnRef>
+          <a:fillRef idx="1">
+            <a:schemeClr val="lt1"/>
+          </a:fillRef>
+          <a:effectRef idx="0">
+            <a:schemeClr val="accent2"/>
+          </a:effectRef>
+          <a:fontRef idx="minor">
+            <a:schemeClr val="dk1"/>
+          </a:fontRef>
+        </p:style>
+        <p:txBody>
+          <a:bodyPr rtlCol="0" anchor="ctr"/>
+          <a:lstStyle/>
+          <a:p>
+            <a:pPr algn="ctr"/>
+            <a:r>
+              <a:rPr lang="fr-FR" dirty="0"/>
+              <a:t>Utilisé un autre outil d’analyse permet de confirmé la validité des modification apporté au site pour avoir de meilleur performance.</a:t>
+            </a:r>
+          </a:p>
+        </p:txBody>
+      </p:sp>
+      <p:sp>
+        <p:nvSpPr>
+          <p:cNvPr id="4" name="Ellipse 3">
+            <a:extLst>
+              <a:ext uri="{FF2B5EF4-FFF2-40B4-BE49-F238E27FC236}">
+                <a16:creationId xmlns:a16="http://schemas.microsoft.com/office/drawing/2014/main" id="{FD50F513-DB93-81D0-27C5-799B94D74DE6}"/>
+              </a:ext>
+            </a:extLst>
+          </p:cNvPr>
+          <p:cNvSpPr/>
+          <p:nvPr/>
+        </p:nvSpPr>
+        <p:spPr>
+          <a:xfrm>
+            <a:off x="10626462" y="50882"/>
+            <a:ext cx="1451499" cy="799398"/>
+          </a:xfrm>
+          <a:prstGeom prst="ellipse">
+            <a:avLst/>
+          </a:prstGeom>
+          <a:solidFill>
+            <a:schemeClr val="accent6">
+              <a:lumMod val="60000"/>
+              <a:lumOff val="40000"/>
+            </a:schemeClr>
+          </a:solidFill>
+        </p:spPr>
+        <p:style>
+          <a:lnRef idx="2">
+            <a:schemeClr val="accent1">
+              <a:shade val="50000"/>
+            </a:schemeClr>
+          </a:lnRef>
+          <a:fillRef idx="1">
+            <a:schemeClr val="accent1"/>
+          </a:fillRef>
+          <a:effectRef idx="0">
+            <a:schemeClr val="accent1"/>
+          </a:effectRef>
+          <a:fontRef idx="minor">
+            <a:schemeClr val="lt1"/>
+          </a:fontRef>
+        </p:style>
+        <p:txBody>
+          <a:bodyPr rtlCol="0" anchor="ctr"/>
+          <a:lstStyle/>
+          <a:p>
+            <a:pPr algn="ctr"/>
+            <a:r>
+              <a:rPr lang="fr-FR" dirty="0">
+                <a:solidFill>
+                  <a:schemeClr val="tx1"/>
+                </a:solidFill>
+              </a:rPr>
+              <a:t>Terminé</a:t>
+            </a:r>
+          </a:p>
+        </p:txBody>
+      </p:sp>
+    </p:spTree>
+    <p:extLst>
+      <p:ext uri="{BB962C8B-B14F-4D97-AF65-F5344CB8AC3E}">
+        <p14:creationId xmlns:p14="http://schemas.microsoft.com/office/powerpoint/2010/main" val="3902599311"/>
+      </p:ext>
+    </p:extLst>
+  </p:cSld>
+  <p:clrMapOvr>
+    <a:masterClrMapping/>
+  </p:clrMapOvr>
+</p:sld>
+</file>
+
+<file path=ppt/slides/slide7.xml><?xml version="1.0" encoding="utf-8"?>
+<p:sld xmlns:a="http://schemas.openxmlformats.org/drawingml/2006/main" xmlns:r="http://schemas.openxmlformats.org/officeDocument/2006/relationships" xmlns:p="http://schemas.openxmlformats.org/presentationml/2006/main">
+  <p:cSld>
+    <p:spTree>
+      <p:nvGrpSpPr>
+        <p:cNvPr id="1" name=""/>
+        <p:cNvGrpSpPr/>
+        <p:nvPr/>
+      </p:nvGrpSpPr>
+      <p:grpSpPr>
+        <a:xfrm>
+          <a:off x="0" y="0"/>
+          <a:ext cx="0" cy="0"/>
+          <a:chOff x="0" y="0"/>
+          <a:chExt cx="0" cy="0"/>
+        </a:xfrm>
+      </p:grpSpPr>
+      <p:sp>
+        <p:nvSpPr>
+          <p:cNvPr id="8" name="Rectangle 7">
+            <a:extLst>
+              <a:ext uri="{FF2B5EF4-FFF2-40B4-BE49-F238E27FC236}">
+                <a16:creationId xmlns:a16="http://schemas.microsoft.com/office/drawing/2014/main" id="{238627E3-095A-44D1-CA0C-DE61E15E1FEE}"/>
+              </a:ext>
+            </a:extLst>
+          </p:cNvPr>
+          <p:cNvSpPr/>
+          <p:nvPr/>
+        </p:nvSpPr>
+        <p:spPr>
+          <a:xfrm>
+            <a:off x="6268596" y="1978563"/>
+            <a:ext cx="5923404" cy="3394716"/>
+          </a:xfrm>
+          <a:prstGeom prst="rect">
+            <a:avLst/>
+          </a:prstGeom>
+          <a:ln>
+            <a:solidFill>
+              <a:schemeClr val="accent6"/>
+            </a:solidFill>
+          </a:ln>
+        </p:spPr>
+        <p:style>
+          <a:lnRef idx="2">
+            <a:schemeClr val="accent6"/>
+          </a:lnRef>
+          <a:fillRef idx="1">
+            <a:schemeClr val="lt1"/>
+          </a:fillRef>
+          <a:effectRef idx="0">
+            <a:schemeClr val="accent6"/>
+          </a:effectRef>
+          <a:fontRef idx="minor">
+            <a:schemeClr val="dk1"/>
+          </a:fontRef>
+        </p:style>
+        <p:txBody>
+          <a:bodyPr rtlCol="0" anchor="ctr"/>
+          <a:lstStyle/>
+          <a:p>
+            <a:pPr algn="ctr"/>
+            <a:endParaRPr lang="fr-FR" dirty="0"/>
+          </a:p>
+        </p:txBody>
+      </p:sp>
+      <p:sp>
+        <p:nvSpPr>
+          <p:cNvPr id="7" name="Rectangle 6">
+            <a:extLst>
+              <a:ext uri="{FF2B5EF4-FFF2-40B4-BE49-F238E27FC236}">
+                <a16:creationId xmlns:a16="http://schemas.microsoft.com/office/drawing/2014/main" id="{E3831053-D63A-2E3E-DDBA-FA16F520BA16}"/>
+              </a:ext>
+            </a:extLst>
+          </p:cNvPr>
+          <p:cNvSpPr/>
+          <p:nvPr/>
+        </p:nvSpPr>
+        <p:spPr>
+          <a:xfrm>
+            <a:off x="0" y="1978563"/>
+            <a:ext cx="5901179" cy="3394715"/>
+          </a:xfrm>
+          <a:prstGeom prst="rect">
+            <a:avLst/>
+          </a:prstGeom>
+          <a:ln>
+            <a:solidFill>
+              <a:srgbClr val="FF5757"/>
+            </a:solidFill>
+          </a:ln>
+        </p:spPr>
+        <p:style>
+          <a:lnRef idx="2">
+            <a:schemeClr val="accent6"/>
+          </a:lnRef>
+          <a:fillRef idx="1">
+            <a:schemeClr val="lt1"/>
+          </a:fillRef>
+          <a:effectRef idx="0">
+            <a:schemeClr val="accent6"/>
+          </a:effectRef>
+          <a:fontRef idx="minor">
+            <a:schemeClr val="dk1"/>
+          </a:fontRef>
+        </p:style>
+        <p:txBody>
+          <a:bodyPr rtlCol="0" anchor="ctr"/>
+          <a:lstStyle/>
+          <a:p>
+            <a:pPr algn="ctr"/>
+            <a:endParaRPr lang="fr-FR"/>
+          </a:p>
+        </p:txBody>
+      </p:sp>
+      <p:sp>
+        <p:nvSpPr>
+          <p:cNvPr id="2" name="Titre 1">
+            <a:extLst>
+              <a:ext uri="{FF2B5EF4-FFF2-40B4-BE49-F238E27FC236}">
+                <a16:creationId xmlns:a16="http://schemas.microsoft.com/office/drawing/2014/main" id="{9DF8A662-2BDC-AEA3-4836-922961CC4248}"/>
+              </a:ext>
+            </a:extLst>
+          </p:cNvPr>
+          <p:cNvSpPr>
+            <a:spLocks noGrp="1"/>
+          </p:cNvSpPr>
+          <p:nvPr>
+            <p:ph type="title"/>
+          </p:nvPr>
+        </p:nvSpPr>
+        <p:spPr/>
+        <p:txBody>
+          <a:bodyPr/>
+          <a:lstStyle/>
+          <a:p>
+            <a:pPr algn="ctr"/>
+            <a:r>
+              <a:rPr lang="fr-FR" dirty="0"/>
+              <a:t>Contraste</a:t>
+            </a:r>
+          </a:p>
+        </p:txBody>
+      </p:sp>
+      <p:sp>
+        <p:nvSpPr>
+          <p:cNvPr id="3" name="Espace réservé du texte 2">
+            <a:extLst>
+              <a:ext uri="{FF2B5EF4-FFF2-40B4-BE49-F238E27FC236}">
+                <a16:creationId xmlns:a16="http://schemas.microsoft.com/office/drawing/2014/main" id="{19D03F69-C668-9780-7B9F-3A2101DA2249}"/>
+              </a:ext>
+            </a:extLst>
+          </p:cNvPr>
+          <p:cNvSpPr>
+            <a:spLocks noGrp="1"/>
+          </p:cNvSpPr>
+          <p:nvPr>
+            <p:ph type="body" idx="1"/>
+          </p:nvPr>
+        </p:nvSpPr>
+        <p:spPr>
+          <a:xfrm>
+            <a:off x="0" y="1978563"/>
+            <a:ext cx="5898488" cy="843404"/>
+          </a:xfrm>
+          <a:solidFill>
+            <a:srgbClr val="FF5757"/>
+          </a:solidFill>
+        </p:spPr>
+        <p:txBody>
+          <a:bodyPr>
+            <a:normAutofit lnSpcReduction="10000"/>
+          </a:bodyPr>
+          <a:lstStyle/>
+          <a:p>
+            <a:pPr algn="ctr"/>
+            <a:r>
+              <a:rPr lang="fr-FR" dirty="0"/>
+              <a:t>Site la Panthère</a:t>
+            </a:r>
+          </a:p>
+          <a:p>
+            <a:pPr algn="ctr"/>
+            <a:r>
+              <a:rPr lang="fr-FR" dirty="0"/>
+              <a:t> </a:t>
+            </a:r>
+          </a:p>
+        </p:txBody>
+      </p:sp>
+      <p:sp>
+        <p:nvSpPr>
+          <p:cNvPr id="5" name="Espace réservé du texte 4">
+            <a:extLst>
+              <a:ext uri="{FF2B5EF4-FFF2-40B4-BE49-F238E27FC236}">
+                <a16:creationId xmlns:a16="http://schemas.microsoft.com/office/drawing/2014/main" id="{E98A551C-00B3-86B9-23DA-1330BBC8C92C}"/>
+              </a:ext>
+            </a:extLst>
+          </p:cNvPr>
+          <p:cNvSpPr>
+            <a:spLocks noGrp="1"/>
+          </p:cNvSpPr>
+          <p:nvPr>
+            <p:ph type="body" sz="quarter" idx="3"/>
+          </p:nvPr>
+        </p:nvSpPr>
+        <p:spPr>
+          <a:xfrm>
+            <a:off x="6265905" y="1998055"/>
+            <a:ext cx="5926095" cy="823912"/>
+          </a:xfrm>
+          <a:solidFill>
+            <a:schemeClr val="accent6">
+              <a:lumMod val="60000"/>
+              <a:lumOff val="40000"/>
+            </a:schemeClr>
+          </a:solidFill>
+        </p:spPr>
+        <p:txBody>
+          <a:bodyPr>
+            <a:normAutofit lnSpcReduction="10000"/>
+          </a:bodyPr>
+          <a:lstStyle/>
+          <a:p>
+            <a:pPr algn="ctr"/>
+            <a:r>
+              <a:rPr lang="fr-FR" dirty="0"/>
+              <a:t>Optimisation du site la panthère</a:t>
+            </a:r>
+          </a:p>
+          <a:p>
+            <a:pPr algn="ctr"/>
+            <a:endParaRPr lang="fr-FR" dirty="0"/>
+          </a:p>
+        </p:txBody>
+      </p:sp>
+      <p:sp>
+        <p:nvSpPr>
+          <p:cNvPr id="15" name="Rectangle 14">
+            <a:extLst>
+              <a:ext uri="{FF2B5EF4-FFF2-40B4-BE49-F238E27FC236}">
+                <a16:creationId xmlns:a16="http://schemas.microsoft.com/office/drawing/2014/main" id="{1320B198-E7AB-2C3D-776F-BCDDFCF59909}"/>
+              </a:ext>
+            </a:extLst>
+          </p:cNvPr>
+          <p:cNvSpPr/>
+          <p:nvPr/>
+        </p:nvSpPr>
+        <p:spPr>
+          <a:xfrm>
+            <a:off x="0" y="6179638"/>
+            <a:ext cx="12192000" cy="678362"/>
+          </a:xfrm>
+          <a:prstGeom prst="rect">
+            <a:avLst/>
+          </a:prstGeom>
+          <a:solidFill>
+            <a:schemeClr val="accent2">
+              <a:lumMod val="60000"/>
+              <a:lumOff val="40000"/>
+            </a:schemeClr>
+          </a:solidFill>
+          <a:ln/>
+        </p:spPr>
+        <p:style>
+          <a:lnRef idx="2">
+            <a:schemeClr val="accent2"/>
+          </a:lnRef>
+          <a:fillRef idx="1">
+            <a:schemeClr val="lt1"/>
+          </a:fillRef>
+          <a:effectRef idx="0">
+            <a:schemeClr val="accent2"/>
+          </a:effectRef>
+          <a:fontRef idx="minor">
+            <a:schemeClr val="dk1"/>
+          </a:fontRef>
+        </p:style>
+        <p:txBody>
+          <a:bodyPr rtlCol="0" anchor="ctr"/>
+          <a:lstStyle/>
+          <a:p>
+            <a:pPr algn="ctr"/>
+            <a:r>
+              <a:rPr lang="fr-FR" dirty="0"/>
+              <a:t>Avoir un contraste élevé de couleur entre le fond arrière et avant permet d’avoir une nette visibilité pour lire un texte.</a:t>
+            </a:r>
+          </a:p>
+          <a:p>
+            <a:pPr algn="ctr"/>
+            <a:r>
+              <a:rPr lang="fr-FR" dirty="0"/>
+              <a:t>Dans l’optimisation on peut voir le texte alors que dans le site sans modification le texte est illisible.</a:t>
+            </a:r>
+          </a:p>
+        </p:txBody>
+      </p:sp>
+      <p:pic>
+        <p:nvPicPr>
+          <p:cNvPr id="11" name="Espace réservé du contenu 10" descr="Une image contenant texte&#10;&#10;Description générée automatiquement">
+            <a:extLst>
+              <a:ext uri="{FF2B5EF4-FFF2-40B4-BE49-F238E27FC236}">
+                <a16:creationId xmlns:a16="http://schemas.microsoft.com/office/drawing/2014/main" id="{4040769C-721D-D1FA-B889-77DCA20DD9E1}"/>
+              </a:ext>
+            </a:extLst>
+          </p:cNvPr>
+          <p:cNvPicPr>
+            <a:picLocks noGrp="1" noChangeAspect="1"/>
+          </p:cNvPicPr>
+          <p:nvPr>
+            <p:ph sz="half" idx="2"/>
+          </p:nvPr>
+        </p:nvPicPr>
+        <p:blipFill>
+          <a:blip r:embed="rId2">
+            <a:extLst>
+              <a:ext uri="{28A0092B-C50C-407E-A947-70E740481C1C}">
+                <a14:useLocalDpi xmlns:a14="http://schemas.microsoft.com/office/drawing/2010/main" val="0"/>
+              </a:ext>
+            </a:extLst>
+          </a:blip>
+          <a:stretch>
+            <a:fillRect/>
+          </a:stretch>
+        </p:blipFill>
+        <p:spPr>
+          <a:xfrm>
+            <a:off x="370108" y="3087698"/>
+            <a:ext cx="5157787" cy="1411487"/>
+          </a:xfrm>
+        </p:spPr>
+      </p:pic>
+      <p:pic>
+        <p:nvPicPr>
+          <p:cNvPr id="16" name="Espace réservé du contenu 15" descr="Une image contenant texte&#10;&#10;Description générée automatiquement">
+            <a:extLst>
+              <a:ext uri="{FF2B5EF4-FFF2-40B4-BE49-F238E27FC236}">
+                <a16:creationId xmlns:a16="http://schemas.microsoft.com/office/drawing/2014/main" id="{E7F4A40A-8777-002E-CB6F-FC98A208DBA4}"/>
+              </a:ext>
+            </a:extLst>
+          </p:cNvPr>
+          <p:cNvPicPr>
+            <a:picLocks noGrp="1" noChangeAspect="1"/>
+          </p:cNvPicPr>
+          <p:nvPr>
+            <p:ph sz="quarter" idx="4"/>
+          </p:nvPr>
+        </p:nvPicPr>
+        <p:blipFill>
+          <a:blip r:embed="rId3">
+            <a:extLst>
+              <a:ext uri="{28A0092B-C50C-407E-A947-70E740481C1C}">
+                <a14:useLocalDpi xmlns:a14="http://schemas.microsoft.com/office/drawing/2010/main" val="0"/>
+              </a:ext>
+            </a:extLst>
+          </a:blip>
+          <a:stretch>
+            <a:fillRect/>
+          </a:stretch>
+        </p:blipFill>
+        <p:spPr>
+          <a:xfrm>
+            <a:off x="6638704" y="3060029"/>
+            <a:ext cx="5183188" cy="1466827"/>
+          </a:xfrm>
+        </p:spPr>
+      </p:pic>
+      <p:sp>
+        <p:nvSpPr>
+          <p:cNvPr id="10" name="Flèche : droite 9">
+            <a:extLst>
+              <a:ext uri="{FF2B5EF4-FFF2-40B4-BE49-F238E27FC236}">
+                <a16:creationId xmlns:a16="http://schemas.microsoft.com/office/drawing/2014/main" id="{F67D5EC8-AC32-BA1A-959E-3428E8AC1F55}"/>
+              </a:ext>
+            </a:extLst>
+          </p:cNvPr>
+          <p:cNvSpPr/>
+          <p:nvPr/>
+        </p:nvSpPr>
+        <p:spPr>
+          <a:xfrm>
+            <a:off x="5312108" y="1918973"/>
+            <a:ext cx="1326596" cy="533926"/>
+          </a:xfrm>
+          <a:prstGeom prst="rightArrow">
+            <a:avLst/>
+          </a:prstGeom>
+        </p:spPr>
+        <p:style>
+          <a:lnRef idx="2">
+            <a:schemeClr val="accent1">
+              <a:shade val="50000"/>
+            </a:schemeClr>
+          </a:lnRef>
+          <a:fillRef idx="1">
+            <a:schemeClr val="accent1"/>
+          </a:fillRef>
+          <a:effectRef idx="0">
+            <a:schemeClr val="accent1"/>
+          </a:effectRef>
+          <a:fontRef idx="minor">
+            <a:schemeClr val="lt1"/>
+          </a:fontRef>
+        </p:style>
+        <p:txBody>
+          <a:bodyPr rtlCol="0" anchor="ctr"/>
+          <a:lstStyle/>
+          <a:p>
+            <a:pPr algn="ctr"/>
+            <a:endParaRPr lang="fr-FR"/>
+          </a:p>
+        </p:txBody>
+      </p:sp>
+      <p:sp>
+        <p:nvSpPr>
+          <p:cNvPr id="4" name="Ellipse 3">
+            <a:extLst>
+              <a:ext uri="{FF2B5EF4-FFF2-40B4-BE49-F238E27FC236}">
+                <a16:creationId xmlns:a16="http://schemas.microsoft.com/office/drawing/2014/main" id="{54A0B66F-1D86-2833-8370-682C4C7D5B23}"/>
+              </a:ext>
+            </a:extLst>
+          </p:cNvPr>
+          <p:cNvSpPr/>
+          <p:nvPr/>
+        </p:nvSpPr>
+        <p:spPr>
+          <a:xfrm>
+            <a:off x="10626462" y="50882"/>
+            <a:ext cx="1451499" cy="799398"/>
+          </a:xfrm>
+          <a:prstGeom prst="ellipse">
+            <a:avLst/>
+          </a:prstGeom>
+          <a:solidFill>
+            <a:schemeClr val="accent6">
+              <a:lumMod val="60000"/>
+              <a:lumOff val="40000"/>
+            </a:schemeClr>
+          </a:solidFill>
+        </p:spPr>
+        <p:style>
+          <a:lnRef idx="2">
+            <a:schemeClr val="accent1">
+              <a:shade val="50000"/>
+            </a:schemeClr>
+          </a:lnRef>
+          <a:fillRef idx="1">
+            <a:schemeClr val="accent1"/>
+          </a:fillRef>
+          <a:effectRef idx="0">
+            <a:schemeClr val="accent1"/>
+          </a:effectRef>
+          <a:fontRef idx="minor">
+            <a:schemeClr val="lt1"/>
+          </a:fontRef>
+        </p:style>
+        <p:txBody>
+          <a:bodyPr rtlCol="0" anchor="ctr"/>
+          <a:lstStyle/>
+          <a:p>
+            <a:pPr algn="ctr"/>
+            <a:r>
+              <a:rPr lang="fr-FR" dirty="0">
+                <a:solidFill>
+                  <a:schemeClr val="tx1"/>
+                </a:solidFill>
+              </a:rPr>
+              <a:t>Terminé</a:t>
+            </a:r>
+          </a:p>
+        </p:txBody>
+      </p:sp>
     </p:spTree>
     <p:extLst>
       <p:ext uri="{BB962C8B-B14F-4D97-AF65-F5344CB8AC3E}">
         <p14:creationId xmlns:p14="http://schemas.microsoft.com/office/powerpoint/2010/main" val="569081415"/>
+      </p:ext>
+    </p:extLst>
+  </p:cSld>
+  <p:clrMapOvr>
+    <a:masterClrMapping/>
+  </p:clrMapOvr>
+</p:sld>
+</file>
+
+<file path=ppt/slides/slide8.xml><?xml version="1.0" encoding="utf-8"?>
+<p:sld xmlns:a="http://schemas.openxmlformats.org/drawingml/2006/main" xmlns:r="http://schemas.openxmlformats.org/officeDocument/2006/relationships" xmlns:p="http://schemas.openxmlformats.org/presentationml/2006/main">
+  <p:cSld>
+    <p:spTree>
+      <p:nvGrpSpPr>
+        <p:cNvPr id="1" name=""/>
+        <p:cNvGrpSpPr/>
+        <p:nvPr/>
+      </p:nvGrpSpPr>
+      <p:grpSpPr>
+        <a:xfrm>
+          <a:off x="0" y="0"/>
+          <a:ext cx="0" cy="0"/>
+          <a:chOff x="0" y="0"/>
+          <a:chExt cx="0" cy="0"/>
+        </a:xfrm>
+      </p:grpSpPr>
+      <p:sp>
+        <p:nvSpPr>
+          <p:cNvPr id="8" name="Rectangle 7">
+            <a:extLst>
+              <a:ext uri="{FF2B5EF4-FFF2-40B4-BE49-F238E27FC236}">
+                <a16:creationId xmlns:a16="http://schemas.microsoft.com/office/drawing/2014/main" id="{238627E3-095A-44D1-CA0C-DE61E15E1FEE}"/>
+              </a:ext>
+            </a:extLst>
+          </p:cNvPr>
+          <p:cNvSpPr/>
+          <p:nvPr/>
+        </p:nvSpPr>
+        <p:spPr>
+          <a:xfrm>
+            <a:off x="6268596" y="1978563"/>
+            <a:ext cx="5923404" cy="3394716"/>
+          </a:xfrm>
+          <a:prstGeom prst="rect">
+            <a:avLst/>
+          </a:prstGeom>
+          <a:ln>
+            <a:solidFill>
+              <a:schemeClr val="accent6"/>
+            </a:solidFill>
+          </a:ln>
+        </p:spPr>
+        <p:style>
+          <a:lnRef idx="2">
+            <a:schemeClr val="accent6"/>
+          </a:lnRef>
+          <a:fillRef idx="1">
+            <a:schemeClr val="lt1"/>
+          </a:fillRef>
+          <a:effectRef idx="0">
+            <a:schemeClr val="accent6"/>
+          </a:effectRef>
+          <a:fontRef idx="minor">
+            <a:schemeClr val="dk1"/>
+          </a:fontRef>
+        </p:style>
+        <p:txBody>
+          <a:bodyPr rtlCol="0" anchor="ctr"/>
+          <a:lstStyle/>
+          <a:p>
+            <a:pPr algn="ctr"/>
+            <a:endParaRPr lang="fr-FR" dirty="0"/>
+          </a:p>
+        </p:txBody>
+      </p:sp>
+      <p:sp>
+        <p:nvSpPr>
+          <p:cNvPr id="7" name="Rectangle 6">
+            <a:extLst>
+              <a:ext uri="{FF2B5EF4-FFF2-40B4-BE49-F238E27FC236}">
+                <a16:creationId xmlns:a16="http://schemas.microsoft.com/office/drawing/2014/main" id="{E3831053-D63A-2E3E-DDBA-FA16F520BA16}"/>
+              </a:ext>
+            </a:extLst>
+          </p:cNvPr>
+          <p:cNvSpPr/>
+          <p:nvPr/>
+        </p:nvSpPr>
+        <p:spPr>
+          <a:xfrm>
+            <a:off x="0" y="1978563"/>
+            <a:ext cx="5901179" cy="3394715"/>
+          </a:xfrm>
+          <a:prstGeom prst="rect">
+            <a:avLst/>
+          </a:prstGeom>
+          <a:ln>
+            <a:solidFill>
+              <a:srgbClr val="FF5757"/>
+            </a:solidFill>
+          </a:ln>
+        </p:spPr>
+        <p:style>
+          <a:lnRef idx="2">
+            <a:schemeClr val="accent6"/>
+          </a:lnRef>
+          <a:fillRef idx="1">
+            <a:schemeClr val="lt1"/>
+          </a:fillRef>
+          <a:effectRef idx="0">
+            <a:schemeClr val="accent6"/>
+          </a:effectRef>
+          <a:fontRef idx="minor">
+            <a:schemeClr val="dk1"/>
+          </a:fontRef>
+        </p:style>
+        <p:txBody>
+          <a:bodyPr rtlCol="0" anchor="ctr"/>
+          <a:lstStyle/>
+          <a:p>
+            <a:pPr algn="ctr"/>
+            <a:endParaRPr lang="fr-FR"/>
+          </a:p>
+        </p:txBody>
+      </p:sp>
+      <p:sp>
+        <p:nvSpPr>
+          <p:cNvPr id="2" name="Titre 1">
+            <a:extLst>
+              <a:ext uri="{FF2B5EF4-FFF2-40B4-BE49-F238E27FC236}">
+                <a16:creationId xmlns:a16="http://schemas.microsoft.com/office/drawing/2014/main" id="{9DF8A662-2BDC-AEA3-4836-922961CC4248}"/>
+              </a:ext>
+            </a:extLst>
+          </p:cNvPr>
+          <p:cNvSpPr>
+            <a:spLocks noGrp="1"/>
+          </p:cNvSpPr>
+          <p:nvPr>
+            <p:ph type="title"/>
+          </p:nvPr>
+        </p:nvSpPr>
+        <p:spPr/>
+        <p:txBody>
+          <a:bodyPr/>
+          <a:lstStyle/>
+          <a:p>
+            <a:pPr algn="ctr"/>
+            <a:r>
+              <a:rPr lang="fr-FR" dirty="0"/>
+              <a:t>Mise à jour des bibliothèques</a:t>
+            </a:r>
+          </a:p>
+        </p:txBody>
+      </p:sp>
+      <p:sp>
+        <p:nvSpPr>
+          <p:cNvPr id="3" name="Espace réservé du texte 2">
+            <a:extLst>
+              <a:ext uri="{FF2B5EF4-FFF2-40B4-BE49-F238E27FC236}">
+                <a16:creationId xmlns:a16="http://schemas.microsoft.com/office/drawing/2014/main" id="{19D03F69-C668-9780-7B9F-3A2101DA2249}"/>
+              </a:ext>
+            </a:extLst>
+          </p:cNvPr>
+          <p:cNvSpPr>
+            <a:spLocks noGrp="1"/>
+          </p:cNvSpPr>
+          <p:nvPr>
+            <p:ph type="body" idx="1"/>
+          </p:nvPr>
+        </p:nvSpPr>
+        <p:spPr>
+          <a:xfrm>
+            <a:off x="0" y="1978563"/>
+            <a:ext cx="5898488" cy="843404"/>
+          </a:xfrm>
+          <a:solidFill>
+            <a:srgbClr val="FF5757"/>
+          </a:solidFill>
+        </p:spPr>
+        <p:txBody>
+          <a:bodyPr>
+            <a:normAutofit lnSpcReduction="10000"/>
+          </a:bodyPr>
+          <a:lstStyle/>
+          <a:p>
+            <a:pPr algn="ctr"/>
+            <a:r>
+              <a:rPr lang="fr-FR" dirty="0"/>
+              <a:t>Site la Panthère</a:t>
+            </a:r>
+          </a:p>
+          <a:p>
+            <a:pPr algn="ctr"/>
+            <a:r>
+              <a:rPr lang="fr-FR" dirty="0"/>
+              <a:t> </a:t>
+            </a:r>
+          </a:p>
+        </p:txBody>
+      </p:sp>
+      <p:sp>
+        <p:nvSpPr>
+          <p:cNvPr id="5" name="Espace réservé du texte 4">
+            <a:extLst>
+              <a:ext uri="{FF2B5EF4-FFF2-40B4-BE49-F238E27FC236}">
+                <a16:creationId xmlns:a16="http://schemas.microsoft.com/office/drawing/2014/main" id="{E98A551C-00B3-86B9-23DA-1330BBC8C92C}"/>
+              </a:ext>
+            </a:extLst>
+          </p:cNvPr>
+          <p:cNvSpPr>
+            <a:spLocks noGrp="1"/>
+          </p:cNvSpPr>
+          <p:nvPr>
+            <p:ph type="body" sz="quarter" idx="3"/>
+          </p:nvPr>
+        </p:nvSpPr>
+        <p:spPr>
+          <a:xfrm>
+            <a:off x="6265905" y="1998055"/>
+            <a:ext cx="5926095" cy="823912"/>
+          </a:xfrm>
+          <a:solidFill>
+            <a:schemeClr val="accent6">
+              <a:lumMod val="60000"/>
+              <a:lumOff val="40000"/>
+            </a:schemeClr>
+          </a:solidFill>
+        </p:spPr>
+        <p:txBody>
+          <a:bodyPr>
+            <a:normAutofit lnSpcReduction="10000"/>
+          </a:bodyPr>
+          <a:lstStyle/>
+          <a:p>
+            <a:pPr algn="ctr"/>
+            <a:r>
+              <a:rPr lang="fr-FR" dirty="0"/>
+              <a:t>Optimisation du site la panthère</a:t>
+            </a:r>
+          </a:p>
+          <a:p>
+            <a:pPr algn="ctr"/>
+            <a:endParaRPr lang="fr-FR" dirty="0"/>
+          </a:p>
+        </p:txBody>
+      </p:sp>
+      <p:sp>
+        <p:nvSpPr>
+          <p:cNvPr id="15" name="Rectangle 14">
+            <a:extLst>
+              <a:ext uri="{FF2B5EF4-FFF2-40B4-BE49-F238E27FC236}">
+                <a16:creationId xmlns:a16="http://schemas.microsoft.com/office/drawing/2014/main" id="{1320B198-E7AB-2C3D-776F-BCDDFCF59909}"/>
+              </a:ext>
+            </a:extLst>
+          </p:cNvPr>
+          <p:cNvSpPr/>
+          <p:nvPr/>
+        </p:nvSpPr>
+        <p:spPr>
+          <a:xfrm>
+            <a:off x="0" y="5938887"/>
+            <a:ext cx="12192000" cy="919113"/>
+          </a:xfrm>
+          <a:prstGeom prst="rect">
+            <a:avLst/>
+          </a:prstGeom>
+          <a:solidFill>
+            <a:schemeClr val="accent2">
+              <a:lumMod val="60000"/>
+              <a:lumOff val="40000"/>
+            </a:schemeClr>
+          </a:solidFill>
+          <a:ln/>
+        </p:spPr>
+        <p:style>
+          <a:lnRef idx="2">
+            <a:schemeClr val="accent2"/>
+          </a:lnRef>
+          <a:fillRef idx="1">
+            <a:schemeClr val="lt1"/>
+          </a:fillRef>
+          <a:effectRef idx="0">
+            <a:schemeClr val="accent2"/>
+          </a:effectRef>
+          <a:fontRef idx="minor">
+            <a:schemeClr val="dk1"/>
+          </a:fontRef>
+        </p:style>
+        <p:txBody>
+          <a:bodyPr rtlCol="0" anchor="ctr"/>
+          <a:lstStyle/>
+          <a:p>
+            <a:pPr algn="ctr"/>
+            <a:r>
+              <a:rPr lang="fr-FR" dirty="0"/>
+              <a:t>La mise à jour des bibliothèques Bootstrap et JQuery permet de régler des problèmes de vulnérabilité trouvés sur ces technologies. Cependant les vulnérabilités sont toujours présentes car il existe des mises à jour majeur qui requiert donc une refonte du site pour pouvoir faire fonctionner le site correctement avec ces mises à jour.</a:t>
+            </a:r>
+          </a:p>
+        </p:txBody>
+      </p:sp>
+      <p:sp>
+        <p:nvSpPr>
+          <p:cNvPr id="10" name="Flèche : droite 9">
+            <a:extLst>
+              <a:ext uri="{FF2B5EF4-FFF2-40B4-BE49-F238E27FC236}">
+                <a16:creationId xmlns:a16="http://schemas.microsoft.com/office/drawing/2014/main" id="{F67D5EC8-AC32-BA1A-959E-3428E8AC1F55}"/>
+              </a:ext>
+            </a:extLst>
+          </p:cNvPr>
+          <p:cNvSpPr/>
+          <p:nvPr/>
+        </p:nvSpPr>
+        <p:spPr>
+          <a:xfrm>
+            <a:off x="5312108" y="1918973"/>
+            <a:ext cx="1326596" cy="533926"/>
+          </a:xfrm>
+          <a:prstGeom prst="rightArrow">
+            <a:avLst/>
+          </a:prstGeom>
+        </p:spPr>
+        <p:style>
+          <a:lnRef idx="2">
+            <a:schemeClr val="accent1">
+              <a:shade val="50000"/>
+            </a:schemeClr>
+          </a:lnRef>
+          <a:fillRef idx="1">
+            <a:schemeClr val="accent1"/>
+          </a:fillRef>
+          <a:effectRef idx="0">
+            <a:schemeClr val="accent1"/>
+          </a:effectRef>
+          <a:fontRef idx="minor">
+            <a:schemeClr val="lt1"/>
+          </a:fontRef>
+        </p:style>
+        <p:txBody>
+          <a:bodyPr rtlCol="0" anchor="ctr"/>
+          <a:lstStyle/>
+          <a:p>
+            <a:pPr algn="ctr"/>
+            <a:endParaRPr lang="fr-FR"/>
+          </a:p>
+        </p:txBody>
+      </p:sp>
+      <p:sp>
+        <p:nvSpPr>
+          <p:cNvPr id="4" name="Ellipse 3">
+            <a:extLst>
+              <a:ext uri="{FF2B5EF4-FFF2-40B4-BE49-F238E27FC236}">
+                <a16:creationId xmlns:a16="http://schemas.microsoft.com/office/drawing/2014/main" id="{54A0B66F-1D86-2833-8370-682C4C7D5B23}"/>
+              </a:ext>
+            </a:extLst>
+          </p:cNvPr>
+          <p:cNvSpPr/>
+          <p:nvPr/>
+        </p:nvSpPr>
+        <p:spPr>
+          <a:xfrm>
+            <a:off x="10626462" y="50882"/>
+            <a:ext cx="1451499" cy="799398"/>
+          </a:xfrm>
+          <a:prstGeom prst="ellipse">
+            <a:avLst/>
+          </a:prstGeom>
+          <a:solidFill>
+            <a:schemeClr val="accent4">
+              <a:lumMod val="60000"/>
+              <a:lumOff val="40000"/>
+            </a:schemeClr>
+          </a:solidFill>
+        </p:spPr>
+        <p:style>
+          <a:lnRef idx="2">
+            <a:schemeClr val="accent1">
+              <a:shade val="50000"/>
+            </a:schemeClr>
+          </a:lnRef>
+          <a:fillRef idx="1">
+            <a:schemeClr val="accent1"/>
+          </a:fillRef>
+          <a:effectRef idx="0">
+            <a:schemeClr val="accent1"/>
+          </a:effectRef>
+          <a:fontRef idx="minor">
+            <a:schemeClr val="lt1"/>
+          </a:fontRef>
+        </p:style>
+        <p:txBody>
+          <a:bodyPr rtlCol="0" anchor="ctr"/>
+          <a:lstStyle/>
+          <a:p>
+            <a:pPr algn="ctr"/>
+            <a:r>
+              <a:rPr lang="fr-FR" dirty="0">
+                <a:solidFill>
+                  <a:schemeClr val="tx1"/>
+                </a:solidFill>
+              </a:rPr>
+              <a:t>Partiel</a:t>
+            </a:r>
+          </a:p>
+        </p:txBody>
+      </p:sp>
+      <p:pic>
+        <p:nvPicPr>
+          <p:cNvPr id="23" name="Espace réservé du contenu 22" descr="Une image contenant texte&#10;&#10;Description générée automatiquement">
+            <a:extLst>
+              <a:ext uri="{FF2B5EF4-FFF2-40B4-BE49-F238E27FC236}">
+                <a16:creationId xmlns:a16="http://schemas.microsoft.com/office/drawing/2014/main" id="{30BA9F01-DC52-CF4B-4C67-D35F885224CC}"/>
+              </a:ext>
+            </a:extLst>
+          </p:cNvPr>
+          <p:cNvPicPr>
+            <a:picLocks noGrp="1" noChangeAspect="1"/>
+          </p:cNvPicPr>
+          <p:nvPr>
+            <p:ph sz="quarter" idx="4"/>
+          </p:nvPr>
+        </p:nvPicPr>
+        <p:blipFill>
+          <a:blip r:embed="rId2">
+            <a:extLst>
+              <a:ext uri="{28A0092B-C50C-407E-A947-70E740481C1C}">
+                <a14:useLocalDpi xmlns:a14="http://schemas.microsoft.com/office/drawing/2010/main" val="0"/>
+              </a:ext>
+            </a:extLst>
+          </a:blip>
+          <a:stretch>
+            <a:fillRect/>
+          </a:stretch>
+        </p:blipFill>
+        <p:spPr>
+          <a:xfrm>
+            <a:off x="6786530" y="2969765"/>
+            <a:ext cx="4884843" cy="1127858"/>
+          </a:xfrm>
+        </p:spPr>
+      </p:pic>
+      <p:pic>
+        <p:nvPicPr>
+          <p:cNvPr id="21" name="Espace réservé du contenu 20" descr="Une image contenant texte&#10;&#10;Description générée automatiquement">
+            <a:extLst>
+              <a:ext uri="{FF2B5EF4-FFF2-40B4-BE49-F238E27FC236}">
+                <a16:creationId xmlns:a16="http://schemas.microsoft.com/office/drawing/2014/main" id="{4747519D-4272-E4A7-8A87-41CFA806E475}"/>
+              </a:ext>
+            </a:extLst>
+          </p:cNvPr>
+          <p:cNvPicPr>
+            <a:picLocks noGrp="1" noChangeAspect="1"/>
+          </p:cNvPicPr>
+          <p:nvPr>
+            <p:ph sz="half" idx="2"/>
+          </p:nvPr>
+        </p:nvPicPr>
+        <p:blipFill>
+          <a:blip r:embed="rId3">
+            <a:extLst>
+              <a:ext uri="{28A0092B-C50C-407E-A947-70E740481C1C}">
+                <a14:useLocalDpi xmlns:a14="http://schemas.microsoft.com/office/drawing/2010/main" val="0"/>
+              </a:ext>
+            </a:extLst>
+          </a:blip>
+          <a:stretch>
+            <a:fillRect/>
+          </a:stretch>
+        </p:blipFill>
+        <p:spPr>
+          <a:xfrm>
+            <a:off x="520627" y="2939282"/>
+            <a:ext cx="4953429" cy="1158340"/>
+          </a:xfrm>
+        </p:spPr>
+      </p:pic>
+      <p:pic>
+        <p:nvPicPr>
+          <p:cNvPr id="25" name="Image 24">
+            <a:extLst>
+              <a:ext uri="{FF2B5EF4-FFF2-40B4-BE49-F238E27FC236}">
+                <a16:creationId xmlns:a16="http://schemas.microsoft.com/office/drawing/2014/main" id="{A3243800-A113-CF1E-1B7C-4EFB92808017}"/>
+              </a:ext>
+            </a:extLst>
+          </p:cNvPr>
+          <p:cNvPicPr>
+            <a:picLocks noChangeAspect="1"/>
+          </p:cNvPicPr>
+          <p:nvPr/>
+        </p:nvPicPr>
+        <p:blipFill>
+          <a:blip r:embed="rId4">
+            <a:extLst>
+              <a:ext uri="{28A0092B-C50C-407E-A947-70E740481C1C}">
+                <a14:useLocalDpi xmlns:a14="http://schemas.microsoft.com/office/drawing/2010/main" val="0"/>
+              </a:ext>
+            </a:extLst>
+          </a:blip>
+          <a:stretch>
+            <a:fillRect/>
+          </a:stretch>
+        </p:blipFill>
+        <p:spPr>
+          <a:xfrm>
+            <a:off x="6794455" y="4385498"/>
+            <a:ext cx="4876918" cy="648750"/>
+          </a:xfrm>
+          <a:prstGeom prst="rect">
+            <a:avLst/>
+          </a:prstGeom>
+        </p:spPr>
+      </p:pic>
+      <p:pic>
+        <p:nvPicPr>
+          <p:cNvPr id="27" name="Image 26">
+            <a:extLst>
+              <a:ext uri="{FF2B5EF4-FFF2-40B4-BE49-F238E27FC236}">
+                <a16:creationId xmlns:a16="http://schemas.microsoft.com/office/drawing/2014/main" id="{DCB1C329-EE46-2104-B597-BE9FD081D0C6}"/>
+              </a:ext>
+            </a:extLst>
+          </p:cNvPr>
+          <p:cNvPicPr>
+            <a:picLocks noChangeAspect="1"/>
+          </p:cNvPicPr>
+          <p:nvPr/>
+        </p:nvPicPr>
+        <p:blipFill>
+          <a:blip r:embed="rId5">
+            <a:extLst>
+              <a:ext uri="{28A0092B-C50C-407E-A947-70E740481C1C}">
+                <a14:useLocalDpi xmlns:a14="http://schemas.microsoft.com/office/drawing/2010/main" val="0"/>
+              </a:ext>
+            </a:extLst>
+          </a:blip>
+          <a:stretch>
+            <a:fillRect/>
+          </a:stretch>
+        </p:blipFill>
+        <p:spPr>
+          <a:xfrm>
+            <a:off x="520627" y="4385497"/>
+            <a:ext cx="4953429" cy="657057"/>
+          </a:xfrm>
+          <a:prstGeom prst="rect">
+            <a:avLst/>
+          </a:prstGeom>
+        </p:spPr>
+      </p:pic>
+    </p:spTree>
+    <p:extLst>
+      <p:ext uri="{BB962C8B-B14F-4D97-AF65-F5344CB8AC3E}">
+        <p14:creationId xmlns:p14="http://schemas.microsoft.com/office/powerpoint/2010/main" val="60385185"/>
+      </p:ext>
+    </p:extLst>
+  </p:cSld>
+  <p:clrMapOvr>
+    <a:masterClrMapping/>
+  </p:clrMapOvr>
+</p:sld>
+</file>
+
+<file path=ppt/slides/slide9.xml><?xml version="1.0" encoding="utf-8"?>
+<p:sld xmlns:a="http://schemas.openxmlformats.org/drawingml/2006/main" xmlns:r="http://schemas.openxmlformats.org/officeDocument/2006/relationships" xmlns:p="http://schemas.openxmlformats.org/presentationml/2006/main">
+  <p:cSld>
+    <p:bg>
+      <p:bgPr>
+        <a:solidFill>
+          <a:schemeClr val="bg1"/>
+        </a:solidFill>
+        <a:effectLst/>
+      </p:bgPr>
+    </p:bg>
+    <p:spTree>
+      <p:nvGrpSpPr>
+        <p:cNvPr id="1" name=""/>
+        <p:cNvGrpSpPr/>
+        <p:nvPr/>
+      </p:nvGrpSpPr>
+      <p:grpSpPr>
+        <a:xfrm>
+          <a:off x="0" y="0"/>
+          <a:ext cx="0" cy="0"/>
+          <a:chOff x="0" y="0"/>
+          <a:chExt cx="0" cy="0"/>
+        </a:xfrm>
+      </p:grpSpPr>
+      <p:sp useBgFill="1">
+        <p:nvSpPr>
+          <p:cNvPr id="11" name="Rectangle 10">
+            <a:extLst>
+              <a:ext uri="{FF2B5EF4-FFF2-40B4-BE49-F238E27FC236}">
+                <a16:creationId xmlns:a16="http://schemas.microsoft.com/office/drawing/2014/main" id="{A8908DB7-C3A6-4FCB-9820-CEE02B398C4A}"/>
+              </a:ext>
+              <a:ext uri="{C183D7F6-B498-43B3-948B-1728B52AA6E4}">
+                <adec:decorative xmlns:adec="http://schemas.microsoft.com/office/drawing/2017/decorative" val="1"/>
+              </a:ext>
+            </a:extLst>
+          </p:cNvPr>
+          <p:cNvSpPr>
+            <a:spLocks noGrp="1" noRot="1" noChangeAspect="1" noMove="1" noResize="1" noEditPoints="1" noAdjustHandles="1" noChangeArrowheads="1" noChangeShapeType="1" noTextEdit="1"/>
+          </p:cNvSpPr>
+          <p:nvPr>
+            <p:extLst>
+              <p:ext uri="{386F3935-93C4-4BCD-93E2-E3B085C9AB24}">
+                <p16:designElem xmlns:p16="http://schemas.microsoft.com/office/powerpoint/2015/main" val="1"/>
+              </p:ext>
+            </p:extLst>
+          </p:nvPr>
+        </p:nvSpPr>
+        <p:spPr>
+          <a:xfrm>
+            <a:off x="0" y="0"/>
+            <a:ext cx="12192000" cy="6858000"/>
+          </a:xfrm>
+          <a:prstGeom prst="rect">
+            <a:avLst/>
+          </a:prstGeom>
+          <a:ln>
+            <a:noFill/>
+          </a:ln>
+        </p:spPr>
+        <p:style>
+          <a:lnRef idx="2">
+            <a:schemeClr val="accent1">
+              <a:shade val="50000"/>
+            </a:schemeClr>
+          </a:lnRef>
+          <a:fillRef idx="1">
+            <a:schemeClr val="accent1"/>
+          </a:fillRef>
+          <a:effectRef idx="0">
+            <a:schemeClr val="accent1"/>
+          </a:effectRef>
+          <a:fontRef idx="minor">
+            <a:schemeClr val="lt1"/>
+          </a:fontRef>
+        </p:style>
+        <p:txBody>
+          <a:bodyPr rtlCol="0" anchor="ctr"/>
+          <a:lstStyle/>
+          <a:p>
+            <a:pPr algn="ctr"/>
+            <a:endParaRPr lang="en-US"/>
+          </a:p>
+        </p:txBody>
+      </p:sp>
+      <p:sp>
+        <p:nvSpPr>
+          <p:cNvPr id="2" name="Titre 1">
+            <a:extLst>
+              <a:ext uri="{FF2B5EF4-FFF2-40B4-BE49-F238E27FC236}">
+                <a16:creationId xmlns:a16="http://schemas.microsoft.com/office/drawing/2014/main" id="{877480BF-CF3D-3E8C-2965-FC0D12F3F0C9}"/>
+              </a:ext>
+            </a:extLst>
+          </p:cNvPr>
+          <p:cNvSpPr>
+            <a:spLocks noGrp="1"/>
+          </p:cNvSpPr>
+          <p:nvPr>
+            <p:ph type="title"/>
+          </p:nvPr>
+        </p:nvSpPr>
+        <p:spPr>
+          <a:xfrm>
+            <a:off x="630936" y="640823"/>
+            <a:ext cx="3419856" cy="5583148"/>
+          </a:xfrm>
+        </p:spPr>
+        <p:txBody>
+          <a:bodyPr vert="horz" lIns="91440" tIns="45720" rIns="91440" bIns="45720" rtlCol="0" anchor="ctr">
+            <a:normAutofit/>
+          </a:bodyPr>
+          <a:lstStyle/>
+          <a:p>
+            <a:r>
+              <a:rPr lang="en-US" sz="5000" kern="1200">
+                <a:solidFill>
+                  <a:schemeClr val="tx1"/>
+                </a:solidFill>
+                <a:latin typeface="+mj-lt"/>
+                <a:ea typeface="+mj-ea"/>
+                <a:cs typeface="+mj-cs"/>
+              </a:rPr>
+              <a:t>Utilisation du serveur pour sauvegarder des ressources</a:t>
+            </a:r>
+          </a:p>
+        </p:txBody>
+      </p:sp>
+      <p:sp>
+        <p:nvSpPr>
+          <p:cNvPr id="13" name="sketch line">
+            <a:extLst>
+              <a:ext uri="{FF2B5EF4-FFF2-40B4-BE49-F238E27FC236}">
+                <a16:creationId xmlns:a16="http://schemas.microsoft.com/office/drawing/2014/main" id="{535742DD-1B16-4E9D-B715-0D74B4574A68}"/>
+              </a:ext>
+              <a:ext uri="{C183D7F6-B498-43B3-948B-1728B52AA6E4}">
+                <adec:decorative xmlns:adec="http://schemas.microsoft.com/office/drawing/2017/decorative" val="1"/>
+              </a:ext>
+            </a:extLst>
+          </p:cNvPr>
+          <p:cNvSpPr>
+            <a:spLocks noGrp="1" noRot="1" noChangeAspect="1" noMove="1" noResize="1" noEditPoints="1" noAdjustHandles="1" noChangeArrowheads="1" noChangeShapeType="1" noTextEdit="1"/>
+          </p:cNvSpPr>
+          <p:nvPr>
+            <p:extLst>
+              <p:ext uri="{386F3935-93C4-4BCD-93E2-E3B085C9AB24}">
+                <p16:designElem xmlns:p16="http://schemas.microsoft.com/office/powerpoint/2015/main" val="1"/>
+              </p:ext>
+            </p:extLst>
+          </p:nvPr>
+        </p:nvSpPr>
+        <p:spPr>
+          <a:xfrm flipH="1">
+            <a:off x="4267200" y="630936"/>
+            <a:ext cx="18288" cy="5590381"/>
+          </a:xfrm>
+          <a:custGeom>
+            <a:avLst/>
+            <a:gdLst>
+              <a:gd name="connsiteX0" fmla="*/ 0 w 18288"/>
+              <a:gd name="connsiteY0" fmla="*/ 0 h 5590381"/>
+              <a:gd name="connsiteX1" fmla="*/ 18288 w 18288"/>
+              <a:gd name="connsiteY1" fmla="*/ 0 h 5590381"/>
+              <a:gd name="connsiteX2" fmla="*/ 18288 w 18288"/>
+              <a:gd name="connsiteY2" fmla="*/ 754701 h 5590381"/>
+              <a:gd name="connsiteX3" fmla="*/ 18288 w 18288"/>
+              <a:gd name="connsiteY3" fmla="*/ 1565307 h 5590381"/>
+              <a:gd name="connsiteX4" fmla="*/ 18288 w 18288"/>
+              <a:gd name="connsiteY4" fmla="*/ 2152297 h 5590381"/>
+              <a:gd name="connsiteX5" fmla="*/ 18288 w 18288"/>
+              <a:gd name="connsiteY5" fmla="*/ 2906998 h 5590381"/>
+              <a:gd name="connsiteX6" fmla="*/ 18288 w 18288"/>
+              <a:gd name="connsiteY6" fmla="*/ 3549892 h 5590381"/>
+              <a:gd name="connsiteX7" fmla="*/ 18288 w 18288"/>
+              <a:gd name="connsiteY7" fmla="*/ 4080978 h 5590381"/>
+              <a:gd name="connsiteX8" fmla="*/ 18288 w 18288"/>
+              <a:gd name="connsiteY8" fmla="*/ 4835680 h 5590381"/>
+              <a:gd name="connsiteX9" fmla="*/ 18288 w 18288"/>
+              <a:gd name="connsiteY9" fmla="*/ 5590381 h 5590381"/>
+              <a:gd name="connsiteX10" fmla="*/ 0 w 18288"/>
+              <a:gd name="connsiteY10" fmla="*/ 5590381 h 5590381"/>
+              <a:gd name="connsiteX11" fmla="*/ 0 w 18288"/>
+              <a:gd name="connsiteY11" fmla="*/ 4835680 h 5590381"/>
+              <a:gd name="connsiteX12" fmla="*/ 0 w 18288"/>
+              <a:gd name="connsiteY12" fmla="*/ 4304593 h 5590381"/>
+              <a:gd name="connsiteX13" fmla="*/ 0 w 18288"/>
+              <a:gd name="connsiteY13" fmla="*/ 3773507 h 5590381"/>
+              <a:gd name="connsiteX14" fmla="*/ 0 w 18288"/>
+              <a:gd name="connsiteY14" fmla="*/ 3186517 h 5590381"/>
+              <a:gd name="connsiteX15" fmla="*/ 0 w 18288"/>
+              <a:gd name="connsiteY15" fmla="*/ 2487720 h 5590381"/>
+              <a:gd name="connsiteX16" fmla="*/ 0 w 18288"/>
+              <a:gd name="connsiteY16" fmla="*/ 1956633 h 5590381"/>
+              <a:gd name="connsiteX17" fmla="*/ 0 w 18288"/>
+              <a:gd name="connsiteY17" fmla="*/ 1425547 h 5590381"/>
+              <a:gd name="connsiteX18" fmla="*/ 0 w 18288"/>
+              <a:gd name="connsiteY18" fmla="*/ 614942 h 5590381"/>
+              <a:gd name="connsiteX19" fmla="*/ 0 w 18288"/>
+              <a:gd name="connsiteY19" fmla="*/ 0 h 5590381"/>
+            </a:gdLst>
+            <a:ahLst/>
+            <a:cxnLst>
+              <a:cxn ang="0">
+                <a:pos x="connsiteX0" y="connsiteY0"/>
+              </a:cxn>
+              <a:cxn ang="0">
+                <a:pos x="connsiteX1" y="connsiteY1"/>
+              </a:cxn>
+              <a:cxn ang="0">
+                <a:pos x="connsiteX2" y="connsiteY2"/>
+              </a:cxn>
+              <a:cxn ang="0">
+                <a:pos x="connsiteX3" y="connsiteY3"/>
+              </a:cxn>
+              <a:cxn ang="0">
+                <a:pos x="connsiteX4" y="connsiteY4"/>
+              </a:cxn>
+              <a:cxn ang="0">
+                <a:pos x="connsiteX5" y="connsiteY5"/>
+              </a:cxn>
+              <a:cxn ang="0">
+                <a:pos x="connsiteX6" y="connsiteY6"/>
+              </a:cxn>
+              <a:cxn ang="0">
+                <a:pos x="connsiteX7" y="connsiteY7"/>
+              </a:cxn>
+              <a:cxn ang="0">
+                <a:pos x="connsiteX8" y="connsiteY8"/>
+              </a:cxn>
+              <a:cxn ang="0">
+                <a:pos x="connsiteX9" y="connsiteY9"/>
+              </a:cxn>
+              <a:cxn ang="0">
+                <a:pos x="connsiteX10" y="connsiteY10"/>
+              </a:cxn>
+              <a:cxn ang="0">
+                <a:pos x="connsiteX11" y="connsiteY11"/>
+              </a:cxn>
+              <a:cxn ang="0">
+                <a:pos x="connsiteX12" y="connsiteY12"/>
+              </a:cxn>
+              <a:cxn ang="0">
+                <a:pos x="connsiteX13" y="connsiteY13"/>
+              </a:cxn>
+              <a:cxn ang="0">
+                <a:pos x="connsiteX14" y="connsiteY14"/>
+              </a:cxn>
+              <a:cxn ang="0">
+                <a:pos x="connsiteX15" y="connsiteY15"/>
+              </a:cxn>
+              <a:cxn ang="0">
+                <a:pos x="connsiteX16" y="connsiteY16"/>
+              </a:cxn>
+              <a:cxn ang="0">
+                <a:pos x="connsiteX17" y="connsiteY17"/>
+              </a:cxn>
+              <a:cxn ang="0">
+                <a:pos x="connsiteX18" y="connsiteY18"/>
+              </a:cxn>
+              <a:cxn ang="0">
+                <a:pos x="connsiteX19" y="connsiteY19"/>
+              </a:cxn>
+            </a:cxnLst>
+            <a:rect l="l" t="t" r="r" b="b"/>
+            <a:pathLst>
+              <a:path w="18288" h="5590381" fill="none" extrusionOk="0">
+                <a:moveTo>
+                  <a:pt x="0" y="0"/>
+                </a:moveTo>
+                <a:cubicBezTo>
+                  <a:pt x="7726" y="-435"/>
+                  <a:pt x="14198" y="437"/>
+                  <a:pt x="18288" y="0"/>
+                </a:cubicBezTo>
+                <a:cubicBezTo>
+                  <a:pt x="-5226" y="225076"/>
+                  <a:pt x="46275" y="562283"/>
+                  <a:pt x="18288" y="754701"/>
+                </a:cubicBezTo>
+                <a:cubicBezTo>
+                  <a:pt x="-9699" y="947119"/>
+                  <a:pt x="30081" y="1239251"/>
+                  <a:pt x="18288" y="1565307"/>
+                </a:cubicBezTo>
+                <a:cubicBezTo>
+                  <a:pt x="6495" y="1891363"/>
+                  <a:pt x="7160" y="1999140"/>
+                  <a:pt x="18288" y="2152297"/>
+                </a:cubicBezTo>
+                <a:cubicBezTo>
+                  <a:pt x="29417" y="2305454"/>
+                  <a:pt x="28705" y="2598333"/>
+                  <a:pt x="18288" y="2906998"/>
+                </a:cubicBezTo>
+                <a:cubicBezTo>
+                  <a:pt x="7871" y="3215663"/>
+                  <a:pt x="35263" y="3327412"/>
+                  <a:pt x="18288" y="3549892"/>
+                </a:cubicBezTo>
+                <a:cubicBezTo>
+                  <a:pt x="1313" y="3772372"/>
+                  <a:pt x="38561" y="3843836"/>
+                  <a:pt x="18288" y="4080978"/>
+                </a:cubicBezTo>
+                <a:cubicBezTo>
+                  <a:pt x="-1985" y="4318120"/>
+                  <a:pt x="-3806" y="4511166"/>
+                  <a:pt x="18288" y="4835680"/>
+                </a:cubicBezTo>
+                <a:cubicBezTo>
+                  <a:pt x="40382" y="5160194"/>
+                  <a:pt x="-13070" y="5401748"/>
+                  <a:pt x="18288" y="5590381"/>
+                </a:cubicBezTo>
+                <a:cubicBezTo>
+                  <a:pt x="12010" y="5589863"/>
+                  <a:pt x="6799" y="5589982"/>
+                  <a:pt x="0" y="5590381"/>
+                </a:cubicBezTo>
+                <a:cubicBezTo>
+                  <a:pt x="-6480" y="5250523"/>
+                  <a:pt x="-32148" y="5052531"/>
+                  <a:pt x="0" y="4835680"/>
+                </a:cubicBezTo>
+                <a:cubicBezTo>
+                  <a:pt x="32148" y="4618829"/>
+                  <a:pt x="5352" y="4496374"/>
+                  <a:pt x="0" y="4304593"/>
+                </a:cubicBezTo>
+                <a:cubicBezTo>
+                  <a:pt x="-5352" y="4112812"/>
+                  <a:pt x="9645" y="3919423"/>
+                  <a:pt x="0" y="3773507"/>
+                </a:cubicBezTo>
+                <a:cubicBezTo>
+                  <a:pt x="-9645" y="3627591"/>
+                  <a:pt x="-10654" y="3330687"/>
+                  <a:pt x="0" y="3186517"/>
+                </a:cubicBezTo>
+                <a:cubicBezTo>
+                  <a:pt x="10654" y="3042347"/>
+                  <a:pt x="18181" y="2635923"/>
+                  <a:pt x="0" y="2487720"/>
+                </a:cubicBezTo>
+                <a:cubicBezTo>
+                  <a:pt x="-18181" y="2339517"/>
+                  <a:pt x="-7947" y="2113537"/>
+                  <a:pt x="0" y="1956633"/>
+                </a:cubicBezTo>
+                <a:cubicBezTo>
+                  <a:pt x="7947" y="1799729"/>
+                  <a:pt x="-15145" y="1657735"/>
+                  <a:pt x="0" y="1425547"/>
+                </a:cubicBezTo>
+                <a:cubicBezTo>
+                  <a:pt x="15145" y="1193359"/>
+                  <a:pt x="-23832" y="948054"/>
+                  <a:pt x="0" y="614942"/>
+                </a:cubicBezTo>
+                <a:cubicBezTo>
+                  <a:pt x="23832" y="281831"/>
+                  <a:pt x="2816" y="129878"/>
+                  <a:pt x="0" y="0"/>
+                </a:cubicBezTo>
+                <a:close/>
+              </a:path>
+              <a:path w="18288" h="5590381" stroke="0" extrusionOk="0">
+                <a:moveTo>
+                  <a:pt x="0" y="0"/>
+                </a:moveTo>
+                <a:cubicBezTo>
+                  <a:pt x="5871" y="848"/>
+                  <a:pt x="11713" y="-200"/>
+                  <a:pt x="18288" y="0"/>
+                </a:cubicBezTo>
+                <a:cubicBezTo>
+                  <a:pt x="41141" y="165299"/>
+                  <a:pt x="3613" y="427555"/>
+                  <a:pt x="18288" y="698798"/>
+                </a:cubicBezTo>
+                <a:cubicBezTo>
+                  <a:pt x="32963" y="970041"/>
+                  <a:pt x="19680" y="1226199"/>
+                  <a:pt x="18288" y="1397595"/>
+                </a:cubicBezTo>
+                <a:cubicBezTo>
+                  <a:pt x="16896" y="1568991"/>
+                  <a:pt x="38798" y="1794517"/>
+                  <a:pt x="18288" y="2152297"/>
+                </a:cubicBezTo>
+                <a:cubicBezTo>
+                  <a:pt x="-2222" y="2510077"/>
+                  <a:pt x="40846" y="2594424"/>
+                  <a:pt x="18288" y="2739287"/>
+                </a:cubicBezTo>
+                <a:cubicBezTo>
+                  <a:pt x="-4270" y="2884150"/>
+                  <a:pt x="27117" y="3129706"/>
+                  <a:pt x="18288" y="3493988"/>
+                </a:cubicBezTo>
+                <a:cubicBezTo>
+                  <a:pt x="9459" y="3858270"/>
+                  <a:pt x="54201" y="4041447"/>
+                  <a:pt x="18288" y="4304593"/>
+                </a:cubicBezTo>
+                <a:cubicBezTo>
+                  <a:pt x="-17625" y="4567740"/>
+                  <a:pt x="49627" y="5149125"/>
+                  <a:pt x="18288" y="5590381"/>
+                </a:cubicBezTo>
+                <a:cubicBezTo>
+                  <a:pt x="10860" y="5590744"/>
+                  <a:pt x="7568" y="5590157"/>
+                  <a:pt x="0" y="5590381"/>
+                </a:cubicBezTo>
+                <a:cubicBezTo>
+                  <a:pt x="36767" y="5266821"/>
+                  <a:pt x="-16223" y="5116146"/>
+                  <a:pt x="0" y="4835680"/>
+                </a:cubicBezTo>
+                <a:cubicBezTo>
+                  <a:pt x="16223" y="4555214"/>
+                  <a:pt x="-16316" y="4356490"/>
+                  <a:pt x="0" y="4136882"/>
+                </a:cubicBezTo>
+                <a:cubicBezTo>
+                  <a:pt x="16316" y="3917274"/>
+                  <a:pt x="8005" y="3773465"/>
+                  <a:pt x="0" y="3549892"/>
+                </a:cubicBezTo>
+                <a:cubicBezTo>
+                  <a:pt x="-8005" y="3326319"/>
+                  <a:pt x="27623" y="3052456"/>
+                  <a:pt x="0" y="2851094"/>
+                </a:cubicBezTo>
+                <a:cubicBezTo>
+                  <a:pt x="-27623" y="2649732"/>
+                  <a:pt x="5614" y="2455815"/>
+                  <a:pt x="0" y="2264104"/>
+                </a:cubicBezTo>
+                <a:cubicBezTo>
+                  <a:pt x="-5614" y="2072393"/>
+                  <a:pt x="22598" y="1990723"/>
+                  <a:pt x="0" y="1733018"/>
+                </a:cubicBezTo>
+                <a:cubicBezTo>
+                  <a:pt x="-22598" y="1475313"/>
+                  <a:pt x="-6965" y="1369123"/>
+                  <a:pt x="0" y="1090124"/>
+                </a:cubicBezTo>
+                <a:cubicBezTo>
+                  <a:pt x="6965" y="811125"/>
+                  <a:pt x="-19273" y="507044"/>
+                  <a:pt x="0" y="0"/>
+                </a:cubicBezTo>
+                <a:close/>
+              </a:path>
+            </a:pathLst>
+          </a:custGeom>
+          <a:solidFill>
+            <a:schemeClr val="accent2"/>
+          </a:solidFill>
+          <a:ln w="41275" cap="rnd">
+            <a:solidFill>
+              <a:schemeClr val="accent2"/>
+            </a:solidFill>
+            <a:round/>
+            <a:extLst>
+              <a:ext uri="{C807C97D-BFC1-408E-A445-0C87EB9F89A2}">
+                <ask:lineSketchStyleProps xmlns:ask="http://schemas.microsoft.com/office/drawing/2018/sketchyshapes" sd="3114097614">
+                  <a:prstGeom prst="rect">
+                    <a:avLst/>
+                  </a:prstGeom>
+                  <ask:type>
+                    <ask:lineSketchFreehand/>
+                  </ask:type>
+                </ask:lineSketchStyleProps>
+              </a:ext>
+            </a:extLst>
+          </a:ln>
+        </p:spPr>
+        <p:style>
+          <a:lnRef idx="2">
+            <a:schemeClr val="accent1">
+              <a:shade val="50000"/>
+            </a:schemeClr>
+          </a:lnRef>
+          <a:fillRef idx="1">
+            <a:schemeClr val="accent1"/>
+          </a:fillRef>
+          <a:effectRef idx="0">
+            <a:schemeClr val="accent1"/>
+          </a:effectRef>
+          <a:fontRef idx="minor">
+            <a:schemeClr val="lt1"/>
+          </a:fontRef>
+        </p:style>
+        <p:txBody>
+          <a:bodyPr rtlCol="0" anchor="ctr"/>
+          <a:lstStyle/>
+          <a:p>
+            <a:pPr algn="ctr"/>
+            <a:endParaRPr lang="en-US"/>
+          </a:p>
+        </p:txBody>
+      </p:sp>
+      <p:pic>
+        <p:nvPicPr>
+          <p:cNvPr id="6" name="Espace réservé du contenu 5" descr="Une image contenant texte&#10;&#10;Description générée automatiquement">
+            <a:extLst>
+              <a:ext uri="{FF2B5EF4-FFF2-40B4-BE49-F238E27FC236}">
+                <a16:creationId xmlns:a16="http://schemas.microsoft.com/office/drawing/2014/main" id="{25DEC693-1B41-8E96-7B5B-A3C2C548458C}"/>
+              </a:ext>
+            </a:extLst>
+          </p:cNvPr>
+          <p:cNvPicPr>
+            <a:picLocks noGrp="1" noChangeAspect="1"/>
+          </p:cNvPicPr>
+          <p:nvPr>
+            <p:ph idx="1"/>
+          </p:nvPr>
+        </p:nvPicPr>
+        <p:blipFill>
+          <a:blip r:embed="rId2">
+            <a:extLst>
+              <a:ext uri="{28A0092B-C50C-407E-A947-70E740481C1C}">
+                <a14:useLocalDpi xmlns:a14="http://schemas.microsoft.com/office/drawing/2010/main" val="0"/>
+              </a:ext>
+            </a:extLst>
+          </a:blip>
+          <a:stretch>
+            <a:fillRect/>
+          </a:stretch>
+        </p:blipFill>
+        <p:spPr>
+          <a:xfrm>
+            <a:off x="4654296" y="777925"/>
+            <a:ext cx="6894576" cy="3619653"/>
+          </a:xfrm>
+          <a:prstGeom prst="rect">
+            <a:avLst/>
+          </a:prstGeom>
+        </p:spPr>
+      </p:pic>
+      <p:sp>
+        <p:nvSpPr>
+          <p:cNvPr id="4" name="Espace réservé du texte 3">
+            <a:extLst>
+              <a:ext uri="{FF2B5EF4-FFF2-40B4-BE49-F238E27FC236}">
+                <a16:creationId xmlns:a16="http://schemas.microsoft.com/office/drawing/2014/main" id="{F0CC507A-79B4-F2E6-805C-A92D51B36747}"/>
+              </a:ext>
+            </a:extLst>
+          </p:cNvPr>
+          <p:cNvSpPr>
+            <a:spLocks noGrp="1"/>
+          </p:cNvSpPr>
+          <p:nvPr>
+            <p:ph type="body" sz="half" idx="2"/>
+          </p:nvPr>
+        </p:nvSpPr>
+        <p:spPr>
+          <a:xfrm>
+            <a:off x="4654296" y="4798577"/>
+            <a:ext cx="6894576" cy="1428487"/>
+          </a:xfrm>
+          <a:solidFill>
+            <a:schemeClr val="accent2">
+              <a:lumMod val="60000"/>
+              <a:lumOff val="40000"/>
+            </a:schemeClr>
+          </a:solidFill>
+        </p:spPr>
+        <p:txBody>
+          <a:bodyPr vert="horz" lIns="91440" tIns="45720" rIns="91440" bIns="45720" rtlCol="0" anchor="t">
+            <a:normAutofit/>
+          </a:bodyPr>
+          <a:lstStyle/>
+          <a:p>
+            <a:r>
+              <a:rPr lang="fr-FR" sz="1700" dirty="0"/>
+              <a:t>Configurer un serveur pour sauvegarder des ressources du site afin de permettre un chargement ne page plus rapide. Cette optimisation n’a pas pu être faite car l’accès au serveur n’est pas disponible.</a:t>
+            </a:r>
+            <a:endParaRPr lang="en-US" sz="1700" dirty="0"/>
+          </a:p>
+        </p:txBody>
+      </p:sp>
+      <p:sp>
+        <p:nvSpPr>
+          <p:cNvPr id="7" name="Ellipse 6">
+            <a:extLst>
+              <a:ext uri="{FF2B5EF4-FFF2-40B4-BE49-F238E27FC236}">
+                <a16:creationId xmlns:a16="http://schemas.microsoft.com/office/drawing/2014/main" id="{124D86A6-0F65-5A98-7F7B-73AC93E15171}"/>
+              </a:ext>
+            </a:extLst>
+          </p:cNvPr>
+          <p:cNvSpPr/>
+          <p:nvPr/>
+        </p:nvSpPr>
+        <p:spPr>
+          <a:xfrm>
+            <a:off x="262128" y="277431"/>
+            <a:ext cx="2110300" cy="707010"/>
+          </a:xfrm>
+          <a:prstGeom prst="ellipse">
+            <a:avLst/>
+          </a:prstGeom>
+          <a:solidFill>
+            <a:srgbClr val="FF5757"/>
+          </a:solidFill>
+        </p:spPr>
+        <p:style>
+          <a:lnRef idx="2">
+            <a:schemeClr val="accent1">
+              <a:shade val="50000"/>
+            </a:schemeClr>
+          </a:lnRef>
+          <a:fillRef idx="1">
+            <a:schemeClr val="accent1"/>
+          </a:fillRef>
+          <a:effectRef idx="0">
+            <a:schemeClr val="accent1"/>
+          </a:effectRef>
+          <a:fontRef idx="minor">
+            <a:schemeClr val="lt1"/>
+          </a:fontRef>
+        </p:style>
+        <p:txBody>
+          <a:bodyPr rtlCol="0" anchor="ctr"/>
+          <a:lstStyle/>
+          <a:p>
+            <a:pPr algn="ctr"/>
+            <a:r>
+              <a:rPr lang="fr-FR" dirty="0">
+                <a:solidFill>
+                  <a:schemeClr val="tx1"/>
+                </a:solidFill>
+              </a:rPr>
+              <a:t>Abandonnée</a:t>
+            </a:r>
+          </a:p>
+        </p:txBody>
+      </p:sp>
+    </p:spTree>
+    <p:extLst>
+      <p:ext uri="{BB962C8B-B14F-4D97-AF65-F5344CB8AC3E}">
+        <p14:creationId xmlns:p14="http://schemas.microsoft.com/office/powerpoint/2010/main" val="1044597994"/>
       </p:ext>
     </p:extLst>
   </p:cSld>

--- a/rapport-seo.pptx
+++ b/rapport-seo.pptx
@@ -255,7 +255,7 @@
             <a:fld id="{7CF0BCE0-945C-4FDF-95A1-2149B1FF5B83}" type="datetimeFigureOut">
               <a:rPr lang="en-US" smtClean="0"/>
               <a:pPr algn="r"/>
-              <a:t>11/1/2022</a:t>
+              <a:t>11/2/2022</a:t>
             </a:fld>
             <a:endParaRPr lang="en-US" dirty="0"/>
           </a:p>
@@ -428,7 +428,7 @@
             <a:fld id="{7CF0BCE0-945C-4FDF-95A1-2149B1FF5B83}" type="datetimeFigureOut">
               <a:rPr lang="en-US" smtClean="0"/>
               <a:pPr algn="r"/>
-              <a:t>11/1/2022</a:t>
+              <a:t>11/2/2022</a:t>
             </a:fld>
             <a:endParaRPr lang="en-US" dirty="0"/>
           </a:p>
@@ -611,7 +611,7 @@
             <a:fld id="{7CF0BCE0-945C-4FDF-95A1-2149B1FF5B83}" type="datetimeFigureOut">
               <a:rPr lang="en-US" smtClean="0"/>
               <a:pPr algn="r"/>
-              <a:t>11/1/2022</a:t>
+              <a:t>11/2/2022</a:t>
             </a:fld>
             <a:endParaRPr lang="en-US" dirty="0"/>
           </a:p>
@@ -784,7 +784,7 @@
             <a:fld id="{7CF0BCE0-945C-4FDF-95A1-2149B1FF5B83}" type="datetimeFigureOut">
               <a:rPr lang="en-US" smtClean="0"/>
               <a:pPr algn="r"/>
-              <a:t>11/1/2022</a:t>
+              <a:t>11/2/2022</a:t>
             </a:fld>
             <a:endParaRPr lang="en-US" dirty="0"/>
           </a:p>
@@ -1033,7 +1033,7 @@
             <a:fld id="{7CF0BCE0-945C-4FDF-95A1-2149B1FF5B83}" type="datetimeFigureOut">
               <a:rPr lang="en-US" smtClean="0"/>
               <a:pPr algn="r"/>
-              <a:t>11/1/2022</a:t>
+              <a:t>11/2/2022</a:t>
             </a:fld>
             <a:endParaRPr lang="en-US" dirty="0"/>
           </a:p>
@@ -1268,7 +1268,7 @@
             <a:fld id="{7CF0BCE0-945C-4FDF-95A1-2149B1FF5B83}" type="datetimeFigureOut">
               <a:rPr lang="en-US" smtClean="0"/>
               <a:pPr algn="r"/>
-              <a:t>11/1/2022</a:t>
+              <a:t>11/2/2022</a:t>
             </a:fld>
             <a:endParaRPr lang="en-US" dirty="0"/>
           </a:p>
@@ -1638,7 +1638,7 @@
             <a:fld id="{7CF0BCE0-945C-4FDF-95A1-2149B1FF5B83}" type="datetimeFigureOut">
               <a:rPr lang="en-US" smtClean="0"/>
               <a:pPr algn="r"/>
-              <a:t>11/1/2022</a:t>
+              <a:t>11/2/2022</a:t>
             </a:fld>
             <a:endParaRPr lang="en-US" dirty="0"/>
           </a:p>
@@ -1759,7 +1759,7 @@
             <a:fld id="{7CF0BCE0-945C-4FDF-95A1-2149B1FF5B83}" type="datetimeFigureOut">
               <a:rPr lang="en-US" smtClean="0"/>
               <a:pPr algn="r"/>
-              <a:t>11/1/2022</a:t>
+              <a:t>11/2/2022</a:t>
             </a:fld>
             <a:endParaRPr lang="en-US" dirty="0"/>
           </a:p>
@@ -1857,7 +1857,7 @@
             <a:fld id="{7CF0BCE0-945C-4FDF-95A1-2149B1FF5B83}" type="datetimeFigureOut">
               <a:rPr lang="en-US" smtClean="0"/>
               <a:pPr algn="r"/>
-              <a:t>11/1/2022</a:t>
+              <a:t>11/2/2022</a:t>
             </a:fld>
             <a:endParaRPr lang="en-US" dirty="0"/>
           </a:p>
@@ -2137,7 +2137,7 @@
             <a:fld id="{7CF0BCE0-945C-4FDF-95A1-2149B1FF5B83}" type="datetimeFigureOut">
               <a:rPr lang="en-US" smtClean="0"/>
               <a:pPr algn="r"/>
-              <a:t>11/1/2022</a:t>
+              <a:t>11/2/2022</a:t>
             </a:fld>
             <a:endParaRPr lang="en-US" dirty="0"/>
           </a:p>
@@ -2397,7 +2397,7 @@
             <a:fld id="{7CF0BCE0-945C-4FDF-95A1-2149B1FF5B83}" type="datetimeFigureOut">
               <a:rPr lang="en-US" smtClean="0"/>
               <a:pPr algn="r"/>
-              <a:t>11/1/2022</a:t>
+              <a:t>11/2/2022</a:t>
             </a:fld>
             <a:endParaRPr lang="en-US" dirty="0"/>
           </a:p>
@@ -2613,7 +2613,7 @@
             <a:fld id="{7CF0BCE0-945C-4FDF-95A1-2149B1FF5B83}" type="datetimeFigureOut">
               <a:rPr lang="en-US" smtClean="0"/>
               <a:pPr algn="r"/>
-              <a:t>11/1/2022</a:t>
+              <a:t>11/2/2022</a:t>
             </a:fld>
             <a:endParaRPr lang="en-US" dirty="0"/>
           </a:p>

--- a/rapport-seo.pptx
+++ b/rapport-seo.pptx
@@ -9,9 +9,9 @@
     <p:sldId id="274" r:id="rId3"/>
     <p:sldId id="260" r:id="rId4"/>
     <p:sldId id="272" r:id="rId5"/>
-    <p:sldId id="265" r:id="rId6"/>
-    <p:sldId id="262" r:id="rId7"/>
-    <p:sldId id="263" r:id="rId8"/>
+    <p:sldId id="262" r:id="rId6"/>
+    <p:sldId id="263" r:id="rId7"/>
+    <p:sldId id="265" r:id="rId8"/>
     <p:sldId id="273" r:id="rId9"/>
     <p:sldId id="264" r:id="rId10"/>
     <p:sldId id="267" r:id="rId11"/>
@@ -260,7 +260,7 @@
             <a:fld id="{7CF0BCE0-945C-4FDF-95A1-2149B1FF5B83}" type="datetimeFigureOut">
               <a:rPr lang="en-US" smtClean="0"/>
               <a:pPr algn="r"/>
-              <a:t>11/11/2022</a:t>
+              <a:t>11/12/2022</a:t>
             </a:fld>
             <a:endParaRPr lang="en-US" dirty="0"/>
           </a:p>
@@ -433,7 +433,7 @@
             <a:fld id="{7CF0BCE0-945C-4FDF-95A1-2149B1FF5B83}" type="datetimeFigureOut">
               <a:rPr lang="en-US" smtClean="0"/>
               <a:pPr algn="r"/>
-              <a:t>11/11/2022</a:t>
+              <a:t>11/12/2022</a:t>
             </a:fld>
             <a:endParaRPr lang="en-US" dirty="0"/>
           </a:p>
@@ -616,7 +616,7 @@
             <a:fld id="{7CF0BCE0-945C-4FDF-95A1-2149B1FF5B83}" type="datetimeFigureOut">
               <a:rPr lang="en-US" smtClean="0"/>
               <a:pPr algn="r"/>
-              <a:t>11/11/2022</a:t>
+              <a:t>11/12/2022</a:t>
             </a:fld>
             <a:endParaRPr lang="en-US" dirty="0"/>
           </a:p>
@@ -789,7 +789,7 @@
             <a:fld id="{7CF0BCE0-945C-4FDF-95A1-2149B1FF5B83}" type="datetimeFigureOut">
               <a:rPr lang="en-US" smtClean="0"/>
               <a:pPr algn="r"/>
-              <a:t>11/11/2022</a:t>
+              <a:t>11/12/2022</a:t>
             </a:fld>
             <a:endParaRPr lang="en-US" dirty="0"/>
           </a:p>
@@ -1038,7 +1038,7 @@
             <a:fld id="{7CF0BCE0-945C-4FDF-95A1-2149B1FF5B83}" type="datetimeFigureOut">
               <a:rPr lang="en-US" smtClean="0"/>
               <a:pPr algn="r"/>
-              <a:t>11/11/2022</a:t>
+              <a:t>11/12/2022</a:t>
             </a:fld>
             <a:endParaRPr lang="en-US" dirty="0"/>
           </a:p>
@@ -1273,7 +1273,7 @@
             <a:fld id="{7CF0BCE0-945C-4FDF-95A1-2149B1FF5B83}" type="datetimeFigureOut">
               <a:rPr lang="en-US" smtClean="0"/>
               <a:pPr algn="r"/>
-              <a:t>11/11/2022</a:t>
+              <a:t>11/12/2022</a:t>
             </a:fld>
             <a:endParaRPr lang="en-US" dirty="0"/>
           </a:p>
@@ -1643,7 +1643,7 @@
             <a:fld id="{7CF0BCE0-945C-4FDF-95A1-2149B1FF5B83}" type="datetimeFigureOut">
               <a:rPr lang="en-US" smtClean="0"/>
               <a:pPr algn="r"/>
-              <a:t>11/11/2022</a:t>
+              <a:t>11/12/2022</a:t>
             </a:fld>
             <a:endParaRPr lang="en-US" dirty="0"/>
           </a:p>
@@ -1764,7 +1764,7 @@
             <a:fld id="{7CF0BCE0-945C-4FDF-95A1-2149B1FF5B83}" type="datetimeFigureOut">
               <a:rPr lang="en-US" smtClean="0"/>
               <a:pPr algn="r"/>
-              <a:t>11/11/2022</a:t>
+              <a:t>11/12/2022</a:t>
             </a:fld>
             <a:endParaRPr lang="en-US" dirty="0"/>
           </a:p>
@@ -1862,7 +1862,7 @@
             <a:fld id="{7CF0BCE0-945C-4FDF-95A1-2149B1FF5B83}" type="datetimeFigureOut">
               <a:rPr lang="en-US" smtClean="0"/>
               <a:pPr algn="r"/>
-              <a:t>11/11/2022</a:t>
+              <a:t>11/12/2022</a:t>
             </a:fld>
             <a:endParaRPr lang="en-US" dirty="0"/>
           </a:p>
@@ -2142,7 +2142,7 @@
             <a:fld id="{7CF0BCE0-945C-4FDF-95A1-2149B1FF5B83}" type="datetimeFigureOut">
               <a:rPr lang="en-US" smtClean="0"/>
               <a:pPr algn="r"/>
-              <a:t>11/11/2022</a:t>
+              <a:t>11/12/2022</a:t>
             </a:fld>
             <a:endParaRPr lang="en-US" dirty="0"/>
           </a:p>
@@ -2402,7 +2402,7 @@
             <a:fld id="{7CF0BCE0-945C-4FDF-95A1-2149B1FF5B83}" type="datetimeFigureOut">
               <a:rPr lang="en-US" smtClean="0"/>
               <a:pPr algn="r"/>
-              <a:t>11/11/2022</a:t>
+              <a:t>11/12/2022</a:t>
             </a:fld>
             <a:endParaRPr lang="en-US" dirty="0"/>
           </a:p>
@@ -2618,7 +2618,7 @@
             <a:fld id="{7CF0BCE0-945C-4FDF-95A1-2149B1FF5B83}" type="datetimeFigureOut">
               <a:rPr lang="en-US" smtClean="0"/>
               <a:pPr algn="r"/>
-              <a:t>11/11/2022</a:t>
+              <a:t>11/12/2022</a:t>
             </a:fld>
             <a:endParaRPr lang="en-US" dirty="0"/>
           </a:p>
@@ -6112,15 +6112,7 @@
           <a:p>
             <a:r>
               <a:rPr lang="fr-FR" sz="1700" dirty="0"/>
-              <a:t>Avoirs des blocs texte de mots-clés dans le code HTML sont une mauvaise pratique car cela peut pénaliser le site dans son </a:t>
-            </a:r>
-            <a:r>
-              <a:rPr lang="fr-FR" sz="1700" dirty="0" err="1"/>
-              <a:t>réfférencement</a:t>
-            </a:r>
-            <a:r>
-              <a:rPr lang="fr-FR" sz="1700" dirty="0"/>
-              <a:t> SEO.</a:t>
+              <a:t>Avoirs des blocs texte de mots-clés dans le code HTML sont une mauvaise pratique car cela peut pénaliser le site dans son référencement SEO.</a:t>
             </a:r>
             <a:endParaRPr lang="en-US" sz="1700" dirty="0"/>
           </a:p>
@@ -9896,7 +9888,7 @@
                   <a:schemeClr val="tx1"/>
                 </a:solidFill>
               </a:rPr>
-              <a:t>Gtmetrix</a:t>
+              <a:t>GTmetrix</a:t>
             </a:r>
             <a:r>
               <a:rPr lang="fr-FR" sz="2000" dirty="0">
@@ -10506,10 +10498,108 @@
       </p:grpSpPr>
       <p:sp>
         <p:nvSpPr>
+          <p:cNvPr id="11" name="Rectangle 10">
+            <a:extLst>
+              <a:ext uri="{FF2B5EF4-FFF2-40B4-BE49-F238E27FC236}">
+                <a16:creationId xmlns:a16="http://schemas.microsoft.com/office/drawing/2014/main" id="{41622C83-36B6-38E6-DC49-A8D6F28B33BC}"/>
+              </a:ext>
+            </a:extLst>
+          </p:cNvPr>
+          <p:cNvSpPr/>
+          <p:nvPr/>
+        </p:nvSpPr>
+        <p:spPr>
+          <a:xfrm>
+            <a:off x="6172200" y="1516650"/>
+            <a:ext cx="5923404" cy="4148859"/>
+          </a:xfrm>
+          <a:prstGeom prst="rect">
+            <a:avLst/>
+          </a:prstGeom>
+          <a:ln>
+            <a:solidFill>
+              <a:schemeClr val="accent6"/>
+            </a:solidFill>
+          </a:ln>
+        </p:spPr>
+        <p:style>
+          <a:lnRef idx="2">
+            <a:schemeClr val="accent6"/>
+          </a:lnRef>
+          <a:fillRef idx="1">
+            <a:schemeClr val="lt1"/>
+          </a:fillRef>
+          <a:effectRef idx="0">
+            <a:schemeClr val="accent6"/>
+          </a:effectRef>
+          <a:fontRef idx="minor">
+            <a:schemeClr val="dk1"/>
+          </a:fontRef>
+        </p:style>
+        <p:txBody>
+          <a:bodyPr rtlCol="0" anchor="ctr"/>
+          <a:lstStyle/>
+          <a:p>
+            <a:pPr algn="ctr"/>
+            <a:endParaRPr lang="fr-FR" dirty="0"/>
+          </a:p>
+        </p:txBody>
+      </p:sp>
+      <p:sp>
+        <p:nvSpPr>
+          <p:cNvPr id="10" name="Rectangle 9">
+            <a:extLst>
+              <a:ext uri="{FF2B5EF4-FFF2-40B4-BE49-F238E27FC236}">
+                <a16:creationId xmlns:a16="http://schemas.microsoft.com/office/drawing/2014/main" id="{14B80D80-4218-3C48-8CF1-BE0AB67E2983}"/>
+              </a:ext>
+            </a:extLst>
+          </p:cNvPr>
+          <p:cNvSpPr/>
+          <p:nvPr/>
+        </p:nvSpPr>
+        <p:spPr>
+          <a:xfrm>
+            <a:off x="96396" y="1516650"/>
+            <a:ext cx="5923405" cy="4148859"/>
+          </a:xfrm>
+          <a:prstGeom prst="rect">
+            <a:avLst/>
+          </a:prstGeom>
+          <a:ln>
+            <a:solidFill>
+              <a:srgbClr val="FF5757"/>
+            </a:solidFill>
+          </a:ln>
+        </p:spPr>
+        <p:style>
+          <a:lnRef idx="2">
+            <a:schemeClr val="accent6"/>
+          </a:lnRef>
+          <a:fillRef idx="1">
+            <a:schemeClr val="lt1"/>
+          </a:fillRef>
+          <a:effectRef idx="0">
+            <a:schemeClr val="accent6"/>
+          </a:effectRef>
+          <a:fontRef idx="minor">
+            <a:schemeClr val="dk1"/>
+          </a:fontRef>
+        </p:style>
+        <p:txBody>
+          <a:bodyPr rtlCol="0" anchor="ctr"/>
+          <a:lstStyle/>
+          <a:p>
+            <a:pPr algn="ctr"/>
+            <a:endParaRPr lang="fr-FR"/>
+          </a:p>
+        </p:txBody>
+      </p:sp>
+      <p:sp>
+        <p:nvSpPr>
           <p:cNvPr id="2" name="Titre 1">
             <a:extLst>
               <a:ext uri="{FF2B5EF4-FFF2-40B4-BE49-F238E27FC236}">
-                <a16:creationId xmlns:a16="http://schemas.microsoft.com/office/drawing/2014/main" id="{644E3F65-619C-31E3-AD9D-B12ECC6F2F60}"/>
+                <a16:creationId xmlns:a16="http://schemas.microsoft.com/office/drawing/2014/main" id="{8FEA3BAF-C98E-8EEA-63E7-9767E70F5673}"/>
               </a:ext>
             </a:extLst>
           </p:cNvPr>
@@ -10520,61 +10610,263 @@
             <p:ph type="title"/>
           </p:nvPr>
         </p:nvSpPr>
-        <p:spPr>
-          <a:xfrm>
-            <a:off x="348792" y="365125"/>
-            <a:ext cx="11519554" cy="1325563"/>
+        <p:spPr/>
+        <p:txBody>
+          <a:bodyPr/>
+          <a:lstStyle/>
+          <a:p>
+            <a:pPr algn="ctr"/>
+            <a:r>
+              <a:rPr lang="fr-FR" dirty="0"/>
+              <a:t>Analyse des performances</a:t>
+            </a:r>
+          </a:p>
+        </p:txBody>
+      </p:sp>
+      <p:sp>
+        <p:nvSpPr>
+          <p:cNvPr id="3" name="Espace réservé du texte 2">
+            <a:extLst>
+              <a:ext uri="{FF2B5EF4-FFF2-40B4-BE49-F238E27FC236}">
+                <a16:creationId xmlns:a16="http://schemas.microsoft.com/office/drawing/2014/main" id="{D9A67EA8-3BC0-4A30-426D-965D9A2C81CC}"/>
+              </a:ext>
+            </a:extLst>
+          </p:cNvPr>
+          <p:cNvSpPr>
+            <a:spLocks noGrp="1"/>
+          </p:cNvSpPr>
+          <p:nvPr>
+            <p:ph type="body" idx="1"/>
+          </p:nvPr>
+        </p:nvSpPr>
+        <p:spPr>
+          <a:xfrm>
+            <a:off x="96396" y="1516650"/>
+            <a:ext cx="5923404" cy="855482"/>
           </a:xfrm>
           <a:solidFill>
-            <a:schemeClr val="bg2">
-              <a:lumMod val="10000"/>
-            </a:schemeClr>
+            <a:srgbClr val="FF5757"/>
           </a:solidFill>
         </p:spPr>
         <p:txBody>
-          <a:bodyPr>
-            <a:normAutofit/>
-          </a:bodyPr>
+          <a:bodyPr/>
           <a:lstStyle/>
           <a:p>
             <a:pPr algn="ctr"/>
             <a:r>
-              <a:rPr lang="fr-FR" dirty="0">
-                <a:solidFill>
-                  <a:schemeClr val="bg1"/>
-                </a:solidFill>
-              </a:rPr>
-              <a:t>Résultat des différents états d’optimisation présenté par la suite lors du rapport.</a:t>
-            </a:r>
-          </a:p>
-        </p:txBody>
-      </p:sp>
-      <p:sp>
-        <p:nvSpPr>
-          <p:cNvPr id="3" name="Ellipse 2">
-            <a:extLst>
-              <a:ext uri="{FF2B5EF4-FFF2-40B4-BE49-F238E27FC236}">
-                <a16:creationId xmlns:a16="http://schemas.microsoft.com/office/drawing/2014/main" id="{CBECB291-144E-73E5-C8A7-0E41FD00D541}"/>
-              </a:ext>
-            </a:extLst>
-          </p:cNvPr>
-          <p:cNvSpPr/>
-          <p:nvPr/>
-        </p:nvSpPr>
-        <p:spPr>
-          <a:xfrm>
-            <a:off x="838200" y="1828800"/>
-            <a:ext cx="2300926" cy="1414020"/>
-          </a:xfrm>
-          <a:prstGeom prst="ellipse">
-            <a:avLst/>
-          </a:prstGeom>
+              <a:rPr lang="fr-FR" dirty="0"/>
+              <a:t>Site la panthère</a:t>
+            </a:r>
+          </a:p>
+          <a:p>
+            <a:endParaRPr lang="fr-FR" dirty="0"/>
+          </a:p>
+        </p:txBody>
+      </p:sp>
+      <p:pic>
+        <p:nvPicPr>
+          <p:cNvPr id="8" name="Espace réservé du contenu 7">
+            <a:extLst>
+              <a:ext uri="{FF2B5EF4-FFF2-40B4-BE49-F238E27FC236}">
+                <a16:creationId xmlns:a16="http://schemas.microsoft.com/office/drawing/2014/main" id="{985A0C63-9F99-D8E6-8A8B-BC9792026627}"/>
+              </a:ext>
+            </a:extLst>
+          </p:cNvPr>
+          <p:cNvPicPr>
+            <a:picLocks noGrp="1" noChangeAspect="1"/>
+          </p:cNvPicPr>
+          <p:nvPr>
+            <p:ph sz="half" idx="2"/>
+          </p:nvPr>
+        </p:nvPicPr>
+        <p:blipFill>
+          <a:blip r:embed="rId2">
+            <a:extLst>
+              <a:ext uri="{28A0092B-C50C-407E-A947-70E740481C1C}">
+                <a14:useLocalDpi xmlns:a14="http://schemas.microsoft.com/office/drawing/2010/main" val="0"/>
+              </a:ext>
+            </a:extLst>
+          </a:blip>
+          <a:stretch>
+            <a:fillRect/>
+          </a:stretch>
+        </p:blipFill>
+        <p:spPr>
+          <a:xfrm>
+            <a:off x="431006" y="2505074"/>
+            <a:ext cx="5157787" cy="2895813"/>
+          </a:xfrm>
+        </p:spPr>
+      </p:pic>
+      <p:sp>
+        <p:nvSpPr>
+          <p:cNvPr id="5" name="Espace réservé du texte 4">
+            <a:extLst>
+              <a:ext uri="{FF2B5EF4-FFF2-40B4-BE49-F238E27FC236}">
+                <a16:creationId xmlns:a16="http://schemas.microsoft.com/office/drawing/2014/main" id="{8A5DE980-E99A-FDAB-1BEC-FBBC976D12AE}"/>
+              </a:ext>
+            </a:extLst>
+          </p:cNvPr>
+          <p:cNvSpPr>
+            <a:spLocks noGrp="1"/>
+          </p:cNvSpPr>
+          <p:nvPr>
+            <p:ph type="body" sz="quarter" idx="3"/>
+          </p:nvPr>
+        </p:nvSpPr>
+        <p:spPr>
+          <a:xfrm>
+            <a:off x="6172200" y="1516650"/>
+            <a:ext cx="5923404" cy="906235"/>
+          </a:xfrm>
           <a:solidFill>
             <a:schemeClr val="accent6">
               <a:lumMod val="60000"/>
               <a:lumOff val="40000"/>
             </a:schemeClr>
           </a:solidFill>
+        </p:spPr>
+        <p:txBody>
+          <a:bodyPr/>
+          <a:lstStyle/>
+          <a:p>
+            <a:pPr algn="ctr"/>
+            <a:r>
+              <a:rPr lang="fr-FR" dirty="0"/>
+              <a:t>Optimisation du site la panthère</a:t>
+            </a:r>
+          </a:p>
+          <a:p>
+            <a:pPr algn="ctr"/>
+            <a:endParaRPr lang="fr-FR" dirty="0"/>
+          </a:p>
+        </p:txBody>
+      </p:sp>
+      <p:pic>
+        <p:nvPicPr>
+          <p:cNvPr id="7" name="Espace réservé du contenu 6">
+            <a:extLst>
+              <a:ext uri="{FF2B5EF4-FFF2-40B4-BE49-F238E27FC236}">
+                <a16:creationId xmlns:a16="http://schemas.microsoft.com/office/drawing/2014/main" id="{8EA9FC6D-0496-B74B-F6DB-10E3450F7EA1}"/>
+              </a:ext>
+            </a:extLst>
+          </p:cNvPr>
+          <p:cNvPicPr>
+            <a:picLocks noGrp="1" noChangeAspect="1"/>
+          </p:cNvPicPr>
+          <p:nvPr>
+            <p:ph sz="quarter" idx="4"/>
+          </p:nvPr>
+        </p:nvPicPr>
+        <p:blipFill>
+          <a:blip r:embed="rId3">
+            <a:extLst>
+              <a:ext uri="{28A0092B-C50C-407E-A947-70E740481C1C}">
+                <a14:useLocalDpi xmlns:a14="http://schemas.microsoft.com/office/drawing/2010/main" val="0"/>
+              </a:ext>
+            </a:extLst>
+          </a:blip>
+          <a:stretch>
+            <a:fillRect/>
+          </a:stretch>
+        </p:blipFill>
+        <p:spPr>
+          <a:xfrm>
+            <a:off x="6542308" y="2505075"/>
+            <a:ext cx="5183188" cy="2903097"/>
+          </a:xfrm>
+        </p:spPr>
+      </p:pic>
+      <p:sp>
+        <p:nvSpPr>
+          <p:cNvPr id="9" name="Rectangle 8">
+            <a:extLst>
+              <a:ext uri="{FF2B5EF4-FFF2-40B4-BE49-F238E27FC236}">
+                <a16:creationId xmlns:a16="http://schemas.microsoft.com/office/drawing/2014/main" id="{446055DA-83C1-A112-1A53-565C41CBEA7A}"/>
+              </a:ext>
+            </a:extLst>
+          </p:cNvPr>
+          <p:cNvSpPr/>
+          <p:nvPr/>
+        </p:nvSpPr>
+        <p:spPr>
+          <a:xfrm>
+            <a:off x="0" y="6034087"/>
+            <a:ext cx="12192000" cy="823912"/>
+          </a:xfrm>
+          <a:prstGeom prst="rect">
+            <a:avLst/>
+          </a:prstGeom>
+          <a:solidFill>
+            <a:schemeClr val="accent2">
+              <a:lumMod val="60000"/>
+              <a:lumOff val="40000"/>
+            </a:schemeClr>
+          </a:solidFill>
+          <a:ln/>
+        </p:spPr>
+        <p:style>
+          <a:lnRef idx="2">
+            <a:schemeClr val="accent2"/>
+          </a:lnRef>
+          <a:fillRef idx="1">
+            <a:schemeClr val="lt1"/>
+          </a:fillRef>
+          <a:effectRef idx="0">
+            <a:schemeClr val="accent2"/>
+          </a:effectRef>
+          <a:fontRef idx="minor">
+            <a:schemeClr val="dk1"/>
+          </a:fontRef>
+        </p:style>
+        <p:txBody>
+          <a:bodyPr rtlCol="0" anchor="ctr"/>
+          <a:lstStyle/>
+          <a:p>
+            <a:pPr algn="ctr"/>
+            <a:r>
+              <a:rPr lang="fr-FR" dirty="0"/>
+              <a:t>Le rendu avant est après de l’optimisation des performances, accessibilité et </a:t>
+            </a:r>
+            <a:r>
+              <a:rPr lang="fr-FR" dirty="0" err="1"/>
+              <a:t>Seo</a:t>
+            </a:r>
+            <a:r>
+              <a:rPr lang="fr-FR" dirty="0"/>
+              <a:t> du site.  Après optimisation les performances, accessibilité et </a:t>
+            </a:r>
+            <a:r>
+              <a:rPr lang="fr-FR" dirty="0" err="1"/>
+              <a:t>Seo</a:t>
+            </a:r>
+            <a:r>
+              <a:rPr lang="fr-FR" dirty="0"/>
+              <a:t> se sont amélioré.</a:t>
+            </a:r>
+          </a:p>
+        </p:txBody>
+      </p:sp>
+      <p:sp>
+        <p:nvSpPr>
+          <p:cNvPr id="12" name="Flèche : droite 11">
+            <a:extLst>
+              <a:ext uri="{FF2B5EF4-FFF2-40B4-BE49-F238E27FC236}">
+                <a16:creationId xmlns:a16="http://schemas.microsoft.com/office/drawing/2014/main" id="{C2479AC3-077C-57F8-5E2F-8B45F67CE887}"/>
+              </a:ext>
+            </a:extLst>
+          </p:cNvPr>
+          <p:cNvSpPr/>
+          <p:nvPr/>
+        </p:nvSpPr>
+        <p:spPr>
+          <a:xfrm>
+            <a:off x="5182612" y="1580361"/>
+            <a:ext cx="1326596" cy="533926"/>
+          </a:xfrm>
+          <a:prstGeom prst="rightArrow">
+            <a:avLst/>
+          </a:prstGeom>
         </p:spPr>
         <p:style>
           <a:lnRef idx="2">
@@ -10597,14 +10889,7 @@
           <a:lstStyle/>
           <a:p>
             <a:pPr algn="ctr"/>
-            <a:r>
-              <a:rPr lang="fr-FR" dirty="0">
-                <a:solidFill>
-                  <a:schemeClr val="tx1"/>
-                </a:solidFill>
-              </a:rPr>
-              <a:t>Terminé</a:t>
-            </a:r>
+            <a:endParaRPr lang="fr-FR"/>
           </a:p>
         </p:txBody>
       </p:sp>
@@ -10613,7 +10898,7 @@
           <p:cNvPr id="4" name="Ellipse 3">
             <a:extLst>
               <a:ext uri="{FF2B5EF4-FFF2-40B4-BE49-F238E27FC236}">
-                <a16:creationId xmlns:a16="http://schemas.microsoft.com/office/drawing/2014/main" id="{CB991972-EB6D-39DF-5778-7AB99946E6C1}"/>
+                <a16:creationId xmlns:a16="http://schemas.microsoft.com/office/drawing/2014/main" id="{779EA765-C9B8-7F61-B9E3-0D620E818DEB}"/>
               </a:ext>
             </a:extLst>
           </p:cNvPr>
@@ -10622,14 +10907,14 @@
         </p:nvSpPr>
         <p:spPr>
           <a:xfrm>
-            <a:off x="838200" y="3527196"/>
-            <a:ext cx="2300926" cy="1414020"/>
+            <a:off x="10626462" y="50882"/>
+            <a:ext cx="1451499" cy="799398"/>
           </a:xfrm>
           <a:prstGeom prst="ellipse">
             <a:avLst/>
           </a:prstGeom>
           <a:solidFill>
-            <a:schemeClr val="accent4">
+            <a:schemeClr val="accent6">
               <a:lumMod val="60000"/>
               <a:lumOff val="40000"/>
             </a:schemeClr>
@@ -10662,252 +10947,7 @@
                   <a:schemeClr val="tx1"/>
                 </a:solidFill>
               </a:rPr>
-              <a:t>Partiel</a:t>
-            </a:r>
-          </a:p>
-        </p:txBody>
-      </p:sp>
-      <p:sp>
-        <p:nvSpPr>
-          <p:cNvPr id="5" name="Ellipse 4">
-            <a:extLst>
-              <a:ext uri="{FF2B5EF4-FFF2-40B4-BE49-F238E27FC236}">
-                <a16:creationId xmlns:a16="http://schemas.microsoft.com/office/drawing/2014/main" id="{1BD26BF3-5216-2361-A72D-E3597292B5A0}"/>
-              </a:ext>
-            </a:extLst>
-          </p:cNvPr>
-          <p:cNvSpPr/>
-          <p:nvPr/>
-        </p:nvSpPr>
-        <p:spPr>
-          <a:xfrm>
-            <a:off x="838200" y="5225592"/>
-            <a:ext cx="2300926" cy="1414020"/>
-          </a:xfrm>
-          <a:prstGeom prst="ellipse">
-            <a:avLst/>
-          </a:prstGeom>
-          <a:solidFill>
-            <a:schemeClr val="accent2">
-              <a:lumMod val="60000"/>
-              <a:lumOff val="40000"/>
-            </a:schemeClr>
-          </a:solidFill>
-        </p:spPr>
-        <p:style>
-          <a:lnRef idx="2">
-            <a:schemeClr val="accent1">
-              <a:shade val="50000"/>
-            </a:schemeClr>
-          </a:lnRef>
-          <a:fillRef idx="1">
-            <a:schemeClr val="accent1"/>
-          </a:fillRef>
-          <a:effectRef idx="0">
-            <a:schemeClr val="accent1"/>
-          </a:effectRef>
-          <a:fontRef idx="minor">
-            <a:schemeClr val="lt1"/>
-          </a:fontRef>
-        </p:style>
-        <p:txBody>
-          <a:bodyPr rtlCol="0" anchor="ctr"/>
-          <a:lstStyle/>
-          <a:p>
-            <a:pPr algn="ctr"/>
-            <a:r>
-              <a:rPr lang="fr-FR" dirty="0">
-                <a:solidFill>
-                  <a:schemeClr val="tx1"/>
-                </a:solidFill>
-              </a:rPr>
-              <a:t>Abandonnée</a:t>
-            </a:r>
-          </a:p>
-        </p:txBody>
-      </p:sp>
-      <p:sp>
-        <p:nvSpPr>
-          <p:cNvPr id="6" name="Rectangle 5">
-            <a:extLst>
-              <a:ext uri="{FF2B5EF4-FFF2-40B4-BE49-F238E27FC236}">
-                <a16:creationId xmlns:a16="http://schemas.microsoft.com/office/drawing/2014/main" id="{4C9798E4-6AE6-B074-FDD9-6B27D6905C91}"/>
-              </a:ext>
-            </a:extLst>
-          </p:cNvPr>
-          <p:cNvSpPr/>
-          <p:nvPr/>
-        </p:nvSpPr>
-        <p:spPr>
-          <a:xfrm>
-            <a:off x="3959257" y="5579097"/>
-            <a:ext cx="7183225" cy="707010"/>
-          </a:xfrm>
-          <a:prstGeom prst="rect">
-            <a:avLst/>
-          </a:prstGeom>
-          <a:noFill/>
-          <a:ln>
-            <a:solidFill>
-              <a:schemeClr val="accent2">
-                <a:lumMod val="60000"/>
-                <a:lumOff val="40000"/>
-              </a:schemeClr>
-            </a:solidFill>
-          </a:ln>
-        </p:spPr>
-        <p:style>
-          <a:lnRef idx="2">
-            <a:schemeClr val="accent1">
-              <a:shade val="50000"/>
-            </a:schemeClr>
-          </a:lnRef>
-          <a:fillRef idx="1">
-            <a:schemeClr val="accent1"/>
-          </a:fillRef>
-          <a:effectRef idx="0">
-            <a:schemeClr val="accent1"/>
-          </a:effectRef>
-          <a:fontRef idx="minor">
-            <a:schemeClr val="lt1"/>
-          </a:fontRef>
-        </p:style>
-        <p:txBody>
-          <a:bodyPr rtlCol="0" anchor="ctr"/>
-          <a:lstStyle/>
-          <a:p>
-            <a:pPr algn="ctr"/>
-            <a:r>
-              <a:rPr lang="fr-FR" dirty="0">
-                <a:solidFill>
-                  <a:schemeClr val="tx1"/>
-                </a:solidFill>
-              </a:rPr>
-              <a:t>Optimisation impossible (impossibilité de le faire au niveau actuel)</a:t>
-            </a:r>
-          </a:p>
-        </p:txBody>
-      </p:sp>
-      <p:sp>
-        <p:nvSpPr>
-          <p:cNvPr id="7" name="Rectangle 6">
-            <a:extLst>
-              <a:ext uri="{FF2B5EF4-FFF2-40B4-BE49-F238E27FC236}">
-                <a16:creationId xmlns:a16="http://schemas.microsoft.com/office/drawing/2014/main" id="{D978F88E-FC68-B84B-3776-7FCB491C7731}"/>
-              </a:ext>
-            </a:extLst>
-          </p:cNvPr>
-          <p:cNvSpPr/>
-          <p:nvPr/>
-        </p:nvSpPr>
-        <p:spPr>
-          <a:xfrm>
-            <a:off x="3959255" y="2182305"/>
-            <a:ext cx="7183225" cy="707010"/>
-          </a:xfrm>
-          <a:prstGeom prst="rect">
-            <a:avLst/>
-          </a:prstGeom>
-          <a:noFill/>
-          <a:ln>
-            <a:solidFill>
-              <a:schemeClr val="accent6">
-                <a:lumMod val="60000"/>
-                <a:lumOff val="40000"/>
-              </a:schemeClr>
-            </a:solidFill>
-          </a:ln>
-        </p:spPr>
-        <p:style>
-          <a:lnRef idx="2">
-            <a:schemeClr val="accent1">
-              <a:shade val="50000"/>
-            </a:schemeClr>
-          </a:lnRef>
-          <a:fillRef idx="1">
-            <a:schemeClr val="accent1"/>
-          </a:fillRef>
-          <a:effectRef idx="0">
-            <a:schemeClr val="accent1"/>
-          </a:effectRef>
-          <a:fontRef idx="minor">
-            <a:schemeClr val="lt1"/>
-          </a:fontRef>
-        </p:style>
-        <p:txBody>
-          <a:bodyPr rtlCol="0" anchor="ctr"/>
-          <a:lstStyle/>
-          <a:p>
-            <a:pPr algn="ctr"/>
-            <a:r>
-              <a:rPr lang="fr-FR" dirty="0">
-                <a:solidFill>
-                  <a:schemeClr val="tx1"/>
-                </a:solidFill>
-              </a:rPr>
-              <a:t>Optimisation réussie</a:t>
-            </a:r>
-          </a:p>
-        </p:txBody>
-      </p:sp>
-      <p:sp>
-        <p:nvSpPr>
-          <p:cNvPr id="8" name="Rectangle 7">
-            <a:extLst>
-              <a:ext uri="{FF2B5EF4-FFF2-40B4-BE49-F238E27FC236}">
-                <a16:creationId xmlns:a16="http://schemas.microsoft.com/office/drawing/2014/main" id="{BADDE3BA-8A80-F99A-1409-8A4D4709B7C2}"/>
-              </a:ext>
-            </a:extLst>
-          </p:cNvPr>
-          <p:cNvSpPr/>
-          <p:nvPr/>
-        </p:nvSpPr>
-        <p:spPr>
-          <a:xfrm>
-            <a:off x="3959256" y="4127369"/>
-            <a:ext cx="7183225" cy="707010"/>
-          </a:xfrm>
-          <a:prstGeom prst="rect">
-            <a:avLst/>
-          </a:prstGeom>
-          <a:noFill/>
-          <a:ln>
-            <a:solidFill>
-              <a:schemeClr val="accent4">
-                <a:lumMod val="60000"/>
-                <a:lumOff val="40000"/>
-              </a:schemeClr>
-            </a:solidFill>
-          </a:ln>
-        </p:spPr>
-        <p:style>
-          <a:lnRef idx="2">
-            <a:schemeClr val="accent1">
-              <a:shade val="50000"/>
-            </a:schemeClr>
-          </a:lnRef>
-          <a:fillRef idx="1">
-            <a:schemeClr val="accent1"/>
-          </a:fillRef>
-          <a:effectRef idx="0">
-            <a:schemeClr val="accent1"/>
-          </a:effectRef>
-          <a:fontRef idx="minor">
-            <a:schemeClr val="lt1"/>
-          </a:fontRef>
-        </p:style>
-        <p:txBody>
-          <a:bodyPr rtlCol="0" anchor="ctr"/>
-          <a:lstStyle/>
-          <a:p>
-            <a:pPr algn="ctr"/>
-            <a:r>
-              <a:rPr lang="fr-FR" dirty="0">
-                <a:solidFill>
-                  <a:schemeClr val="tx1"/>
-                </a:solidFill>
-              </a:rPr>
-              <a:t>Optimisation partiellement faite(qui nécessite une refonte de site complète pour une optimisation optimale)</a:t>
+              <a:t>Terminé</a:t>
             </a:r>
           </a:p>
         </p:txBody>
@@ -10915,7 +10955,7 @@
     </p:spTree>
     <p:extLst>
       <p:ext uri="{BB962C8B-B14F-4D97-AF65-F5344CB8AC3E}">
-        <p14:creationId xmlns:p14="http://schemas.microsoft.com/office/powerpoint/2010/main" val="2909290756"/>
+        <p14:creationId xmlns:p14="http://schemas.microsoft.com/office/powerpoint/2010/main" val="1933679464"/>
       </p:ext>
     </p:extLst>
   </p:cSld>
@@ -10944,10 +10984,10 @@
       </p:grpSpPr>
       <p:sp>
         <p:nvSpPr>
-          <p:cNvPr id="11" name="Rectangle 10">
-            <a:extLst>
-              <a:ext uri="{FF2B5EF4-FFF2-40B4-BE49-F238E27FC236}">
-                <a16:creationId xmlns:a16="http://schemas.microsoft.com/office/drawing/2014/main" id="{41622C83-36B6-38E6-DC49-A8D6F28B33BC}"/>
+          <p:cNvPr id="20" name="Rectangle 19">
+            <a:extLst>
+              <a:ext uri="{FF2B5EF4-FFF2-40B4-BE49-F238E27FC236}">
+                <a16:creationId xmlns:a16="http://schemas.microsoft.com/office/drawing/2014/main" id="{AA5F16CB-A35F-1C73-80C3-98FBA33323EC}"/>
               </a:ext>
             </a:extLst>
           </p:cNvPr>
@@ -10956,15 +10996,15 @@
         </p:nvSpPr>
         <p:spPr>
           <a:xfrm>
-            <a:off x="6172200" y="1516650"/>
-            <a:ext cx="5923404" cy="4148859"/>
+            <a:off x="96396" y="1516650"/>
+            <a:ext cx="5923405" cy="4148859"/>
           </a:xfrm>
           <a:prstGeom prst="rect">
             <a:avLst/>
           </a:prstGeom>
           <a:ln>
             <a:solidFill>
-              <a:schemeClr val="accent6"/>
+              <a:srgbClr val="FF5757"/>
             </a:solidFill>
           </a:ln>
         </p:spPr>
@@ -10987,16 +11027,16 @@
           <a:lstStyle/>
           <a:p>
             <a:pPr algn="ctr"/>
-            <a:endParaRPr lang="fr-FR" dirty="0"/>
-          </a:p>
-        </p:txBody>
-      </p:sp>
-      <p:sp>
-        <p:nvSpPr>
-          <p:cNvPr id="10" name="Rectangle 9">
-            <a:extLst>
-              <a:ext uri="{FF2B5EF4-FFF2-40B4-BE49-F238E27FC236}">
-                <a16:creationId xmlns:a16="http://schemas.microsoft.com/office/drawing/2014/main" id="{14B80D80-4218-3C48-8CF1-BE0AB67E2983}"/>
+            <a:endParaRPr lang="fr-FR"/>
+          </a:p>
+        </p:txBody>
+      </p:sp>
+      <p:sp>
+        <p:nvSpPr>
+          <p:cNvPr id="7" name="Rectangle 6">
+            <a:extLst>
+              <a:ext uri="{FF2B5EF4-FFF2-40B4-BE49-F238E27FC236}">
+                <a16:creationId xmlns:a16="http://schemas.microsoft.com/office/drawing/2014/main" id="{A5AFBE4A-22C9-3AAD-4A43-DA188B19B3F9}"/>
               </a:ext>
             </a:extLst>
           </p:cNvPr>
@@ -11005,15 +11045,15 @@
         </p:nvSpPr>
         <p:spPr>
           <a:xfrm>
-            <a:off x="96396" y="1516650"/>
-            <a:ext cx="5923405" cy="4148859"/>
+            <a:off x="6172200" y="1516650"/>
+            <a:ext cx="5923404" cy="4148859"/>
           </a:xfrm>
           <a:prstGeom prst="rect">
             <a:avLst/>
           </a:prstGeom>
           <a:ln>
             <a:solidFill>
-              <a:srgbClr val="FF5757"/>
+              <a:schemeClr val="accent6"/>
             </a:solidFill>
           </a:ln>
         </p:spPr>
@@ -11036,7 +11076,7 @@
           <a:lstStyle/>
           <a:p>
             <a:pPr algn="ctr"/>
-            <a:endParaRPr lang="fr-FR"/>
+            <a:endParaRPr lang="fr-FR" dirty="0"/>
           </a:p>
         </p:txBody>
       </p:sp>
@@ -11045,7 +11085,7 @@
           <p:cNvPr id="2" name="Titre 1">
             <a:extLst>
               <a:ext uri="{FF2B5EF4-FFF2-40B4-BE49-F238E27FC236}">
-                <a16:creationId xmlns:a16="http://schemas.microsoft.com/office/drawing/2014/main" id="{8FEA3BAF-C98E-8EEA-63E7-9767E70F5673}"/>
+                <a16:creationId xmlns:a16="http://schemas.microsoft.com/office/drawing/2014/main" id="{7A10F0B6-666C-E4C4-5535-08A5D56926F8}"/>
               </a:ext>
             </a:extLst>
           </p:cNvPr>
@@ -11061,11 +11101,15 @@
           <a:bodyPr/>
           <a:lstStyle/>
           <a:p>
-            <a:pPr algn="ctr"/>
             <a:r>
               <a:rPr lang="fr-FR" dirty="0"/>
-              <a:t>Analyse des performances</a:t>
-            </a:r>
+              <a:t>Analyse sur </a:t>
+            </a:r>
+            <a:r>
+              <a:rPr lang="fr-FR" dirty="0" err="1"/>
+              <a:t>GTmetrix</a:t>
+            </a:r>
+            <a:endParaRPr lang="fr-FR" dirty="0"/>
           </a:p>
         </p:txBody>
       </p:sp>
@@ -11074,7 +11118,7 @@
           <p:cNvPr id="3" name="Espace réservé du texte 2">
             <a:extLst>
               <a:ext uri="{FF2B5EF4-FFF2-40B4-BE49-F238E27FC236}">
-                <a16:creationId xmlns:a16="http://schemas.microsoft.com/office/drawing/2014/main" id="{D9A67EA8-3BC0-4A30-426D-965D9A2C81CC}"/>
+                <a16:creationId xmlns:a16="http://schemas.microsoft.com/office/drawing/2014/main" id="{5B689303-BA78-9B73-70D3-5D506AA526BB}"/>
               </a:ext>
             </a:extLst>
           </p:cNvPr>
@@ -11088,15 +11132,21 @@
         <p:spPr>
           <a:xfrm>
             <a:off x="96396" y="1516650"/>
-            <a:ext cx="5923404" cy="855482"/>
+            <a:ext cx="5923405" cy="823912"/>
           </a:xfrm>
           <a:solidFill>
             <a:srgbClr val="FF5757"/>
           </a:solidFill>
         </p:spPr>
         <p:txBody>
-          <a:bodyPr/>
-          <a:lstStyle/>
+          <a:bodyPr>
+            <a:normAutofit lnSpcReduction="10000"/>
+          </a:bodyPr>
+          <a:lstStyle/>
+          <a:p>
+            <a:pPr algn="ctr"/>
+            <a:endParaRPr lang="fr-FR" dirty="0"/>
+          </a:p>
           <a:p>
             <a:pPr algn="ctr"/>
             <a:r>
@@ -11105,16 +11155,17 @@
             </a:r>
           </a:p>
           <a:p>
+            <a:pPr algn="ctr"/>
             <a:endParaRPr lang="fr-FR" dirty="0"/>
           </a:p>
         </p:txBody>
       </p:sp>
       <p:pic>
         <p:nvPicPr>
-          <p:cNvPr id="8" name="Espace réservé du contenu 7">
-            <a:extLst>
-              <a:ext uri="{FF2B5EF4-FFF2-40B4-BE49-F238E27FC236}">
-                <a16:creationId xmlns:a16="http://schemas.microsoft.com/office/drawing/2014/main" id="{985A0C63-9F99-D8E6-8A8B-BC9792026627}"/>
+          <p:cNvPr id="15" name="Espace réservé du contenu 14" descr="Une image contenant texte&#10;&#10;Description générée automatiquement">
+            <a:extLst>
+              <a:ext uri="{FF2B5EF4-FFF2-40B4-BE49-F238E27FC236}">
+                <a16:creationId xmlns:a16="http://schemas.microsoft.com/office/drawing/2014/main" id="{2FEC354D-10A7-7BCC-E4D9-CEB31DBBBA5C}"/>
               </a:ext>
             </a:extLst>
           </p:cNvPr>
@@ -11139,8 +11190,8 @@
         </p:blipFill>
         <p:spPr>
           <a:xfrm>
-            <a:off x="431006" y="2505074"/>
-            <a:ext cx="5157787" cy="2895813"/>
+            <a:off x="479204" y="2695281"/>
+            <a:ext cx="5157787" cy="2106854"/>
           </a:xfrm>
         </p:spPr>
       </p:pic>
@@ -11149,7 +11200,7 @@
           <p:cNvPr id="5" name="Espace réservé du texte 4">
             <a:extLst>
               <a:ext uri="{FF2B5EF4-FFF2-40B4-BE49-F238E27FC236}">
-                <a16:creationId xmlns:a16="http://schemas.microsoft.com/office/drawing/2014/main" id="{8A5DE980-E99A-FDAB-1BEC-FBBC976D12AE}"/>
+                <a16:creationId xmlns:a16="http://schemas.microsoft.com/office/drawing/2014/main" id="{3B83A77E-E8BE-5B35-1753-E69310036A9C}"/>
               </a:ext>
             </a:extLst>
           </p:cNvPr>
@@ -11163,7 +11214,7 @@
         <p:spPr>
           <a:xfrm>
             <a:off x="6172200" y="1516650"/>
-            <a:ext cx="5923404" cy="906235"/>
+            <a:ext cx="5923404" cy="929507"/>
           </a:xfrm>
           <a:solidFill>
             <a:schemeClr val="accent6">
@@ -11173,7 +11224,9 @@
           </a:solidFill>
         </p:spPr>
         <p:txBody>
-          <a:bodyPr/>
+          <a:bodyPr>
+            <a:normAutofit lnSpcReduction="10000"/>
+          </a:bodyPr>
           <a:lstStyle/>
           <a:p>
             <a:pPr algn="ctr"/>
@@ -11188,117 +11241,12 @@
           </a:p>
         </p:txBody>
       </p:sp>
-      <p:pic>
-        <p:nvPicPr>
-          <p:cNvPr id="7" name="Espace réservé du contenu 6">
-            <a:extLst>
-              <a:ext uri="{FF2B5EF4-FFF2-40B4-BE49-F238E27FC236}">
-                <a16:creationId xmlns:a16="http://schemas.microsoft.com/office/drawing/2014/main" id="{8EA9FC6D-0496-B74B-F6DB-10E3450F7EA1}"/>
-              </a:ext>
-            </a:extLst>
-          </p:cNvPr>
-          <p:cNvPicPr>
-            <a:picLocks noGrp="1" noChangeAspect="1"/>
-          </p:cNvPicPr>
-          <p:nvPr>
-            <p:ph sz="quarter" idx="4"/>
-          </p:nvPr>
-        </p:nvPicPr>
-        <p:blipFill>
-          <a:blip r:embed="rId3">
-            <a:extLst>
-              <a:ext uri="{28A0092B-C50C-407E-A947-70E740481C1C}">
-                <a14:useLocalDpi xmlns:a14="http://schemas.microsoft.com/office/drawing/2010/main" val="0"/>
-              </a:ext>
-            </a:extLst>
-          </a:blip>
-          <a:stretch>
-            <a:fillRect/>
-          </a:stretch>
-        </p:blipFill>
-        <p:spPr>
-          <a:xfrm>
-            <a:off x="6542308" y="2505075"/>
-            <a:ext cx="5183188" cy="2903097"/>
-          </a:xfrm>
-        </p:spPr>
-      </p:pic>
-      <p:sp>
-        <p:nvSpPr>
-          <p:cNvPr id="9" name="Rectangle 8">
-            <a:extLst>
-              <a:ext uri="{FF2B5EF4-FFF2-40B4-BE49-F238E27FC236}">
-                <a16:creationId xmlns:a16="http://schemas.microsoft.com/office/drawing/2014/main" id="{446055DA-83C1-A112-1A53-565C41CBEA7A}"/>
-              </a:ext>
-            </a:extLst>
-          </p:cNvPr>
-          <p:cNvSpPr/>
-          <p:nvPr/>
-        </p:nvSpPr>
-        <p:spPr>
-          <a:xfrm>
-            <a:off x="0" y="6034087"/>
-            <a:ext cx="12192000" cy="823912"/>
-          </a:xfrm>
-          <a:prstGeom prst="rect">
-            <a:avLst/>
-          </a:prstGeom>
-          <a:solidFill>
-            <a:schemeClr val="accent2">
-              <a:lumMod val="60000"/>
-              <a:lumOff val="40000"/>
-            </a:schemeClr>
-          </a:solidFill>
-          <a:ln/>
-        </p:spPr>
-        <p:style>
-          <a:lnRef idx="2">
-            <a:schemeClr val="accent2"/>
-          </a:lnRef>
-          <a:fillRef idx="1">
-            <a:schemeClr val="lt1"/>
-          </a:fillRef>
-          <a:effectRef idx="0">
-            <a:schemeClr val="accent2"/>
-          </a:effectRef>
-          <a:fontRef idx="minor">
-            <a:schemeClr val="dk1"/>
-          </a:fontRef>
-        </p:style>
-        <p:txBody>
-          <a:bodyPr rtlCol="0" anchor="ctr"/>
-          <a:lstStyle/>
-          <a:p>
-            <a:pPr algn="ctr"/>
-            <a:r>
-              <a:rPr lang="fr-FR" dirty="0"/>
-              <a:t>Le rendu avant est après de l’optimisation des performances, accessibilité et </a:t>
-            </a:r>
-            <a:r>
-              <a:rPr lang="fr-FR" dirty="0" err="1"/>
-              <a:t>Seo</a:t>
-            </a:r>
-            <a:r>
-              <a:rPr lang="fr-FR" dirty="0"/>
-              <a:t> du site.  Après optimisation les performances, accessibilité et </a:t>
-            </a:r>
-            <a:r>
-              <a:rPr lang="fr-FR" dirty="0" err="1"/>
-              <a:t>Seo</a:t>
-            </a:r>
-            <a:r>
-              <a:rPr lang="fr-FR" dirty="0"/>
-              <a:t> se sont amélioré.</a:t>
-            </a:r>
-          </a:p>
-        </p:txBody>
-      </p:sp>
-      <p:sp>
-        <p:nvSpPr>
-          <p:cNvPr id="12" name="Flèche : droite 11">
-            <a:extLst>
-              <a:ext uri="{FF2B5EF4-FFF2-40B4-BE49-F238E27FC236}">
-                <a16:creationId xmlns:a16="http://schemas.microsoft.com/office/drawing/2014/main" id="{C2479AC3-077C-57F8-5E2F-8B45F67CE887}"/>
+      <p:sp>
+        <p:nvSpPr>
+          <p:cNvPr id="21" name="Flèche : droite 20">
+            <a:extLst>
+              <a:ext uri="{FF2B5EF4-FFF2-40B4-BE49-F238E27FC236}">
+                <a16:creationId xmlns:a16="http://schemas.microsoft.com/office/drawing/2014/main" id="{28571424-EE75-AF31-A3C8-AE44D66DE6F1}"/>
               </a:ext>
             </a:extLst>
           </p:cNvPr>
@@ -11341,10 +11289,64 @@
       </p:sp>
       <p:sp>
         <p:nvSpPr>
+          <p:cNvPr id="22" name="Rectangle 21">
+            <a:extLst>
+              <a:ext uri="{FF2B5EF4-FFF2-40B4-BE49-F238E27FC236}">
+                <a16:creationId xmlns:a16="http://schemas.microsoft.com/office/drawing/2014/main" id="{C892662C-20A1-9CB0-273B-59411A782007}"/>
+              </a:ext>
+            </a:extLst>
+          </p:cNvPr>
+          <p:cNvSpPr/>
+          <p:nvPr/>
+        </p:nvSpPr>
+        <p:spPr>
+          <a:xfrm>
+            <a:off x="0" y="6034087"/>
+            <a:ext cx="12192000" cy="823912"/>
+          </a:xfrm>
+          <a:prstGeom prst="rect">
+            <a:avLst/>
+          </a:prstGeom>
+          <a:solidFill>
+            <a:schemeClr val="accent2">
+              <a:lumMod val="60000"/>
+              <a:lumOff val="40000"/>
+            </a:schemeClr>
+          </a:solidFill>
+          <a:ln/>
+        </p:spPr>
+        <p:style>
+          <a:lnRef idx="2">
+            <a:schemeClr val="accent2"/>
+          </a:lnRef>
+          <a:fillRef idx="1">
+            <a:schemeClr val="lt1"/>
+          </a:fillRef>
+          <a:effectRef idx="0">
+            <a:schemeClr val="accent2"/>
+          </a:effectRef>
+          <a:fontRef idx="minor">
+            <a:schemeClr val="dk1"/>
+          </a:fontRef>
+        </p:style>
+        <p:txBody>
+          <a:bodyPr rtlCol="0" anchor="ctr"/>
+          <a:lstStyle/>
+          <a:p>
+            <a:pPr algn="ctr"/>
+            <a:r>
+              <a:rPr lang="fr-FR" dirty="0"/>
+              <a:t>Utilisé un autre outil d’analyse permet de confirmer la validité des modifications apportées au site pour avoir de meilleures performances.</a:t>
+            </a:r>
+          </a:p>
+        </p:txBody>
+      </p:sp>
+      <p:sp>
+        <p:nvSpPr>
           <p:cNvPr id="4" name="Ellipse 3">
             <a:extLst>
               <a:ext uri="{FF2B5EF4-FFF2-40B4-BE49-F238E27FC236}">
-                <a16:creationId xmlns:a16="http://schemas.microsoft.com/office/drawing/2014/main" id="{779EA765-C9B8-7F61-B9E3-0D620E818DEB}"/>
+                <a16:creationId xmlns:a16="http://schemas.microsoft.com/office/drawing/2014/main" id="{FD50F513-DB93-81D0-27C5-799B94D74DE6}"/>
               </a:ext>
             </a:extLst>
           </p:cNvPr>
@@ -11398,10 +11400,45 @@
           </a:p>
         </p:txBody>
       </p:sp>
+      <p:pic>
+        <p:nvPicPr>
+          <p:cNvPr id="10" name="Espace réservé du contenu 9" descr="Une image contenant texte&#10;&#10;Description générée automatiquement">
+            <a:extLst>
+              <a:ext uri="{FF2B5EF4-FFF2-40B4-BE49-F238E27FC236}">
+                <a16:creationId xmlns:a16="http://schemas.microsoft.com/office/drawing/2014/main" id="{7949E8D6-4E8A-B32C-0354-3EF4A6348D6F}"/>
+              </a:ext>
+            </a:extLst>
+          </p:cNvPr>
+          <p:cNvPicPr>
+            <a:picLocks noGrp="1" noChangeAspect="1"/>
+          </p:cNvPicPr>
+          <p:nvPr>
+            <p:ph sz="quarter" idx="4"/>
+          </p:nvPr>
+        </p:nvPicPr>
+        <p:blipFill>
+          <a:blip r:embed="rId3">
+            <a:extLst>
+              <a:ext uri="{28A0092B-C50C-407E-A947-70E740481C1C}">
+                <a14:useLocalDpi xmlns:a14="http://schemas.microsoft.com/office/drawing/2010/main" val="0"/>
+              </a:ext>
+            </a:extLst>
+          </a:blip>
+          <a:stretch>
+            <a:fillRect/>
+          </a:stretch>
+        </p:blipFill>
+        <p:spPr>
+          <a:xfrm>
+            <a:off x="6402609" y="2776181"/>
+            <a:ext cx="5183188" cy="1945053"/>
+          </a:xfrm>
+        </p:spPr>
+      </p:pic>
     </p:spTree>
     <p:extLst>
       <p:ext uri="{BB962C8B-B14F-4D97-AF65-F5344CB8AC3E}">
-        <p14:creationId xmlns:p14="http://schemas.microsoft.com/office/powerpoint/2010/main" val="1933679464"/>
+        <p14:creationId xmlns:p14="http://schemas.microsoft.com/office/powerpoint/2010/main" val="3902599311"/>
       </p:ext>
     </p:extLst>
   </p:cSld>
@@ -11430,108 +11467,10 @@
       </p:grpSpPr>
       <p:sp>
         <p:nvSpPr>
-          <p:cNvPr id="20" name="Rectangle 19">
-            <a:extLst>
-              <a:ext uri="{FF2B5EF4-FFF2-40B4-BE49-F238E27FC236}">
-                <a16:creationId xmlns:a16="http://schemas.microsoft.com/office/drawing/2014/main" id="{AA5F16CB-A35F-1C73-80C3-98FBA33323EC}"/>
-              </a:ext>
-            </a:extLst>
-          </p:cNvPr>
-          <p:cNvSpPr/>
-          <p:nvPr/>
-        </p:nvSpPr>
-        <p:spPr>
-          <a:xfrm>
-            <a:off x="96396" y="1516650"/>
-            <a:ext cx="5923405" cy="4148859"/>
-          </a:xfrm>
-          <a:prstGeom prst="rect">
-            <a:avLst/>
-          </a:prstGeom>
-          <a:ln>
-            <a:solidFill>
-              <a:srgbClr val="FF5757"/>
-            </a:solidFill>
-          </a:ln>
-        </p:spPr>
-        <p:style>
-          <a:lnRef idx="2">
-            <a:schemeClr val="accent6"/>
-          </a:lnRef>
-          <a:fillRef idx="1">
-            <a:schemeClr val="lt1"/>
-          </a:fillRef>
-          <a:effectRef idx="0">
-            <a:schemeClr val="accent6"/>
-          </a:effectRef>
-          <a:fontRef idx="minor">
-            <a:schemeClr val="dk1"/>
-          </a:fontRef>
-        </p:style>
-        <p:txBody>
-          <a:bodyPr rtlCol="0" anchor="ctr"/>
-          <a:lstStyle/>
-          <a:p>
-            <a:pPr algn="ctr"/>
-            <a:endParaRPr lang="fr-FR"/>
-          </a:p>
-        </p:txBody>
-      </p:sp>
-      <p:sp>
-        <p:nvSpPr>
-          <p:cNvPr id="7" name="Rectangle 6">
-            <a:extLst>
-              <a:ext uri="{FF2B5EF4-FFF2-40B4-BE49-F238E27FC236}">
-                <a16:creationId xmlns:a16="http://schemas.microsoft.com/office/drawing/2014/main" id="{A5AFBE4A-22C9-3AAD-4A43-DA188B19B3F9}"/>
-              </a:ext>
-            </a:extLst>
-          </p:cNvPr>
-          <p:cNvSpPr/>
-          <p:nvPr/>
-        </p:nvSpPr>
-        <p:spPr>
-          <a:xfrm>
-            <a:off x="6172200" y="1516650"/>
-            <a:ext cx="5923404" cy="4148859"/>
-          </a:xfrm>
-          <a:prstGeom prst="rect">
-            <a:avLst/>
-          </a:prstGeom>
-          <a:ln>
-            <a:solidFill>
-              <a:schemeClr val="accent6"/>
-            </a:solidFill>
-          </a:ln>
-        </p:spPr>
-        <p:style>
-          <a:lnRef idx="2">
-            <a:schemeClr val="accent6"/>
-          </a:lnRef>
-          <a:fillRef idx="1">
-            <a:schemeClr val="lt1"/>
-          </a:fillRef>
-          <a:effectRef idx="0">
-            <a:schemeClr val="accent6"/>
-          </a:effectRef>
-          <a:fontRef idx="minor">
-            <a:schemeClr val="dk1"/>
-          </a:fontRef>
-        </p:style>
-        <p:txBody>
-          <a:bodyPr rtlCol="0" anchor="ctr"/>
-          <a:lstStyle/>
-          <a:p>
-            <a:pPr algn="ctr"/>
-            <a:endParaRPr lang="fr-FR" dirty="0"/>
-          </a:p>
-        </p:txBody>
-      </p:sp>
-      <p:sp>
-        <p:nvSpPr>
           <p:cNvPr id="2" name="Titre 1">
             <a:extLst>
               <a:ext uri="{FF2B5EF4-FFF2-40B4-BE49-F238E27FC236}">
-                <a16:creationId xmlns:a16="http://schemas.microsoft.com/office/drawing/2014/main" id="{7A10F0B6-666C-E4C4-5535-08A5D56926F8}"/>
+                <a16:creationId xmlns:a16="http://schemas.microsoft.com/office/drawing/2014/main" id="{644E3F65-619C-31E3-AD9D-B12ECC6F2F60}"/>
               </a:ext>
             </a:extLst>
           </p:cNvPr>
@@ -11542,206 +11481,61 @@
             <p:ph type="title"/>
           </p:nvPr>
         </p:nvSpPr>
-        <p:spPr/>
-        <p:txBody>
-          <a:bodyPr/>
-          <a:lstStyle/>
-          <a:p>
-            <a:r>
-              <a:rPr lang="fr-FR" dirty="0"/>
-              <a:t>Analyse sur </a:t>
-            </a:r>
-            <a:r>
-              <a:rPr lang="fr-FR" dirty="0" err="1"/>
-              <a:t>Gtmetrix</a:t>
-            </a:r>
-            <a:endParaRPr lang="fr-FR" dirty="0"/>
-          </a:p>
-        </p:txBody>
-      </p:sp>
-      <p:sp>
-        <p:nvSpPr>
-          <p:cNvPr id="3" name="Espace réservé du texte 2">
-            <a:extLst>
-              <a:ext uri="{FF2B5EF4-FFF2-40B4-BE49-F238E27FC236}">
-                <a16:creationId xmlns:a16="http://schemas.microsoft.com/office/drawing/2014/main" id="{5B689303-BA78-9B73-70D3-5D506AA526BB}"/>
-              </a:ext>
-            </a:extLst>
-          </p:cNvPr>
-          <p:cNvSpPr>
-            <a:spLocks noGrp="1"/>
-          </p:cNvSpPr>
-          <p:nvPr>
-            <p:ph type="body" idx="1"/>
-          </p:nvPr>
-        </p:nvSpPr>
-        <p:spPr>
-          <a:xfrm>
-            <a:off x="96396" y="1516650"/>
-            <a:ext cx="5923405" cy="823912"/>
+        <p:spPr>
+          <a:xfrm>
+            <a:off x="348792" y="365125"/>
+            <a:ext cx="11519554" cy="1325563"/>
           </a:xfrm>
           <a:solidFill>
-            <a:srgbClr val="FF5757"/>
+            <a:schemeClr val="bg2">
+              <a:lumMod val="10000"/>
+            </a:schemeClr>
           </a:solidFill>
         </p:spPr>
         <p:txBody>
           <a:bodyPr>
-            <a:normAutofit lnSpcReduction="10000"/>
+            <a:normAutofit/>
           </a:bodyPr>
           <a:lstStyle/>
           <a:p>
             <a:pPr algn="ctr"/>
-            <a:endParaRPr lang="fr-FR" dirty="0"/>
-          </a:p>
-          <a:p>
-            <a:pPr algn="ctr"/>
-            <a:r>
-              <a:rPr lang="fr-FR" dirty="0"/>
-              <a:t>Site la panthère</a:t>
-            </a:r>
-          </a:p>
-          <a:p>
-            <a:pPr algn="ctr"/>
-            <a:endParaRPr lang="fr-FR" dirty="0"/>
-          </a:p>
-        </p:txBody>
-      </p:sp>
-      <p:pic>
-        <p:nvPicPr>
-          <p:cNvPr id="15" name="Espace réservé du contenu 14" descr="Une image contenant texte&#10;&#10;Description générée automatiquement">
-            <a:extLst>
-              <a:ext uri="{FF2B5EF4-FFF2-40B4-BE49-F238E27FC236}">
-                <a16:creationId xmlns:a16="http://schemas.microsoft.com/office/drawing/2014/main" id="{2FEC354D-10A7-7BCC-E4D9-CEB31DBBBA5C}"/>
-              </a:ext>
-            </a:extLst>
-          </p:cNvPr>
-          <p:cNvPicPr>
-            <a:picLocks noGrp="1" noChangeAspect="1"/>
-          </p:cNvPicPr>
-          <p:nvPr>
-            <p:ph sz="half" idx="2"/>
-          </p:nvPr>
-        </p:nvPicPr>
-        <p:blipFill>
-          <a:blip r:embed="rId2">
-            <a:extLst>
-              <a:ext uri="{28A0092B-C50C-407E-A947-70E740481C1C}">
-                <a14:useLocalDpi xmlns:a14="http://schemas.microsoft.com/office/drawing/2010/main" val="0"/>
-              </a:ext>
-            </a:extLst>
-          </a:blip>
-          <a:stretch>
-            <a:fillRect/>
-          </a:stretch>
-        </p:blipFill>
-        <p:spPr>
-          <a:xfrm>
-            <a:off x="479204" y="2695281"/>
-            <a:ext cx="5157787" cy="2106854"/>
-          </a:xfrm>
-        </p:spPr>
-      </p:pic>
-      <p:sp>
-        <p:nvSpPr>
-          <p:cNvPr id="5" name="Espace réservé du texte 4">
-            <a:extLst>
-              <a:ext uri="{FF2B5EF4-FFF2-40B4-BE49-F238E27FC236}">
-                <a16:creationId xmlns:a16="http://schemas.microsoft.com/office/drawing/2014/main" id="{3B83A77E-E8BE-5B35-1753-E69310036A9C}"/>
-              </a:ext>
-            </a:extLst>
-          </p:cNvPr>
-          <p:cNvSpPr>
-            <a:spLocks noGrp="1"/>
-          </p:cNvSpPr>
-          <p:nvPr>
-            <p:ph type="body" sz="quarter" idx="3"/>
-          </p:nvPr>
-        </p:nvSpPr>
-        <p:spPr>
-          <a:xfrm>
-            <a:off x="6172200" y="1516650"/>
-            <a:ext cx="5923404" cy="929507"/>
-          </a:xfrm>
+            <a:r>
+              <a:rPr lang="fr-FR" dirty="0">
+                <a:solidFill>
+                  <a:schemeClr val="bg1"/>
+                </a:solidFill>
+              </a:rPr>
+              <a:t>Résultat des différents états d’optimisation présenté par la suite lors du rapport.</a:t>
+            </a:r>
+          </a:p>
+        </p:txBody>
+      </p:sp>
+      <p:sp>
+        <p:nvSpPr>
+          <p:cNvPr id="3" name="Ellipse 2">
+            <a:extLst>
+              <a:ext uri="{FF2B5EF4-FFF2-40B4-BE49-F238E27FC236}">
+                <a16:creationId xmlns:a16="http://schemas.microsoft.com/office/drawing/2014/main" id="{CBECB291-144E-73E5-C8A7-0E41FD00D541}"/>
+              </a:ext>
+            </a:extLst>
+          </p:cNvPr>
+          <p:cNvSpPr/>
+          <p:nvPr/>
+        </p:nvSpPr>
+        <p:spPr>
+          <a:xfrm>
+            <a:off x="838200" y="1828800"/>
+            <a:ext cx="2300926" cy="1414020"/>
+          </a:xfrm>
+          <a:prstGeom prst="ellipse">
+            <a:avLst/>
+          </a:prstGeom>
           <a:solidFill>
             <a:schemeClr val="accent6">
               <a:lumMod val="60000"/>
               <a:lumOff val="40000"/>
             </a:schemeClr>
           </a:solidFill>
-        </p:spPr>
-        <p:txBody>
-          <a:bodyPr>
-            <a:normAutofit lnSpcReduction="10000"/>
-          </a:bodyPr>
-          <a:lstStyle/>
-          <a:p>
-            <a:pPr algn="ctr"/>
-            <a:r>
-              <a:rPr lang="fr-FR" dirty="0"/>
-              <a:t>Optimisation du site la panthère</a:t>
-            </a:r>
-          </a:p>
-          <a:p>
-            <a:pPr algn="ctr"/>
-            <a:endParaRPr lang="fr-FR" dirty="0"/>
-          </a:p>
-        </p:txBody>
-      </p:sp>
-      <p:pic>
-        <p:nvPicPr>
-          <p:cNvPr id="19" name="Espace réservé du contenu 18" descr="Une image contenant texte&#10;&#10;Description générée automatiquement">
-            <a:extLst>
-              <a:ext uri="{FF2B5EF4-FFF2-40B4-BE49-F238E27FC236}">
-                <a16:creationId xmlns:a16="http://schemas.microsoft.com/office/drawing/2014/main" id="{761F8F94-9E0D-F6B3-147C-D9157114864F}"/>
-              </a:ext>
-            </a:extLst>
-          </p:cNvPr>
-          <p:cNvPicPr>
-            <a:picLocks noGrp="1" noChangeAspect="1"/>
-          </p:cNvPicPr>
-          <p:nvPr>
-            <p:ph sz="quarter" idx="4"/>
-          </p:nvPr>
-        </p:nvPicPr>
-        <p:blipFill>
-          <a:blip r:embed="rId3">
-            <a:extLst>
-              <a:ext uri="{28A0092B-C50C-407E-A947-70E740481C1C}">
-                <a14:useLocalDpi xmlns:a14="http://schemas.microsoft.com/office/drawing/2010/main" val="0"/>
-              </a:ext>
-            </a:extLst>
-          </a:blip>
-          <a:stretch>
-            <a:fillRect/>
-          </a:stretch>
-        </p:blipFill>
-        <p:spPr>
-          <a:xfrm>
-            <a:off x="6542308" y="2695281"/>
-            <a:ext cx="5183188" cy="2102961"/>
-          </a:xfrm>
-        </p:spPr>
-      </p:pic>
-      <p:sp>
-        <p:nvSpPr>
-          <p:cNvPr id="21" name="Flèche : droite 20">
-            <a:extLst>
-              <a:ext uri="{FF2B5EF4-FFF2-40B4-BE49-F238E27FC236}">
-                <a16:creationId xmlns:a16="http://schemas.microsoft.com/office/drawing/2014/main" id="{28571424-EE75-AF31-A3C8-AE44D66DE6F1}"/>
-              </a:ext>
-            </a:extLst>
-          </p:cNvPr>
-          <p:cNvSpPr/>
-          <p:nvPr/>
-        </p:nvSpPr>
-        <p:spPr>
-          <a:xfrm>
-            <a:off x="5182612" y="1580361"/>
-            <a:ext cx="1326596" cy="533926"/>
-          </a:xfrm>
-          <a:prstGeom prst="rightArrow">
-            <a:avLst/>
-          </a:prstGeom>
         </p:spPr>
         <p:style>
           <a:lnRef idx="2">
@@ -11764,16 +11558,23 @@
           <a:lstStyle/>
           <a:p>
             <a:pPr algn="ctr"/>
-            <a:endParaRPr lang="fr-FR"/>
-          </a:p>
-        </p:txBody>
-      </p:sp>
-      <p:sp>
-        <p:nvSpPr>
-          <p:cNvPr id="22" name="Rectangle 21">
-            <a:extLst>
-              <a:ext uri="{FF2B5EF4-FFF2-40B4-BE49-F238E27FC236}">
-                <a16:creationId xmlns:a16="http://schemas.microsoft.com/office/drawing/2014/main" id="{C892662C-20A1-9CB0-273B-59411A782007}"/>
+            <a:r>
+              <a:rPr lang="fr-FR" dirty="0">
+                <a:solidFill>
+                  <a:schemeClr val="tx1"/>
+                </a:solidFill>
+              </a:rPr>
+              <a:t>Terminé</a:t>
+            </a:r>
+          </a:p>
+        </p:txBody>
+      </p:sp>
+      <p:sp>
+        <p:nvSpPr>
+          <p:cNvPr id="4" name="Ellipse 3">
+            <a:extLst>
+              <a:ext uri="{FF2B5EF4-FFF2-40B4-BE49-F238E27FC236}">
+                <a16:creationId xmlns:a16="http://schemas.microsoft.com/office/drawing/2014/main" id="{CB991972-EB6D-39DF-5778-7AB99946E6C1}"/>
               </a:ext>
             </a:extLst>
           </p:cNvPr>
@@ -11782,68 +11583,14 @@
         </p:nvSpPr>
         <p:spPr>
           <a:xfrm>
-            <a:off x="0" y="6034087"/>
-            <a:ext cx="12192000" cy="823912"/>
-          </a:xfrm>
-          <a:prstGeom prst="rect">
-            <a:avLst/>
-          </a:prstGeom>
-          <a:solidFill>
-            <a:schemeClr val="accent2">
-              <a:lumMod val="60000"/>
-              <a:lumOff val="40000"/>
-            </a:schemeClr>
-          </a:solidFill>
-          <a:ln/>
-        </p:spPr>
-        <p:style>
-          <a:lnRef idx="2">
-            <a:schemeClr val="accent2"/>
-          </a:lnRef>
-          <a:fillRef idx="1">
-            <a:schemeClr val="lt1"/>
-          </a:fillRef>
-          <a:effectRef idx="0">
-            <a:schemeClr val="accent2"/>
-          </a:effectRef>
-          <a:fontRef idx="minor">
-            <a:schemeClr val="dk1"/>
-          </a:fontRef>
-        </p:style>
-        <p:txBody>
-          <a:bodyPr rtlCol="0" anchor="ctr"/>
-          <a:lstStyle/>
-          <a:p>
-            <a:pPr algn="ctr"/>
-            <a:r>
-              <a:rPr lang="fr-FR" dirty="0"/>
-              <a:t>Utilisé un autre outil d’analyse permet de confirmer la validité des modifications apportées au site pour avoir de meilleures performances.</a:t>
-            </a:r>
-          </a:p>
-        </p:txBody>
-      </p:sp>
-      <p:sp>
-        <p:nvSpPr>
-          <p:cNvPr id="4" name="Ellipse 3">
-            <a:extLst>
-              <a:ext uri="{FF2B5EF4-FFF2-40B4-BE49-F238E27FC236}">
-                <a16:creationId xmlns:a16="http://schemas.microsoft.com/office/drawing/2014/main" id="{FD50F513-DB93-81D0-27C5-799B94D74DE6}"/>
-              </a:ext>
-            </a:extLst>
-          </p:cNvPr>
-          <p:cNvSpPr/>
-          <p:nvPr/>
-        </p:nvSpPr>
-        <p:spPr>
-          <a:xfrm>
-            <a:off x="10626462" y="50882"/>
-            <a:ext cx="1451499" cy="799398"/>
+            <a:off x="838200" y="3527196"/>
+            <a:ext cx="2300926" cy="1414020"/>
           </a:xfrm>
           <a:prstGeom prst="ellipse">
             <a:avLst/>
           </a:prstGeom>
           <a:solidFill>
-            <a:schemeClr val="accent6">
+            <a:schemeClr val="accent4">
               <a:lumMod val="60000"/>
               <a:lumOff val="40000"/>
             </a:schemeClr>
@@ -11876,7 +11623,252 @@
                   <a:schemeClr val="tx1"/>
                 </a:solidFill>
               </a:rPr>
-              <a:t>Terminé</a:t>
+              <a:t>Partiel</a:t>
+            </a:r>
+          </a:p>
+        </p:txBody>
+      </p:sp>
+      <p:sp>
+        <p:nvSpPr>
+          <p:cNvPr id="5" name="Ellipse 4">
+            <a:extLst>
+              <a:ext uri="{FF2B5EF4-FFF2-40B4-BE49-F238E27FC236}">
+                <a16:creationId xmlns:a16="http://schemas.microsoft.com/office/drawing/2014/main" id="{1BD26BF3-5216-2361-A72D-E3597292B5A0}"/>
+              </a:ext>
+            </a:extLst>
+          </p:cNvPr>
+          <p:cNvSpPr/>
+          <p:nvPr/>
+        </p:nvSpPr>
+        <p:spPr>
+          <a:xfrm>
+            <a:off x="838200" y="5225592"/>
+            <a:ext cx="2300926" cy="1414020"/>
+          </a:xfrm>
+          <a:prstGeom prst="ellipse">
+            <a:avLst/>
+          </a:prstGeom>
+          <a:solidFill>
+            <a:schemeClr val="accent2">
+              <a:lumMod val="60000"/>
+              <a:lumOff val="40000"/>
+            </a:schemeClr>
+          </a:solidFill>
+        </p:spPr>
+        <p:style>
+          <a:lnRef idx="2">
+            <a:schemeClr val="accent1">
+              <a:shade val="50000"/>
+            </a:schemeClr>
+          </a:lnRef>
+          <a:fillRef idx="1">
+            <a:schemeClr val="accent1"/>
+          </a:fillRef>
+          <a:effectRef idx="0">
+            <a:schemeClr val="accent1"/>
+          </a:effectRef>
+          <a:fontRef idx="minor">
+            <a:schemeClr val="lt1"/>
+          </a:fontRef>
+        </p:style>
+        <p:txBody>
+          <a:bodyPr rtlCol="0" anchor="ctr"/>
+          <a:lstStyle/>
+          <a:p>
+            <a:pPr algn="ctr"/>
+            <a:r>
+              <a:rPr lang="fr-FR" dirty="0">
+                <a:solidFill>
+                  <a:schemeClr val="tx1"/>
+                </a:solidFill>
+              </a:rPr>
+              <a:t>Abandonnée</a:t>
+            </a:r>
+          </a:p>
+        </p:txBody>
+      </p:sp>
+      <p:sp>
+        <p:nvSpPr>
+          <p:cNvPr id="6" name="Rectangle 5">
+            <a:extLst>
+              <a:ext uri="{FF2B5EF4-FFF2-40B4-BE49-F238E27FC236}">
+                <a16:creationId xmlns:a16="http://schemas.microsoft.com/office/drawing/2014/main" id="{4C9798E4-6AE6-B074-FDD9-6B27D6905C91}"/>
+              </a:ext>
+            </a:extLst>
+          </p:cNvPr>
+          <p:cNvSpPr/>
+          <p:nvPr/>
+        </p:nvSpPr>
+        <p:spPr>
+          <a:xfrm>
+            <a:off x="3959257" y="5579097"/>
+            <a:ext cx="7183225" cy="707010"/>
+          </a:xfrm>
+          <a:prstGeom prst="rect">
+            <a:avLst/>
+          </a:prstGeom>
+          <a:noFill/>
+          <a:ln>
+            <a:solidFill>
+              <a:schemeClr val="accent2">
+                <a:lumMod val="60000"/>
+                <a:lumOff val="40000"/>
+              </a:schemeClr>
+            </a:solidFill>
+          </a:ln>
+        </p:spPr>
+        <p:style>
+          <a:lnRef idx="2">
+            <a:schemeClr val="accent1">
+              <a:shade val="50000"/>
+            </a:schemeClr>
+          </a:lnRef>
+          <a:fillRef idx="1">
+            <a:schemeClr val="accent1"/>
+          </a:fillRef>
+          <a:effectRef idx="0">
+            <a:schemeClr val="accent1"/>
+          </a:effectRef>
+          <a:fontRef idx="minor">
+            <a:schemeClr val="lt1"/>
+          </a:fontRef>
+        </p:style>
+        <p:txBody>
+          <a:bodyPr rtlCol="0" anchor="ctr"/>
+          <a:lstStyle/>
+          <a:p>
+            <a:pPr algn="ctr"/>
+            <a:r>
+              <a:rPr lang="fr-FR" dirty="0">
+                <a:solidFill>
+                  <a:schemeClr val="tx1"/>
+                </a:solidFill>
+              </a:rPr>
+              <a:t>Optimisation impossible (impossibilité de le faire au niveau actuel)</a:t>
+            </a:r>
+          </a:p>
+        </p:txBody>
+      </p:sp>
+      <p:sp>
+        <p:nvSpPr>
+          <p:cNvPr id="7" name="Rectangle 6">
+            <a:extLst>
+              <a:ext uri="{FF2B5EF4-FFF2-40B4-BE49-F238E27FC236}">
+                <a16:creationId xmlns:a16="http://schemas.microsoft.com/office/drawing/2014/main" id="{D978F88E-FC68-B84B-3776-7FCB491C7731}"/>
+              </a:ext>
+            </a:extLst>
+          </p:cNvPr>
+          <p:cNvSpPr/>
+          <p:nvPr/>
+        </p:nvSpPr>
+        <p:spPr>
+          <a:xfrm>
+            <a:off x="3959255" y="2182305"/>
+            <a:ext cx="7183225" cy="707010"/>
+          </a:xfrm>
+          <a:prstGeom prst="rect">
+            <a:avLst/>
+          </a:prstGeom>
+          <a:noFill/>
+          <a:ln>
+            <a:solidFill>
+              <a:schemeClr val="accent6">
+                <a:lumMod val="60000"/>
+                <a:lumOff val="40000"/>
+              </a:schemeClr>
+            </a:solidFill>
+          </a:ln>
+        </p:spPr>
+        <p:style>
+          <a:lnRef idx="2">
+            <a:schemeClr val="accent1">
+              <a:shade val="50000"/>
+            </a:schemeClr>
+          </a:lnRef>
+          <a:fillRef idx="1">
+            <a:schemeClr val="accent1"/>
+          </a:fillRef>
+          <a:effectRef idx="0">
+            <a:schemeClr val="accent1"/>
+          </a:effectRef>
+          <a:fontRef idx="minor">
+            <a:schemeClr val="lt1"/>
+          </a:fontRef>
+        </p:style>
+        <p:txBody>
+          <a:bodyPr rtlCol="0" anchor="ctr"/>
+          <a:lstStyle/>
+          <a:p>
+            <a:pPr algn="ctr"/>
+            <a:r>
+              <a:rPr lang="fr-FR" dirty="0">
+                <a:solidFill>
+                  <a:schemeClr val="tx1"/>
+                </a:solidFill>
+              </a:rPr>
+              <a:t>Optimisation réussie</a:t>
+            </a:r>
+          </a:p>
+        </p:txBody>
+      </p:sp>
+      <p:sp>
+        <p:nvSpPr>
+          <p:cNvPr id="8" name="Rectangle 7">
+            <a:extLst>
+              <a:ext uri="{FF2B5EF4-FFF2-40B4-BE49-F238E27FC236}">
+                <a16:creationId xmlns:a16="http://schemas.microsoft.com/office/drawing/2014/main" id="{BADDE3BA-8A80-F99A-1409-8A4D4709B7C2}"/>
+              </a:ext>
+            </a:extLst>
+          </p:cNvPr>
+          <p:cNvSpPr/>
+          <p:nvPr/>
+        </p:nvSpPr>
+        <p:spPr>
+          <a:xfrm>
+            <a:off x="3959254" y="3880701"/>
+            <a:ext cx="7183225" cy="707010"/>
+          </a:xfrm>
+          <a:prstGeom prst="rect">
+            <a:avLst/>
+          </a:prstGeom>
+          <a:noFill/>
+          <a:ln>
+            <a:solidFill>
+              <a:schemeClr val="accent4">
+                <a:lumMod val="60000"/>
+                <a:lumOff val="40000"/>
+              </a:schemeClr>
+            </a:solidFill>
+          </a:ln>
+        </p:spPr>
+        <p:style>
+          <a:lnRef idx="2">
+            <a:schemeClr val="accent1">
+              <a:shade val="50000"/>
+            </a:schemeClr>
+          </a:lnRef>
+          <a:fillRef idx="1">
+            <a:schemeClr val="accent1"/>
+          </a:fillRef>
+          <a:effectRef idx="0">
+            <a:schemeClr val="accent1"/>
+          </a:effectRef>
+          <a:fontRef idx="minor">
+            <a:schemeClr val="lt1"/>
+          </a:fontRef>
+        </p:style>
+        <p:txBody>
+          <a:bodyPr rtlCol="0" anchor="ctr"/>
+          <a:lstStyle/>
+          <a:p>
+            <a:pPr algn="ctr"/>
+            <a:r>
+              <a:rPr lang="fr-FR" dirty="0">
+                <a:solidFill>
+                  <a:schemeClr val="tx1"/>
+                </a:solidFill>
+              </a:rPr>
+              <a:t>Optimisation partiellement faite(qui nécessite une refonte de site complète pour une optimisation optimale)</a:t>
             </a:r>
           </a:p>
         </p:txBody>
@@ -11884,7 +11876,7 @@
     </p:spTree>
     <p:extLst>
       <p:ext uri="{BB962C8B-B14F-4D97-AF65-F5344CB8AC3E}">
-        <p14:creationId xmlns:p14="http://schemas.microsoft.com/office/powerpoint/2010/main" val="3902599311"/>
+        <p14:creationId xmlns:p14="http://schemas.microsoft.com/office/powerpoint/2010/main" val="2909290756"/>
       </p:ext>
     </p:extLst>
   </p:cSld>
